--- a/Präsentation/Hamster Holzer Kleinekort.pptx
+++ b/Präsentation/Hamster Holzer Kleinekort.pptx
@@ -7,11 +7,13 @@
   <p:sldIdLst>
     <p:sldId id="256" r:id="rId2"/>
     <p:sldId id="257" r:id="rId3"/>
-    <p:sldId id="258" r:id="rId4"/>
-    <p:sldId id="261" r:id="rId5"/>
-    <p:sldId id="260" r:id="rId6"/>
-    <p:sldId id="262" r:id="rId7"/>
-    <p:sldId id="263" r:id="rId8"/>
+    <p:sldId id="264" r:id="rId4"/>
+    <p:sldId id="265" r:id="rId5"/>
+    <p:sldId id="258" r:id="rId6"/>
+    <p:sldId id="261" r:id="rId7"/>
+    <p:sldId id="260" r:id="rId8"/>
+    <p:sldId id="262" r:id="rId9"/>
+    <p:sldId id="263" r:id="rId10"/>
   </p:sldIdLst>
   <p:sldSz cx="9144000" cy="6858000" type="screen4x3"/>
   <p:notesSz cx="6858000" cy="9144000"/>
@@ -112,7 +114,7 @@
   </p:defaultTextStyle>
   <p:extLst>
     <p:ext uri="{EFAFB233-063F-42B5-8137-9DF3F51BA10A}">
-      <p15:sldGuideLst xmlns:p15="http://schemas.microsoft.com/office/powerpoint/2012/main"/>
+      <p15:sldGuideLst xmlns:p15="http://schemas.microsoft.com/office/powerpoint/2012/main" xmlns=""/>
     </p:ext>
   </p:extLst>
 </p:presentation>
@@ -7962,12 +7964,13 @@
           <c:showPercent val="0"/>
           <c:showBubbleSize val="0"/>
         </c:dLbls>
+        <c:marker val="1"/>
         <c:smooth val="0"/>
-        <c:axId val="236202688"/>
-        <c:axId val="236207392"/>
+        <c:axId val="4614016"/>
+        <c:axId val="4615552"/>
       </c:lineChart>
       <c:catAx>
-        <c:axId val="236202688"/>
+        <c:axId val="4614016"/>
         <c:scaling>
           <c:orientation val="minMax"/>
         </c:scaling>
@@ -8010,7 +8013,7 @@
             <a:endParaRPr lang="de-DE"/>
           </a:p>
         </c:txPr>
-        <c:crossAx val="236207392"/>
+        <c:crossAx val="4615552"/>
         <c:crosses val="autoZero"/>
         <c:auto val="1"/>
         <c:lblAlgn val="ctr"/>
@@ -8018,7 +8021,7 @@
         <c:noMultiLvlLbl val="0"/>
       </c:catAx>
       <c:valAx>
-        <c:axId val="236207392"/>
+        <c:axId val="4615552"/>
         <c:scaling>
           <c:orientation val="minMax"/>
           <c:max val="1"/>
@@ -8070,7 +8073,7 @@
             <a:endParaRPr lang="de-DE"/>
           </a:p>
         </c:txPr>
-        <c:crossAx val="236202688"/>
+        <c:crossAx val="4614016"/>
         <c:crosses val="autoZero"/>
         <c:crossBetween val="between"/>
       </c:valAx>
@@ -8135,7 +8138,7 @@
       <a:endParaRPr lang="de-DE"/>
     </a:p>
   </c:txPr>
-  <c:externalData r:id="rId3">
+  <c:externalData r:id="rId1">
     <c:autoUpdate val="0"/>
   </c:externalData>
 </c:chartSpace>
@@ -11305,7 +11308,6 @@
               <a:rPr lang="de-DE" dirty="0" smtClean="0"/>
               <a:t>Mögliche Verbesserungen bei anderer Aufgabenstellung</a:t>
             </a:r>
-            <a:endParaRPr lang="de-DE" dirty="0" smtClean="0"/>
           </a:p>
           <a:p>
             <a:r>
@@ -11808,6 +11810,214 @@
           <a:p>
             <a:r>
               <a:rPr lang="de-DE" dirty="0" smtClean="0"/>
+              <a:t>Lösungsansätze</a:t>
+            </a:r>
+            <a:endParaRPr lang="de-DE" dirty="0"/>
+          </a:p>
+        </p:txBody>
+      </p:sp>
+      <p:sp>
+        <p:nvSpPr>
+          <p:cNvPr id="3" name="Inhaltsplatzhalter 2"/>
+          <p:cNvSpPr>
+            <a:spLocks noGrp="1"/>
+          </p:cNvSpPr>
+          <p:nvPr>
+            <p:ph idx="1"/>
+          </p:nvPr>
+        </p:nvSpPr>
+        <p:spPr/>
+        <p:txBody>
+          <a:bodyPr/>
+          <a:lstStyle/>
+          <a:p>
+            <a:r>
+              <a:rPr lang="de-DE" dirty="0" smtClean="0"/>
+              <a:t>Zufälliger Weg des Hamsters</a:t>
+            </a:r>
+          </a:p>
+          <a:p>
+            <a:r>
+              <a:rPr lang="de-DE" dirty="0" smtClean="0"/>
+              <a:t>Hamster bewegt sich nach striktem Muster</a:t>
+            </a:r>
+          </a:p>
+          <a:p>
+            <a:pPr lvl="1"/>
+            <a:r>
+              <a:rPr lang="de-DE" dirty="0" smtClean="0"/>
+              <a:t>Spirale</a:t>
+            </a:r>
+          </a:p>
+          <a:p>
+            <a:pPr lvl="1"/>
+            <a:r>
+              <a:rPr lang="de-DE" dirty="0" smtClean="0"/>
+              <a:t>Schlangenlinien</a:t>
+            </a:r>
+          </a:p>
+          <a:p>
+            <a:pPr lvl="1"/>
+            <a:r>
+              <a:rPr lang="de-DE" dirty="0" smtClean="0"/>
+              <a:t>…</a:t>
+            </a:r>
+            <a:endParaRPr lang="de-DE" dirty="0"/>
+          </a:p>
+          <a:p>
+            <a:r>
+              <a:rPr lang="de-DE" dirty="0" smtClean="0"/>
+              <a:t>Hamster bewegt sich vorwärts bis zu einer Mauer und entscheidet sich dann zufällig</a:t>
+            </a:r>
+          </a:p>
+          <a:p>
+            <a:endParaRPr lang="de-DE" dirty="0" smtClean="0"/>
+          </a:p>
+        </p:txBody>
+      </p:sp>
+    </p:spTree>
+    <p:extLst>
+      <p:ext uri="{BB962C8B-B14F-4D97-AF65-F5344CB8AC3E}">
+        <p14:creationId xmlns:p14="http://schemas.microsoft.com/office/powerpoint/2010/main" val="4167991657"/>
+      </p:ext>
+    </p:extLst>
+  </p:cSld>
+  <p:clrMapOvr>
+    <a:masterClrMapping/>
+  </p:clrMapOvr>
+  <p:timing>
+    <p:tnLst>
+      <p:par>
+        <p:cTn id="1" dur="indefinite" restart="never" nodeType="tmRoot"/>
+      </p:par>
+    </p:tnLst>
+  </p:timing>
+</p:sld>
+</file>
+
+<file path=ppt/slides/slide4.xml><?xml version="1.0" encoding="utf-8"?>
+<p:sld xmlns:a="http://schemas.openxmlformats.org/drawingml/2006/main" xmlns:r="http://schemas.openxmlformats.org/officeDocument/2006/relationships" xmlns:p="http://schemas.openxmlformats.org/presentationml/2006/main">
+  <p:cSld>
+    <p:spTree>
+      <p:nvGrpSpPr>
+        <p:cNvPr id="1" name=""/>
+        <p:cNvGrpSpPr/>
+        <p:nvPr/>
+      </p:nvGrpSpPr>
+      <p:grpSpPr>
+        <a:xfrm>
+          <a:off x="0" y="0"/>
+          <a:ext cx="0" cy="0"/>
+          <a:chOff x="0" y="0"/>
+          <a:chExt cx="0" cy="0"/>
+        </a:xfrm>
+      </p:grpSpPr>
+      <p:sp>
+        <p:nvSpPr>
+          <p:cNvPr id="2" name="Titel 1"/>
+          <p:cNvSpPr>
+            <a:spLocks noGrp="1"/>
+          </p:cNvSpPr>
+          <p:nvPr>
+            <p:ph type="title"/>
+          </p:nvPr>
+        </p:nvSpPr>
+        <p:spPr/>
+        <p:txBody>
+          <a:bodyPr/>
+          <a:lstStyle/>
+          <a:p>
+            <a:r>
+              <a:rPr lang="de-DE" dirty="0" smtClean="0"/>
+              <a:t>Unser Weg zur Lösung</a:t>
+            </a:r>
+            <a:endParaRPr lang="de-DE" dirty="0"/>
+          </a:p>
+        </p:txBody>
+      </p:sp>
+      <p:sp>
+        <p:nvSpPr>
+          <p:cNvPr id="3" name="Inhaltsplatzhalter 2"/>
+          <p:cNvSpPr>
+            <a:spLocks noGrp="1"/>
+          </p:cNvSpPr>
+          <p:nvPr>
+            <p:ph idx="1"/>
+          </p:nvPr>
+        </p:nvSpPr>
+        <p:spPr/>
+        <p:txBody>
+          <a:bodyPr/>
+          <a:lstStyle/>
+          <a:p>
+            <a:r>
+              <a:rPr lang="de-DE" dirty="0" smtClean="0"/>
+              <a:t>//Kommentar </a:t>
+            </a:r>
+          </a:p>
+          <a:p>
+            <a:r>
+              <a:rPr lang="de-DE" dirty="0" smtClean="0"/>
+              <a:t>Kombination aus einem strikten Muster (Schlangenlinien) und einer Zufallskomponente</a:t>
+            </a:r>
+            <a:endParaRPr lang="de-DE" dirty="0"/>
+          </a:p>
+        </p:txBody>
+      </p:sp>
+    </p:spTree>
+    <p:extLst>
+      <p:ext uri="{BB962C8B-B14F-4D97-AF65-F5344CB8AC3E}">
+        <p14:creationId xmlns:p14="http://schemas.microsoft.com/office/powerpoint/2010/main" val="341908791"/>
+      </p:ext>
+    </p:extLst>
+  </p:cSld>
+  <p:clrMapOvr>
+    <a:masterClrMapping/>
+  </p:clrMapOvr>
+  <p:timing>
+    <p:tnLst>
+      <p:par>
+        <p:cTn id="1" dur="indefinite" restart="never" nodeType="tmRoot"/>
+      </p:par>
+    </p:tnLst>
+  </p:timing>
+</p:sld>
+</file>
+
+<file path=ppt/slides/slide5.xml><?xml version="1.0" encoding="utf-8"?>
+<p:sld xmlns:a="http://schemas.openxmlformats.org/drawingml/2006/main" xmlns:r="http://schemas.openxmlformats.org/officeDocument/2006/relationships" xmlns:p="http://schemas.openxmlformats.org/presentationml/2006/main">
+  <p:cSld>
+    <p:spTree>
+      <p:nvGrpSpPr>
+        <p:cNvPr id="1" name=""/>
+        <p:cNvGrpSpPr/>
+        <p:nvPr/>
+      </p:nvGrpSpPr>
+      <p:grpSpPr>
+        <a:xfrm>
+          <a:off x="0" y="0"/>
+          <a:ext cx="0" cy="0"/>
+          <a:chOff x="0" y="0"/>
+          <a:chExt cx="0" cy="0"/>
+        </a:xfrm>
+      </p:grpSpPr>
+      <p:sp>
+        <p:nvSpPr>
+          <p:cNvPr id="2" name="Titel 1"/>
+          <p:cNvSpPr>
+            <a:spLocks noGrp="1"/>
+          </p:cNvSpPr>
+          <p:nvPr>
+            <p:ph type="title"/>
+          </p:nvPr>
+        </p:nvSpPr>
+        <p:spPr/>
+        <p:txBody>
+          <a:bodyPr/>
+          <a:lstStyle/>
+          <a:p>
+            <a:r>
+              <a:rPr lang="de-DE" dirty="0" smtClean="0"/>
               <a:t>Effizienzanalyse des Hamsters</a:t>
             </a:r>
             <a:endParaRPr lang="de-DE" dirty="0"/>
@@ -12195,7 +12405,7 @@
 </p:sld>
 </file>
 
-<file path=ppt/slides/slide4.xml><?xml version="1.0" encoding="utf-8"?>
+<file path=ppt/slides/slide6.xml><?xml version="1.0" encoding="utf-8"?>
 <p:sld xmlns:a="http://schemas.openxmlformats.org/drawingml/2006/main" xmlns:r="http://schemas.openxmlformats.org/officeDocument/2006/relationships" xmlns:p="http://schemas.openxmlformats.org/presentationml/2006/main">
   <p:cSld>
     <p:spTree>
@@ -12376,10 +12586,17 @@
   <p:clrMapOvr>
     <a:masterClrMapping/>
   </p:clrMapOvr>
+  <p:timing>
+    <p:tnLst>
+      <p:par>
+        <p:cTn id="1" dur="indefinite" restart="never" nodeType="tmRoot"/>
+      </p:par>
+    </p:tnLst>
+  </p:timing>
 </p:sld>
 </file>
 
-<file path=ppt/slides/slide5.xml><?xml version="1.0" encoding="utf-8"?>
+<file path=ppt/slides/slide7.xml><?xml version="1.0" encoding="utf-8"?>
 <p:sld xmlns:a="http://schemas.openxmlformats.org/drawingml/2006/main" xmlns:r="http://schemas.openxmlformats.org/officeDocument/2006/relationships" xmlns:p="http://schemas.openxmlformats.org/presentationml/2006/main">
   <p:cSld>
     <p:spTree>
@@ -12770,10 +12987,17 @@
   <p:clrMapOvr>
     <a:masterClrMapping/>
   </p:clrMapOvr>
+  <p:timing>
+    <p:tnLst>
+      <p:par>
+        <p:cTn id="1" dur="indefinite" restart="never" nodeType="tmRoot"/>
+      </p:par>
+    </p:tnLst>
+  </p:timing>
 </p:sld>
 </file>
 
-<file path=ppt/slides/slide6.xml><?xml version="1.0" encoding="utf-8"?>
+<file path=ppt/slides/slide8.xml><?xml version="1.0" encoding="utf-8"?>
 <p:sld xmlns:a="http://schemas.openxmlformats.org/drawingml/2006/main" xmlns:r="http://schemas.openxmlformats.org/officeDocument/2006/relationships" xmlns:p="http://schemas.openxmlformats.org/presentationml/2006/main">
   <p:cSld>
     <p:spTree>
@@ -12830,8 +13054,38 @@
           <a:p>
             <a:r>
               <a:rPr lang="de-DE" dirty="0" smtClean="0"/>
-              <a:t>Hamster ist gut auf Territorien</a:t>
+              <a:t>Hamster ist gut auf </a:t>
             </a:r>
+            <a:r>
+              <a:rPr lang="de-DE" dirty="0" smtClean="0"/>
+              <a:t>Territorien</a:t>
+            </a:r>
+          </a:p>
+          <a:p>
+            <a:r>
+              <a:rPr lang="de-DE" dirty="0" smtClean="0"/>
+              <a:t>Liefert kein zuverlässiges Ergebnis</a:t>
+            </a:r>
+          </a:p>
+          <a:p>
+            <a:r>
+              <a:rPr lang="de-DE" dirty="0" smtClean="0"/>
+              <a:t>Passt sich auf unterschiedlichen Größen gut an</a:t>
+            </a:r>
+          </a:p>
+          <a:p>
+            <a:r>
+              <a:rPr lang="de-DE" dirty="0" smtClean="0"/>
+              <a:t>Endlosschleifen in bestimmten Territorien nicht möglich (wird durch zufällige Züge verhindert)</a:t>
+            </a:r>
+          </a:p>
+          <a:p>
+            <a:r>
+              <a:rPr lang="de-DE" dirty="0" smtClean="0"/>
+              <a:t>Besitzt keine „Intelligenz“</a:t>
+            </a:r>
+          </a:p>
+          <a:p>
             <a:endParaRPr lang="de-DE" dirty="0"/>
           </a:p>
         </p:txBody>
@@ -12958,6 +13212,250 @@
                       </p:childTnLst>
                     </p:cTn>
                   </p:par>
+                  <p:par>
+                    <p:cTn id="8" fill="hold">
+                      <p:stCondLst>
+                        <p:cond delay="indefinite"/>
+                      </p:stCondLst>
+                      <p:childTnLst>
+                        <p:par>
+                          <p:cTn id="9" fill="hold">
+                            <p:stCondLst>
+                              <p:cond delay="0"/>
+                            </p:stCondLst>
+                            <p:childTnLst>
+                              <p:par>
+                                <p:cTn id="10" presetID="10" presetClass="entr" presetSubtype="0" fill="hold" grpId="0" nodeType="clickEffect">
+                                  <p:stCondLst>
+                                    <p:cond delay="0"/>
+                                  </p:stCondLst>
+                                  <p:childTnLst>
+                                    <p:set>
+                                      <p:cBhvr>
+                                        <p:cTn id="11" dur="1" fill="hold">
+                                          <p:stCondLst>
+                                            <p:cond delay="0"/>
+                                          </p:stCondLst>
+                                        </p:cTn>
+                                        <p:tgtEl>
+                                          <p:spTgt spid="3">
+                                            <p:txEl>
+                                              <p:pRg st="1" end="1"/>
+                                            </p:txEl>
+                                          </p:spTgt>
+                                        </p:tgtEl>
+                                        <p:attrNameLst>
+                                          <p:attrName>style.visibility</p:attrName>
+                                        </p:attrNameLst>
+                                      </p:cBhvr>
+                                      <p:to>
+                                        <p:strVal val="visible"/>
+                                      </p:to>
+                                    </p:set>
+                                    <p:animEffect transition="in" filter="fade">
+                                      <p:cBhvr>
+                                        <p:cTn id="12" dur="500"/>
+                                        <p:tgtEl>
+                                          <p:spTgt spid="3">
+                                            <p:txEl>
+                                              <p:pRg st="1" end="1"/>
+                                            </p:txEl>
+                                          </p:spTgt>
+                                        </p:tgtEl>
+                                      </p:cBhvr>
+                                    </p:animEffect>
+                                  </p:childTnLst>
+                                </p:cTn>
+                              </p:par>
+                            </p:childTnLst>
+                          </p:cTn>
+                        </p:par>
+                      </p:childTnLst>
+                    </p:cTn>
+                  </p:par>
+                  <p:par>
+                    <p:cTn id="13" fill="hold">
+                      <p:stCondLst>
+                        <p:cond delay="indefinite"/>
+                      </p:stCondLst>
+                      <p:childTnLst>
+                        <p:par>
+                          <p:cTn id="14" fill="hold">
+                            <p:stCondLst>
+                              <p:cond delay="0"/>
+                            </p:stCondLst>
+                            <p:childTnLst>
+                              <p:par>
+                                <p:cTn id="15" presetID="10" presetClass="entr" presetSubtype="0" fill="hold" grpId="0" nodeType="clickEffect">
+                                  <p:stCondLst>
+                                    <p:cond delay="0"/>
+                                  </p:stCondLst>
+                                  <p:childTnLst>
+                                    <p:set>
+                                      <p:cBhvr>
+                                        <p:cTn id="16" dur="1" fill="hold">
+                                          <p:stCondLst>
+                                            <p:cond delay="0"/>
+                                          </p:stCondLst>
+                                        </p:cTn>
+                                        <p:tgtEl>
+                                          <p:spTgt spid="3">
+                                            <p:txEl>
+                                              <p:pRg st="2" end="2"/>
+                                            </p:txEl>
+                                          </p:spTgt>
+                                        </p:tgtEl>
+                                        <p:attrNameLst>
+                                          <p:attrName>style.visibility</p:attrName>
+                                        </p:attrNameLst>
+                                      </p:cBhvr>
+                                      <p:to>
+                                        <p:strVal val="visible"/>
+                                      </p:to>
+                                    </p:set>
+                                    <p:animEffect transition="in" filter="fade">
+                                      <p:cBhvr>
+                                        <p:cTn id="17" dur="500"/>
+                                        <p:tgtEl>
+                                          <p:spTgt spid="3">
+                                            <p:txEl>
+                                              <p:pRg st="2" end="2"/>
+                                            </p:txEl>
+                                          </p:spTgt>
+                                        </p:tgtEl>
+                                      </p:cBhvr>
+                                    </p:animEffect>
+                                  </p:childTnLst>
+                                </p:cTn>
+                              </p:par>
+                            </p:childTnLst>
+                          </p:cTn>
+                        </p:par>
+                      </p:childTnLst>
+                    </p:cTn>
+                  </p:par>
+                  <p:par>
+                    <p:cTn id="18" fill="hold">
+                      <p:stCondLst>
+                        <p:cond delay="indefinite"/>
+                      </p:stCondLst>
+                      <p:childTnLst>
+                        <p:par>
+                          <p:cTn id="19" fill="hold">
+                            <p:stCondLst>
+                              <p:cond delay="0"/>
+                            </p:stCondLst>
+                            <p:childTnLst>
+                              <p:par>
+                                <p:cTn id="20" presetID="10" presetClass="entr" presetSubtype="0" fill="hold" grpId="0" nodeType="clickEffect">
+                                  <p:stCondLst>
+                                    <p:cond delay="0"/>
+                                  </p:stCondLst>
+                                  <p:childTnLst>
+                                    <p:set>
+                                      <p:cBhvr>
+                                        <p:cTn id="21" dur="1" fill="hold">
+                                          <p:stCondLst>
+                                            <p:cond delay="0"/>
+                                          </p:stCondLst>
+                                        </p:cTn>
+                                        <p:tgtEl>
+                                          <p:spTgt spid="3">
+                                            <p:txEl>
+                                              <p:pRg st="3" end="3"/>
+                                            </p:txEl>
+                                          </p:spTgt>
+                                        </p:tgtEl>
+                                        <p:attrNameLst>
+                                          <p:attrName>style.visibility</p:attrName>
+                                        </p:attrNameLst>
+                                      </p:cBhvr>
+                                      <p:to>
+                                        <p:strVal val="visible"/>
+                                      </p:to>
+                                    </p:set>
+                                    <p:animEffect transition="in" filter="fade">
+                                      <p:cBhvr>
+                                        <p:cTn id="22" dur="500"/>
+                                        <p:tgtEl>
+                                          <p:spTgt spid="3">
+                                            <p:txEl>
+                                              <p:pRg st="3" end="3"/>
+                                            </p:txEl>
+                                          </p:spTgt>
+                                        </p:tgtEl>
+                                      </p:cBhvr>
+                                    </p:animEffect>
+                                  </p:childTnLst>
+                                </p:cTn>
+                              </p:par>
+                            </p:childTnLst>
+                          </p:cTn>
+                        </p:par>
+                      </p:childTnLst>
+                    </p:cTn>
+                  </p:par>
+                  <p:par>
+                    <p:cTn id="23" fill="hold">
+                      <p:stCondLst>
+                        <p:cond delay="indefinite"/>
+                      </p:stCondLst>
+                      <p:childTnLst>
+                        <p:par>
+                          <p:cTn id="24" fill="hold">
+                            <p:stCondLst>
+                              <p:cond delay="0"/>
+                            </p:stCondLst>
+                            <p:childTnLst>
+                              <p:par>
+                                <p:cTn id="25" presetID="10" presetClass="entr" presetSubtype="0" fill="hold" grpId="0" nodeType="clickEffect">
+                                  <p:stCondLst>
+                                    <p:cond delay="0"/>
+                                  </p:stCondLst>
+                                  <p:childTnLst>
+                                    <p:set>
+                                      <p:cBhvr>
+                                        <p:cTn id="26" dur="1" fill="hold">
+                                          <p:stCondLst>
+                                            <p:cond delay="0"/>
+                                          </p:stCondLst>
+                                        </p:cTn>
+                                        <p:tgtEl>
+                                          <p:spTgt spid="3">
+                                            <p:txEl>
+                                              <p:pRg st="4" end="4"/>
+                                            </p:txEl>
+                                          </p:spTgt>
+                                        </p:tgtEl>
+                                        <p:attrNameLst>
+                                          <p:attrName>style.visibility</p:attrName>
+                                        </p:attrNameLst>
+                                      </p:cBhvr>
+                                      <p:to>
+                                        <p:strVal val="visible"/>
+                                      </p:to>
+                                    </p:set>
+                                    <p:animEffect transition="in" filter="fade">
+                                      <p:cBhvr>
+                                        <p:cTn id="27" dur="500"/>
+                                        <p:tgtEl>
+                                          <p:spTgt spid="3">
+                                            <p:txEl>
+                                              <p:pRg st="4" end="4"/>
+                                            </p:txEl>
+                                          </p:spTgt>
+                                        </p:tgtEl>
+                                      </p:cBhvr>
+                                    </p:animEffect>
+                                  </p:childTnLst>
+                                </p:cTn>
+                              </p:par>
+                            </p:childTnLst>
+                          </p:cTn>
+                        </p:par>
+                      </p:childTnLst>
+                    </p:cTn>
+                  </p:par>
                 </p:childTnLst>
               </p:cTn>
               <p:prevCondLst>
@@ -12986,7 +13484,7 @@
 </p:sld>
 </file>
 
-<file path=ppt/slides/slide7.xml><?xml version="1.0" encoding="utf-8"?>
+<file path=ppt/slides/slide9.xml><?xml version="1.0" encoding="utf-8"?>
 <p:sld xmlns:a="http://schemas.openxmlformats.org/drawingml/2006/main" xmlns:r="http://schemas.openxmlformats.org/officeDocument/2006/relationships" xmlns:p="http://schemas.openxmlformats.org/presentationml/2006/main">
   <p:cSld>
     <p:spTree>
@@ -13057,7 +13555,17 @@
           <a:p>
             <a:r>
               <a:rPr lang="de-DE" dirty="0" smtClean="0"/>
-              <a:t>Auch im Sichtfeld vorne Körner sehen können.</a:t>
+              <a:t>Auch im Sichtfeld vorne Körner sehen können</a:t>
+            </a:r>
+            <a:r>
+              <a:rPr lang="de-DE" dirty="0" smtClean="0"/>
+              <a:t>.</a:t>
+            </a:r>
+          </a:p>
+          <a:p>
+            <a:r>
+              <a:rPr lang="de-DE" dirty="0" smtClean="0"/>
+              <a:t>„Einfahrphase“ in der der Hamster das Territorium analysiert und speichert</a:t>
             </a:r>
             <a:endParaRPr lang="de-DE" dirty="0"/>
           </a:p>
@@ -13293,6 +13801,67 @@
                                           <p:spTgt spid="3">
                                             <p:txEl>
                                               <p:pRg st="2" end="2"/>
+                                            </p:txEl>
+                                          </p:spTgt>
+                                        </p:tgtEl>
+                                      </p:cBhvr>
+                                    </p:animEffect>
+                                  </p:childTnLst>
+                                </p:cTn>
+                              </p:par>
+                            </p:childTnLst>
+                          </p:cTn>
+                        </p:par>
+                      </p:childTnLst>
+                    </p:cTn>
+                  </p:par>
+                  <p:par>
+                    <p:cTn id="18" fill="hold">
+                      <p:stCondLst>
+                        <p:cond delay="indefinite"/>
+                      </p:stCondLst>
+                      <p:childTnLst>
+                        <p:par>
+                          <p:cTn id="19" fill="hold">
+                            <p:stCondLst>
+                              <p:cond delay="0"/>
+                            </p:stCondLst>
+                            <p:childTnLst>
+                              <p:par>
+                                <p:cTn id="20" presetID="10" presetClass="entr" presetSubtype="0" fill="hold" grpId="0" nodeType="clickEffect">
+                                  <p:stCondLst>
+                                    <p:cond delay="0"/>
+                                  </p:stCondLst>
+                                  <p:childTnLst>
+                                    <p:set>
+                                      <p:cBhvr>
+                                        <p:cTn id="21" dur="1" fill="hold">
+                                          <p:stCondLst>
+                                            <p:cond delay="0"/>
+                                          </p:stCondLst>
+                                        </p:cTn>
+                                        <p:tgtEl>
+                                          <p:spTgt spid="3">
+                                            <p:txEl>
+                                              <p:pRg st="3" end="3"/>
+                                            </p:txEl>
+                                          </p:spTgt>
+                                        </p:tgtEl>
+                                        <p:attrNameLst>
+                                          <p:attrName>style.visibility</p:attrName>
+                                        </p:attrNameLst>
+                                      </p:cBhvr>
+                                      <p:to>
+                                        <p:strVal val="visible"/>
+                                      </p:to>
+                                    </p:set>
+                                    <p:animEffect transition="in" filter="fade">
+                                      <p:cBhvr>
+                                        <p:cTn id="22" dur="500"/>
+                                        <p:tgtEl>
+                                          <p:spTgt spid="3">
+                                            <p:txEl>
+                                              <p:pRg st="3" end="3"/>
                                             </p:txEl>
                                           </p:spTgt>
                                         </p:tgtEl>
@@ -13590,7 +14159,7 @@
   <a:extraClrSchemeLst/>
   <a:extLst>
     <a:ext uri="{05A4C25C-085E-4340-85A3-A5531E510DB2}">
-      <thm15:themeFamily xmlns:thm15="http://schemas.microsoft.com/office/thememl/2012/main" name="Office Theme" id="{62F939B6-93AF-4DB8-9C6B-D6C7DFDC589F}" vid="{4A3C46E8-61CC-4603-A589-7422A47A8E4A}"/>
+      <thm15:themeFamily xmlns:thm15="http://schemas.microsoft.com/office/thememl/2012/main" xmlns="" name="Office Theme" id="{62F939B6-93AF-4DB8-9C6B-D6C7DFDC589F}" vid="{4A3C46E8-61CC-4603-A589-7422A47A8E4A}"/>
     </a:ext>
   </a:extLst>
 </a:theme>

--- a/Präsentation/Hamster Holzer Kleinekort.pptx
+++ b/Präsentation/Hamster Holzer Kleinekort.pptx
@@ -187,10 +187,10 @@
           </c:marker>
           <c:cat>
             <c:numRef>
-              <c:f>Tabelle1!$A$2:$A$13</c:f>
+              <c:f>Tabelle1!$A$2:$A$12</c:f>
               <c:numCache>
                 <c:formatCode>General</c:formatCode>
-                <c:ptCount val="12"/>
+                <c:ptCount val="11"/>
                 <c:pt idx="0">
                   <c:v>0</c:v>
                 </c:pt>
@@ -223,19 +223,16 @@
                 </c:pt>
                 <c:pt idx="10">
                   <c:v>100</c:v>
-                </c:pt>
-                <c:pt idx="11">
-                  <c:v>110</c:v>
                 </c:pt>
               </c:numCache>
             </c:numRef>
           </c:cat>
           <c:val>
             <c:numRef>
-              <c:f>Tabelle1!$B$2:$B$13</c:f>
+              <c:f>Tabelle1!$B$2:$B$12</c:f>
               <c:numCache>
                 <c:formatCode>0%</c:formatCode>
-                <c:ptCount val="12"/>
+                <c:ptCount val="11"/>
                 <c:pt idx="0">
                   <c:v>0</c:v>
                 </c:pt>
@@ -267,9 +264,6 @@
                   <c:v>0.94736842105263164</c:v>
                 </c:pt>
                 <c:pt idx="10">
-                  <c:v>1</c:v>
-                </c:pt>
-                <c:pt idx="11">
                   <c:v>1</c:v>
                 </c:pt>
               </c:numCache>
@@ -286,11 +280,11 @@
           <c:showBubbleSize val="0"/>
         </c:dLbls>
         <c:smooth val="0"/>
-        <c:axId val="349337544"/>
-        <c:axId val="349338328"/>
+        <c:axId val="234763648"/>
+        <c:axId val="234767960"/>
       </c:lineChart>
       <c:catAx>
-        <c:axId val="349337544"/>
+        <c:axId val="234763648"/>
         <c:scaling>
           <c:orientation val="minMax"/>
         </c:scaling>
@@ -333,7 +327,7 @@
             <a:endParaRPr lang="de-DE"/>
           </a:p>
         </c:txPr>
-        <c:crossAx val="349338328"/>
+        <c:crossAx val="234767960"/>
         <c:crosses val="autoZero"/>
         <c:auto val="1"/>
         <c:lblAlgn val="ctr"/>
@@ -341,10 +335,11 @@
         <c:noMultiLvlLbl val="0"/>
       </c:catAx>
       <c:valAx>
-        <c:axId val="349338328"/>
+        <c:axId val="234767960"/>
         <c:scaling>
           <c:orientation val="minMax"/>
-          <c:max val="1"/>
+          <c:max val="1.05"/>
+          <c:min val="0"/>
         </c:scaling>
         <c:delete val="0"/>
         <c:axPos val="l"/>
@@ -393,7 +388,7 @@
             <a:endParaRPr lang="de-DE"/>
           </a:p>
         </c:txPr>
-        <c:crossAx val="349337544"/>
+        <c:crossAx val="234763648"/>
         <c:crosses val="autoZero"/>
         <c:crossBetween val="between"/>
       </c:valAx>
@@ -512,10 +507,10 @@
           </c:marker>
           <c:cat>
             <c:numRef>
-              <c:f>Tabelle1!$A$2:$A$1296</c:f>
+              <c:f>Tabelle1!$A$2:$A$724</c:f>
               <c:numCache>
                 <c:formatCode>General</c:formatCode>
-                <c:ptCount val="1295"/>
+                <c:ptCount val="723"/>
                 <c:pt idx="0">
                   <c:v>0</c:v>
                 </c:pt>
@@ -2684,1732 +2679,16 @@
                 </c:pt>
                 <c:pt idx="722">
                   <c:v>7220</c:v>
-                </c:pt>
-                <c:pt idx="723">
-                  <c:v>7230</c:v>
-                </c:pt>
-                <c:pt idx="724">
-                  <c:v>7240</c:v>
-                </c:pt>
-                <c:pt idx="725">
-                  <c:v>7250</c:v>
-                </c:pt>
-                <c:pt idx="726">
-                  <c:v>7260</c:v>
-                </c:pt>
-                <c:pt idx="727">
-                  <c:v>7270</c:v>
-                </c:pt>
-                <c:pt idx="728">
-                  <c:v>7280</c:v>
-                </c:pt>
-                <c:pt idx="729">
-                  <c:v>7290</c:v>
-                </c:pt>
-                <c:pt idx="730">
-                  <c:v>7300</c:v>
-                </c:pt>
-                <c:pt idx="731">
-                  <c:v>7310</c:v>
-                </c:pt>
-                <c:pt idx="732">
-                  <c:v>7320</c:v>
-                </c:pt>
-                <c:pt idx="733">
-                  <c:v>7330</c:v>
-                </c:pt>
-                <c:pt idx="734">
-                  <c:v>7340</c:v>
-                </c:pt>
-                <c:pt idx="735">
-                  <c:v>7350</c:v>
-                </c:pt>
-                <c:pt idx="736">
-                  <c:v>7360</c:v>
-                </c:pt>
-                <c:pt idx="737">
-                  <c:v>7370</c:v>
-                </c:pt>
-                <c:pt idx="738">
-                  <c:v>7380</c:v>
-                </c:pt>
-                <c:pt idx="739">
-                  <c:v>7390</c:v>
-                </c:pt>
-                <c:pt idx="740">
-                  <c:v>7400</c:v>
-                </c:pt>
-                <c:pt idx="741">
-                  <c:v>7410</c:v>
-                </c:pt>
-                <c:pt idx="742">
-                  <c:v>7420</c:v>
-                </c:pt>
-                <c:pt idx="743">
-                  <c:v>7430</c:v>
-                </c:pt>
-                <c:pt idx="744">
-                  <c:v>7440</c:v>
-                </c:pt>
-                <c:pt idx="745">
-                  <c:v>7450</c:v>
-                </c:pt>
-                <c:pt idx="746">
-                  <c:v>7460</c:v>
-                </c:pt>
-                <c:pt idx="747">
-                  <c:v>7470</c:v>
-                </c:pt>
-                <c:pt idx="748">
-                  <c:v>7480</c:v>
-                </c:pt>
-                <c:pt idx="749">
-                  <c:v>7490</c:v>
-                </c:pt>
-                <c:pt idx="750">
-                  <c:v>7500</c:v>
-                </c:pt>
-                <c:pt idx="751">
-                  <c:v>7510</c:v>
-                </c:pt>
-                <c:pt idx="752">
-                  <c:v>7520</c:v>
-                </c:pt>
-                <c:pt idx="753">
-                  <c:v>7530</c:v>
-                </c:pt>
-                <c:pt idx="754">
-                  <c:v>7540</c:v>
-                </c:pt>
-                <c:pt idx="755">
-                  <c:v>7550</c:v>
-                </c:pt>
-                <c:pt idx="756">
-                  <c:v>7560</c:v>
-                </c:pt>
-                <c:pt idx="757">
-                  <c:v>7570</c:v>
-                </c:pt>
-                <c:pt idx="758">
-                  <c:v>7580</c:v>
-                </c:pt>
-                <c:pt idx="759">
-                  <c:v>7590</c:v>
-                </c:pt>
-                <c:pt idx="760">
-                  <c:v>7600</c:v>
-                </c:pt>
-                <c:pt idx="761">
-                  <c:v>7610</c:v>
-                </c:pt>
-                <c:pt idx="762">
-                  <c:v>7620</c:v>
-                </c:pt>
-                <c:pt idx="763">
-                  <c:v>7630</c:v>
-                </c:pt>
-                <c:pt idx="764">
-                  <c:v>7640</c:v>
-                </c:pt>
-                <c:pt idx="765">
-                  <c:v>7650</c:v>
-                </c:pt>
-                <c:pt idx="766">
-                  <c:v>7660</c:v>
-                </c:pt>
-                <c:pt idx="767">
-                  <c:v>7670</c:v>
-                </c:pt>
-                <c:pt idx="768">
-                  <c:v>7680</c:v>
-                </c:pt>
-                <c:pt idx="769">
-                  <c:v>7690</c:v>
-                </c:pt>
-                <c:pt idx="770">
-                  <c:v>7700</c:v>
-                </c:pt>
-                <c:pt idx="771">
-                  <c:v>7710</c:v>
-                </c:pt>
-                <c:pt idx="772">
-                  <c:v>7720</c:v>
-                </c:pt>
-                <c:pt idx="773">
-                  <c:v>7730</c:v>
-                </c:pt>
-                <c:pt idx="774">
-                  <c:v>7740</c:v>
-                </c:pt>
-                <c:pt idx="775">
-                  <c:v>7750</c:v>
-                </c:pt>
-                <c:pt idx="776">
-                  <c:v>7760</c:v>
-                </c:pt>
-                <c:pt idx="777">
-                  <c:v>7770</c:v>
-                </c:pt>
-                <c:pt idx="778">
-                  <c:v>7780</c:v>
-                </c:pt>
-                <c:pt idx="779">
-                  <c:v>7790</c:v>
-                </c:pt>
-                <c:pt idx="780">
-                  <c:v>7800</c:v>
-                </c:pt>
-                <c:pt idx="781">
-                  <c:v>7810</c:v>
-                </c:pt>
-                <c:pt idx="782">
-                  <c:v>7820</c:v>
-                </c:pt>
-                <c:pt idx="783">
-                  <c:v>7830</c:v>
-                </c:pt>
-                <c:pt idx="784">
-                  <c:v>7840</c:v>
-                </c:pt>
-                <c:pt idx="785">
-                  <c:v>7850</c:v>
-                </c:pt>
-                <c:pt idx="786">
-                  <c:v>7860</c:v>
-                </c:pt>
-                <c:pt idx="787">
-                  <c:v>7870</c:v>
-                </c:pt>
-                <c:pt idx="788">
-                  <c:v>7880</c:v>
-                </c:pt>
-                <c:pt idx="789">
-                  <c:v>7890</c:v>
-                </c:pt>
-                <c:pt idx="790">
-                  <c:v>7900</c:v>
-                </c:pt>
-                <c:pt idx="791">
-                  <c:v>7910</c:v>
-                </c:pt>
-                <c:pt idx="792">
-                  <c:v>7920</c:v>
-                </c:pt>
-                <c:pt idx="793">
-                  <c:v>7930</c:v>
-                </c:pt>
-                <c:pt idx="794">
-                  <c:v>7940</c:v>
-                </c:pt>
-                <c:pt idx="795">
-                  <c:v>7950</c:v>
-                </c:pt>
-                <c:pt idx="796">
-                  <c:v>7960</c:v>
-                </c:pt>
-                <c:pt idx="797">
-                  <c:v>7970</c:v>
-                </c:pt>
-                <c:pt idx="798">
-                  <c:v>7980</c:v>
-                </c:pt>
-                <c:pt idx="799">
-                  <c:v>7990</c:v>
-                </c:pt>
-                <c:pt idx="800">
-                  <c:v>8000</c:v>
-                </c:pt>
-                <c:pt idx="801">
-                  <c:v>8010</c:v>
-                </c:pt>
-                <c:pt idx="802">
-                  <c:v>8020</c:v>
-                </c:pt>
-                <c:pt idx="803">
-                  <c:v>8030</c:v>
-                </c:pt>
-                <c:pt idx="804">
-                  <c:v>8040</c:v>
-                </c:pt>
-                <c:pt idx="805">
-                  <c:v>8050</c:v>
-                </c:pt>
-                <c:pt idx="806">
-                  <c:v>8060</c:v>
-                </c:pt>
-                <c:pt idx="807">
-                  <c:v>8070</c:v>
-                </c:pt>
-                <c:pt idx="808">
-                  <c:v>8080</c:v>
-                </c:pt>
-                <c:pt idx="809">
-                  <c:v>8090</c:v>
-                </c:pt>
-                <c:pt idx="810">
-                  <c:v>8100</c:v>
-                </c:pt>
-                <c:pt idx="811">
-                  <c:v>8110</c:v>
-                </c:pt>
-                <c:pt idx="812">
-                  <c:v>8120</c:v>
-                </c:pt>
-                <c:pt idx="813">
-                  <c:v>8130</c:v>
-                </c:pt>
-                <c:pt idx="814">
-                  <c:v>8140</c:v>
-                </c:pt>
-                <c:pt idx="815">
-                  <c:v>8150</c:v>
-                </c:pt>
-                <c:pt idx="816">
-                  <c:v>8160</c:v>
-                </c:pt>
-                <c:pt idx="817">
-                  <c:v>8170</c:v>
-                </c:pt>
-                <c:pt idx="818">
-                  <c:v>8180</c:v>
-                </c:pt>
-                <c:pt idx="819">
-                  <c:v>8190</c:v>
-                </c:pt>
-                <c:pt idx="820">
-                  <c:v>8200</c:v>
-                </c:pt>
-                <c:pt idx="821">
-                  <c:v>8210</c:v>
-                </c:pt>
-                <c:pt idx="822">
-                  <c:v>8220</c:v>
-                </c:pt>
-                <c:pt idx="823">
-                  <c:v>8230</c:v>
-                </c:pt>
-                <c:pt idx="824">
-                  <c:v>8240</c:v>
-                </c:pt>
-                <c:pt idx="825">
-                  <c:v>8250</c:v>
-                </c:pt>
-                <c:pt idx="826">
-                  <c:v>8260</c:v>
-                </c:pt>
-                <c:pt idx="827">
-                  <c:v>8270</c:v>
-                </c:pt>
-                <c:pt idx="828">
-                  <c:v>8280</c:v>
-                </c:pt>
-                <c:pt idx="829">
-                  <c:v>8290</c:v>
-                </c:pt>
-                <c:pt idx="830">
-                  <c:v>8300</c:v>
-                </c:pt>
-                <c:pt idx="831">
-                  <c:v>8310</c:v>
-                </c:pt>
-                <c:pt idx="832">
-                  <c:v>8320</c:v>
-                </c:pt>
-                <c:pt idx="833">
-                  <c:v>8330</c:v>
-                </c:pt>
-                <c:pt idx="834">
-                  <c:v>8340</c:v>
-                </c:pt>
-                <c:pt idx="835">
-                  <c:v>8350</c:v>
-                </c:pt>
-                <c:pt idx="836">
-                  <c:v>8360</c:v>
-                </c:pt>
-                <c:pt idx="837">
-                  <c:v>8370</c:v>
-                </c:pt>
-                <c:pt idx="838">
-                  <c:v>8380</c:v>
-                </c:pt>
-                <c:pt idx="839">
-                  <c:v>8390</c:v>
-                </c:pt>
-                <c:pt idx="840">
-                  <c:v>8400</c:v>
-                </c:pt>
-                <c:pt idx="841">
-                  <c:v>8410</c:v>
-                </c:pt>
-                <c:pt idx="842">
-                  <c:v>8420</c:v>
-                </c:pt>
-                <c:pt idx="843">
-                  <c:v>8430</c:v>
-                </c:pt>
-                <c:pt idx="844">
-                  <c:v>8440</c:v>
-                </c:pt>
-                <c:pt idx="845">
-                  <c:v>8450</c:v>
-                </c:pt>
-                <c:pt idx="846">
-                  <c:v>8460</c:v>
-                </c:pt>
-                <c:pt idx="847">
-                  <c:v>8470</c:v>
-                </c:pt>
-                <c:pt idx="848">
-                  <c:v>8480</c:v>
-                </c:pt>
-                <c:pt idx="849">
-                  <c:v>8490</c:v>
-                </c:pt>
-                <c:pt idx="850">
-                  <c:v>8500</c:v>
-                </c:pt>
-                <c:pt idx="851">
-                  <c:v>8510</c:v>
-                </c:pt>
-                <c:pt idx="852">
-                  <c:v>8520</c:v>
-                </c:pt>
-                <c:pt idx="853">
-                  <c:v>8530</c:v>
-                </c:pt>
-                <c:pt idx="854">
-                  <c:v>8540</c:v>
-                </c:pt>
-                <c:pt idx="855">
-                  <c:v>8550</c:v>
-                </c:pt>
-                <c:pt idx="856">
-                  <c:v>8560</c:v>
-                </c:pt>
-                <c:pt idx="857">
-                  <c:v>8570</c:v>
-                </c:pt>
-                <c:pt idx="858">
-                  <c:v>8580</c:v>
-                </c:pt>
-                <c:pt idx="859">
-                  <c:v>8590</c:v>
-                </c:pt>
-                <c:pt idx="860">
-                  <c:v>8600</c:v>
-                </c:pt>
-                <c:pt idx="861">
-                  <c:v>8610</c:v>
-                </c:pt>
-                <c:pt idx="862">
-                  <c:v>8620</c:v>
-                </c:pt>
-                <c:pt idx="863">
-                  <c:v>8630</c:v>
-                </c:pt>
-                <c:pt idx="864">
-                  <c:v>8640</c:v>
-                </c:pt>
-                <c:pt idx="865">
-                  <c:v>8650</c:v>
-                </c:pt>
-                <c:pt idx="866">
-                  <c:v>8660</c:v>
-                </c:pt>
-                <c:pt idx="867">
-                  <c:v>8670</c:v>
-                </c:pt>
-                <c:pt idx="868">
-                  <c:v>8680</c:v>
-                </c:pt>
-                <c:pt idx="869">
-                  <c:v>8690</c:v>
-                </c:pt>
-                <c:pt idx="870">
-                  <c:v>8700</c:v>
-                </c:pt>
-                <c:pt idx="871">
-                  <c:v>8710</c:v>
-                </c:pt>
-                <c:pt idx="872">
-                  <c:v>8720</c:v>
-                </c:pt>
-                <c:pt idx="873">
-                  <c:v>8730</c:v>
-                </c:pt>
-                <c:pt idx="874">
-                  <c:v>8740</c:v>
-                </c:pt>
-                <c:pt idx="875">
-                  <c:v>8750</c:v>
-                </c:pt>
-                <c:pt idx="876">
-                  <c:v>8760</c:v>
-                </c:pt>
-                <c:pt idx="877">
-                  <c:v>8770</c:v>
-                </c:pt>
-                <c:pt idx="878">
-                  <c:v>8780</c:v>
-                </c:pt>
-                <c:pt idx="879">
-                  <c:v>8790</c:v>
-                </c:pt>
-                <c:pt idx="880">
-                  <c:v>8800</c:v>
-                </c:pt>
-                <c:pt idx="881">
-                  <c:v>8810</c:v>
-                </c:pt>
-                <c:pt idx="882">
-                  <c:v>8820</c:v>
-                </c:pt>
-                <c:pt idx="883">
-                  <c:v>8830</c:v>
-                </c:pt>
-                <c:pt idx="884">
-                  <c:v>8840</c:v>
-                </c:pt>
-                <c:pt idx="885">
-                  <c:v>8850</c:v>
-                </c:pt>
-                <c:pt idx="886">
-                  <c:v>8860</c:v>
-                </c:pt>
-                <c:pt idx="887">
-                  <c:v>8870</c:v>
-                </c:pt>
-                <c:pt idx="888">
-                  <c:v>8880</c:v>
-                </c:pt>
-                <c:pt idx="889">
-                  <c:v>8890</c:v>
-                </c:pt>
-                <c:pt idx="890">
-                  <c:v>8900</c:v>
-                </c:pt>
-                <c:pt idx="891">
-                  <c:v>8910</c:v>
-                </c:pt>
-                <c:pt idx="892">
-                  <c:v>8920</c:v>
-                </c:pt>
-                <c:pt idx="893">
-                  <c:v>8930</c:v>
-                </c:pt>
-                <c:pt idx="894">
-                  <c:v>8940</c:v>
-                </c:pt>
-                <c:pt idx="895">
-                  <c:v>8950</c:v>
-                </c:pt>
-                <c:pt idx="896">
-                  <c:v>8960</c:v>
-                </c:pt>
-                <c:pt idx="897">
-                  <c:v>8970</c:v>
-                </c:pt>
-                <c:pt idx="898">
-                  <c:v>8980</c:v>
-                </c:pt>
-                <c:pt idx="899">
-                  <c:v>8990</c:v>
-                </c:pt>
-                <c:pt idx="900">
-                  <c:v>9000</c:v>
-                </c:pt>
-                <c:pt idx="901">
-                  <c:v>9010</c:v>
-                </c:pt>
-                <c:pt idx="902">
-                  <c:v>9020</c:v>
-                </c:pt>
-                <c:pt idx="903">
-                  <c:v>9030</c:v>
-                </c:pt>
-                <c:pt idx="904">
-                  <c:v>9040</c:v>
-                </c:pt>
-                <c:pt idx="905">
-                  <c:v>9050</c:v>
-                </c:pt>
-                <c:pt idx="906">
-                  <c:v>9060</c:v>
-                </c:pt>
-                <c:pt idx="907">
-                  <c:v>9070</c:v>
-                </c:pt>
-                <c:pt idx="908">
-                  <c:v>9080</c:v>
-                </c:pt>
-                <c:pt idx="909">
-                  <c:v>9090</c:v>
-                </c:pt>
-                <c:pt idx="910">
-                  <c:v>9100</c:v>
-                </c:pt>
-                <c:pt idx="911">
-                  <c:v>9110</c:v>
-                </c:pt>
-                <c:pt idx="912">
-                  <c:v>9120</c:v>
-                </c:pt>
-                <c:pt idx="913">
-                  <c:v>9130</c:v>
-                </c:pt>
-                <c:pt idx="914">
-                  <c:v>9140</c:v>
-                </c:pt>
-                <c:pt idx="915">
-                  <c:v>9150</c:v>
-                </c:pt>
-                <c:pt idx="916">
-                  <c:v>9160</c:v>
-                </c:pt>
-                <c:pt idx="917">
-                  <c:v>9170</c:v>
-                </c:pt>
-                <c:pt idx="918">
-                  <c:v>9180</c:v>
-                </c:pt>
-                <c:pt idx="919">
-                  <c:v>9190</c:v>
-                </c:pt>
-                <c:pt idx="920">
-                  <c:v>9200</c:v>
-                </c:pt>
-                <c:pt idx="921">
-                  <c:v>9210</c:v>
-                </c:pt>
-                <c:pt idx="922">
-                  <c:v>9220</c:v>
-                </c:pt>
-                <c:pt idx="923">
-                  <c:v>9230</c:v>
-                </c:pt>
-                <c:pt idx="924">
-                  <c:v>9240</c:v>
-                </c:pt>
-                <c:pt idx="925">
-                  <c:v>9250</c:v>
-                </c:pt>
-                <c:pt idx="926">
-                  <c:v>9260</c:v>
-                </c:pt>
-                <c:pt idx="927">
-                  <c:v>9270</c:v>
-                </c:pt>
-                <c:pt idx="928">
-                  <c:v>9280</c:v>
-                </c:pt>
-                <c:pt idx="929">
-                  <c:v>9290</c:v>
-                </c:pt>
-                <c:pt idx="930">
-                  <c:v>9300</c:v>
-                </c:pt>
-                <c:pt idx="931">
-                  <c:v>9310</c:v>
-                </c:pt>
-                <c:pt idx="932">
-                  <c:v>9320</c:v>
-                </c:pt>
-                <c:pt idx="933">
-                  <c:v>9330</c:v>
-                </c:pt>
-                <c:pt idx="934">
-                  <c:v>9340</c:v>
-                </c:pt>
-                <c:pt idx="935">
-                  <c:v>9350</c:v>
-                </c:pt>
-                <c:pt idx="936">
-                  <c:v>9360</c:v>
-                </c:pt>
-                <c:pt idx="937">
-                  <c:v>9370</c:v>
-                </c:pt>
-                <c:pt idx="938">
-                  <c:v>9380</c:v>
-                </c:pt>
-                <c:pt idx="939">
-                  <c:v>9390</c:v>
-                </c:pt>
-                <c:pt idx="940">
-                  <c:v>9400</c:v>
-                </c:pt>
-                <c:pt idx="941">
-                  <c:v>9410</c:v>
-                </c:pt>
-                <c:pt idx="942">
-                  <c:v>9420</c:v>
-                </c:pt>
-                <c:pt idx="943">
-                  <c:v>9430</c:v>
-                </c:pt>
-                <c:pt idx="944">
-                  <c:v>9440</c:v>
-                </c:pt>
-                <c:pt idx="945">
-                  <c:v>9450</c:v>
-                </c:pt>
-                <c:pt idx="946">
-                  <c:v>9460</c:v>
-                </c:pt>
-                <c:pt idx="947">
-                  <c:v>9470</c:v>
-                </c:pt>
-                <c:pt idx="948">
-                  <c:v>9480</c:v>
-                </c:pt>
-                <c:pt idx="949">
-                  <c:v>9490</c:v>
-                </c:pt>
-                <c:pt idx="950">
-                  <c:v>9500</c:v>
-                </c:pt>
-                <c:pt idx="951">
-                  <c:v>9510</c:v>
-                </c:pt>
-                <c:pt idx="952">
-                  <c:v>9520</c:v>
-                </c:pt>
-                <c:pt idx="953">
-                  <c:v>9530</c:v>
-                </c:pt>
-                <c:pt idx="954">
-                  <c:v>9540</c:v>
-                </c:pt>
-                <c:pt idx="955">
-                  <c:v>9550</c:v>
-                </c:pt>
-                <c:pt idx="956">
-                  <c:v>9560</c:v>
-                </c:pt>
-                <c:pt idx="957">
-                  <c:v>9570</c:v>
-                </c:pt>
-                <c:pt idx="958">
-                  <c:v>9580</c:v>
-                </c:pt>
-                <c:pt idx="959">
-                  <c:v>9590</c:v>
-                </c:pt>
-                <c:pt idx="960">
-                  <c:v>9600</c:v>
-                </c:pt>
-                <c:pt idx="961">
-                  <c:v>9610</c:v>
-                </c:pt>
-                <c:pt idx="962">
-                  <c:v>9620</c:v>
-                </c:pt>
-                <c:pt idx="963">
-                  <c:v>9630</c:v>
-                </c:pt>
-                <c:pt idx="964">
-                  <c:v>9640</c:v>
-                </c:pt>
-                <c:pt idx="965">
-                  <c:v>9650</c:v>
-                </c:pt>
-                <c:pt idx="966">
-                  <c:v>9660</c:v>
-                </c:pt>
-                <c:pt idx="967">
-                  <c:v>9670</c:v>
-                </c:pt>
-                <c:pt idx="968">
-                  <c:v>9680</c:v>
-                </c:pt>
-                <c:pt idx="969">
-                  <c:v>9690</c:v>
-                </c:pt>
-                <c:pt idx="970">
-                  <c:v>9700</c:v>
-                </c:pt>
-                <c:pt idx="971">
-                  <c:v>9710</c:v>
-                </c:pt>
-                <c:pt idx="972">
-                  <c:v>9720</c:v>
-                </c:pt>
-                <c:pt idx="973">
-                  <c:v>9730</c:v>
-                </c:pt>
-                <c:pt idx="974">
-                  <c:v>9740</c:v>
-                </c:pt>
-                <c:pt idx="975">
-                  <c:v>9750</c:v>
-                </c:pt>
-                <c:pt idx="976">
-                  <c:v>9760</c:v>
-                </c:pt>
-                <c:pt idx="977">
-                  <c:v>9770</c:v>
-                </c:pt>
-                <c:pt idx="978">
-                  <c:v>9780</c:v>
-                </c:pt>
-                <c:pt idx="979">
-                  <c:v>9790</c:v>
-                </c:pt>
-                <c:pt idx="980">
-                  <c:v>9800</c:v>
-                </c:pt>
-                <c:pt idx="981">
-                  <c:v>9810</c:v>
-                </c:pt>
-                <c:pt idx="982">
-                  <c:v>9820</c:v>
-                </c:pt>
-                <c:pt idx="983">
-                  <c:v>9830</c:v>
-                </c:pt>
-                <c:pt idx="984">
-                  <c:v>9840</c:v>
-                </c:pt>
-                <c:pt idx="985">
-                  <c:v>9850</c:v>
-                </c:pt>
-                <c:pt idx="986">
-                  <c:v>9860</c:v>
-                </c:pt>
-                <c:pt idx="987">
-                  <c:v>9870</c:v>
-                </c:pt>
-                <c:pt idx="988">
-                  <c:v>9880</c:v>
-                </c:pt>
-                <c:pt idx="989">
-                  <c:v>9890</c:v>
-                </c:pt>
-                <c:pt idx="990">
-                  <c:v>9900</c:v>
-                </c:pt>
-                <c:pt idx="991">
-                  <c:v>9910</c:v>
-                </c:pt>
-                <c:pt idx="992">
-                  <c:v>9920</c:v>
-                </c:pt>
-                <c:pt idx="993">
-                  <c:v>9930</c:v>
-                </c:pt>
-                <c:pt idx="994">
-                  <c:v>9940</c:v>
-                </c:pt>
-                <c:pt idx="995">
-                  <c:v>9950</c:v>
-                </c:pt>
-                <c:pt idx="996">
-                  <c:v>9960</c:v>
-                </c:pt>
-                <c:pt idx="997">
-                  <c:v>9970</c:v>
-                </c:pt>
-                <c:pt idx="998">
-                  <c:v>9980</c:v>
-                </c:pt>
-                <c:pt idx="999">
-                  <c:v>9990</c:v>
-                </c:pt>
-                <c:pt idx="1000">
-                  <c:v>10000</c:v>
-                </c:pt>
-                <c:pt idx="1001">
-                  <c:v>10010</c:v>
-                </c:pt>
-                <c:pt idx="1002">
-                  <c:v>10020</c:v>
-                </c:pt>
-                <c:pt idx="1003">
-                  <c:v>10030</c:v>
-                </c:pt>
-                <c:pt idx="1004">
-                  <c:v>10040</c:v>
-                </c:pt>
-                <c:pt idx="1005">
-                  <c:v>10050</c:v>
-                </c:pt>
-                <c:pt idx="1006">
-                  <c:v>10060</c:v>
-                </c:pt>
-                <c:pt idx="1007">
-                  <c:v>10070</c:v>
-                </c:pt>
-                <c:pt idx="1008">
-                  <c:v>10080</c:v>
-                </c:pt>
-                <c:pt idx="1009">
-                  <c:v>10090</c:v>
-                </c:pt>
-                <c:pt idx="1010">
-                  <c:v>10100</c:v>
-                </c:pt>
-                <c:pt idx="1011">
-                  <c:v>10110</c:v>
-                </c:pt>
-                <c:pt idx="1012">
-                  <c:v>10120</c:v>
-                </c:pt>
-                <c:pt idx="1013">
-                  <c:v>10130</c:v>
-                </c:pt>
-                <c:pt idx="1014">
-                  <c:v>10140</c:v>
-                </c:pt>
-                <c:pt idx="1015">
-                  <c:v>10150</c:v>
-                </c:pt>
-                <c:pt idx="1016">
-                  <c:v>10160</c:v>
-                </c:pt>
-                <c:pt idx="1017">
-                  <c:v>10170</c:v>
-                </c:pt>
-                <c:pt idx="1018">
-                  <c:v>10180</c:v>
-                </c:pt>
-                <c:pt idx="1019">
-                  <c:v>10190</c:v>
-                </c:pt>
-                <c:pt idx="1020">
-                  <c:v>10200</c:v>
-                </c:pt>
-                <c:pt idx="1021">
-                  <c:v>10210</c:v>
-                </c:pt>
-                <c:pt idx="1022">
-                  <c:v>10220</c:v>
-                </c:pt>
-                <c:pt idx="1023">
-                  <c:v>10230</c:v>
-                </c:pt>
-                <c:pt idx="1024">
-                  <c:v>10240</c:v>
-                </c:pt>
-                <c:pt idx="1025">
-                  <c:v>10250</c:v>
-                </c:pt>
-                <c:pt idx="1026">
-                  <c:v>10260</c:v>
-                </c:pt>
-                <c:pt idx="1027">
-                  <c:v>10270</c:v>
-                </c:pt>
-                <c:pt idx="1028">
-                  <c:v>10280</c:v>
-                </c:pt>
-                <c:pt idx="1029">
-                  <c:v>10290</c:v>
-                </c:pt>
-                <c:pt idx="1030">
-                  <c:v>10300</c:v>
-                </c:pt>
-                <c:pt idx="1031">
-                  <c:v>10310</c:v>
-                </c:pt>
-                <c:pt idx="1032">
-                  <c:v>10320</c:v>
-                </c:pt>
-                <c:pt idx="1033">
-                  <c:v>10330</c:v>
-                </c:pt>
-                <c:pt idx="1034">
-                  <c:v>10340</c:v>
-                </c:pt>
-                <c:pt idx="1035">
-                  <c:v>10350</c:v>
-                </c:pt>
-                <c:pt idx="1036">
-                  <c:v>10360</c:v>
-                </c:pt>
-                <c:pt idx="1037">
-                  <c:v>10370</c:v>
-                </c:pt>
-                <c:pt idx="1038">
-                  <c:v>10380</c:v>
-                </c:pt>
-                <c:pt idx="1039">
-                  <c:v>10390</c:v>
-                </c:pt>
-                <c:pt idx="1040">
-                  <c:v>10400</c:v>
-                </c:pt>
-                <c:pt idx="1041">
-                  <c:v>10410</c:v>
-                </c:pt>
-                <c:pt idx="1042">
-                  <c:v>10420</c:v>
-                </c:pt>
-                <c:pt idx="1043">
-                  <c:v>10430</c:v>
-                </c:pt>
-                <c:pt idx="1044">
-                  <c:v>10440</c:v>
-                </c:pt>
-                <c:pt idx="1045">
-                  <c:v>10450</c:v>
-                </c:pt>
-                <c:pt idx="1046">
-                  <c:v>10460</c:v>
-                </c:pt>
-                <c:pt idx="1047">
-                  <c:v>10470</c:v>
-                </c:pt>
-                <c:pt idx="1048">
-                  <c:v>10480</c:v>
-                </c:pt>
-                <c:pt idx="1049">
-                  <c:v>10490</c:v>
-                </c:pt>
-                <c:pt idx="1050">
-                  <c:v>10500</c:v>
-                </c:pt>
-                <c:pt idx="1051">
-                  <c:v>10510</c:v>
-                </c:pt>
-                <c:pt idx="1052">
-                  <c:v>10520</c:v>
-                </c:pt>
-                <c:pt idx="1053">
-                  <c:v>10530</c:v>
-                </c:pt>
-                <c:pt idx="1054">
-                  <c:v>10540</c:v>
-                </c:pt>
-                <c:pt idx="1055">
-                  <c:v>10550</c:v>
-                </c:pt>
-                <c:pt idx="1056">
-                  <c:v>10560</c:v>
-                </c:pt>
-                <c:pt idx="1057">
-                  <c:v>10570</c:v>
-                </c:pt>
-                <c:pt idx="1058">
-                  <c:v>10580</c:v>
-                </c:pt>
-                <c:pt idx="1059">
-                  <c:v>10590</c:v>
-                </c:pt>
-                <c:pt idx="1060">
-                  <c:v>10600</c:v>
-                </c:pt>
-                <c:pt idx="1061">
-                  <c:v>10610</c:v>
-                </c:pt>
-                <c:pt idx="1062">
-                  <c:v>10620</c:v>
-                </c:pt>
-                <c:pt idx="1063">
-                  <c:v>10630</c:v>
-                </c:pt>
-                <c:pt idx="1064">
-                  <c:v>10640</c:v>
-                </c:pt>
-                <c:pt idx="1065">
-                  <c:v>10650</c:v>
-                </c:pt>
-                <c:pt idx="1066">
-                  <c:v>10660</c:v>
-                </c:pt>
-                <c:pt idx="1067">
-                  <c:v>10670</c:v>
-                </c:pt>
-                <c:pt idx="1068">
-                  <c:v>10680</c:v>
-                </c:pt>
-                <c:pt idx="1069">
-                  <c:v>10690</c:v>
-                </c:pt>
-                <c:pt idx="1070">
-                  <c:v>10700</c:v>
-                </c:pt>
-                <c:pt idx="1071">
-                  <c:v>10710</c:v>
-                </c:pt>
-                <c:pt idx="1072">
-                  <c:v>10720</c:v>
-                </c:pt>
-                <c:pt idx="1073">
-                  <c:v>10730</c:v>
-                </c:pt>
-                <c:pt idx="1074">
-                  <c:v>10740</c:v>
-                </c:pt>
-                <c:pt idx="1075">
-                  <c:v>10750</c:v>
-                </c:pt>
-                <c:pt idx="1076">
-                  <c:v>10760</c:v>
-                </c:pt>
-                <c:pt idx="1077">
-                  <c:v>10770</c:v>
-                </c:pt>
-                <c:pt idx="1078">
-                  <c:v>10780</c:v>
-                </c:pt>
-                <c:pt idx="1079">
-                  <c:v>10790</c:v>
-                </c:pt>
-                <c:pt idx="1080">
-                  <c:v>10800</c:v>
-                </c:pt>
-                <c:pt idx="1081">
-                  <c:v>10810</c:v>
-                </c:pt>
-                <c:pt idx="1082">
-                  <c:v>10820</c:v>
-                </c:pt>
-                <c:pt idx="1083">
-                  <c:v>10830</c:v>
-                </c:pt>
-                <c:pt idx="1084">
-                  <c:v>10840</c:v>
-                </c:pt>
-                <c:pt idx="1085">
-                  <c:v>10850</c:v>
-                </c:pt>
-                <c:pt idx="1086">
-                  <c:v>10860</c:v>
-                </c:pt>
-                <c:pt idx="1087">
-                  <c:v>10870</c:v>
-                </c:pt>
-                <c:pt idx="1088">
-                  <c:v>10880</c:v>
-                </c:pt>
-                <c:pt idx="1089">
-                  <c:v>10890</c:v>
-                </c:pt>
-                <c:pt idx="1090">
-                  <c:v>10900</c:v>
-                </c:pt>
-                <c:pt idx="1091">
-                  <c:v>10910</c:v>
-                </c:pt>
-                <c:pt idx="1092">
-                  <c:v>10920</c:v>
-                </c:pt>
-                <c:pt idx="1093">
-                  <c:v>10930</c:v>
-                </c:pt>
-                <c:pt idx="1094">
-                  <c:v>10940</c:v>
-                </c:pt>
-                <c:pt idx="1095">
-                  <c:v>10950</c:v>
-                </c:pt>
-                <c:pt idx="1096">
-                  <c:v>10960</c:v>
-                </c:pt>
-                <c:pt idx="1097">
-                  <c:v>10970</c:v>
-                </c:pt>
-                <c:pt idx="1098">
-                  <c:v>10980</c:v>
-                </c:pt>
-                <c:pt idx="1099">
-                  <c:v>10990</c:v>
-                </c:pt>
-                <c:pt idx="1100">
-                  <c:v>11000</c:v>
-                </c:pt>
-                <c:pt idx="1101">
-                  <c:v>11010</c:v>
-                </c:pt>
-                <c:pt idx="1102">
-                  <c:v>11020</c:v>
-                </c:pt>
-                <c:pt idx="1103">
-                  <c:v>11030</c:v>
-                </c:pt>
-                <c:pt idx="1104">
-                  <c:v>11040</c:v>
-                </c:pt>
-                <c:pt idx="1105">
-                  <c:v>11050</c:v>
-                </c:pt>
-                <c:pt idx="1106">
-                  <c:v>11060</c:v>
-                </c:pt>
-                <c:pt idx="1107">
-                  <c:v>11070</c:v>
-                </c:pt>
-                <c:pt idx="1108">
-                  <c:v>11080</c:v>
-                </c:pt>
-                <c:pt idx="1109">
-                  <c:v>11090</c:v>
-                </c:pt>
-                <c:pt idx="1110">
-                  <c:v>11100</c:v>
-                </c:pt>
-                <c:pt idx="1111">
-                  <c:v>11110</c:v>
-                </c:pt>
-                <c:pt idx="1112">
-                  <c:v>11120</c:v>
-                </c:pt>
-                <c:pt idx="1113">
-                  <c:v>11130</c:v>
-                </c:pt>
-                <c:pt idx="1114">
-                  <c:v>11140</c:v>
-                </c:pt>
-                <c:pt idx="1115">
-                  <c:v>11150</c:v>
-                </c:pt>
-                <c:pt idx="1116">
-                  <c:v>11160</c:v>
-                </c:pt>
-                <c:pt idx="1117">
-                  <c:v>11170</c:v>
-                </c:pt>
-                <c:pt idx="1118">
-                  <c:v>11180</c:v>
-                </c:pt>
-                <c:pt idx="1119">
-                  <c:v>11190</c:v>
-                </c:pt>
-                <c:pt idx="1120">
-                  <c:v>11200</c:v>
-                </c:pt>
-                <c:pt idx="1121">
-                  <c:v>11210</c:v>
-                </c:pt>
-                <c:pt idx="1122">
-                  <c:v>11220</c:v>
-                </c:pt>
-                <c:pt idx="1123">
-                  <c:v>11230</c:v>
-                </c:pt>
-                <c:pt idx="1124">
-                  <c:v>11240</c:v>
-                </c:pt>
-                <c:pt idx="1125">
-                  <c:v>11250</c:v>
-                </c:pt>
-                <c:pt idx="1126">
-                  <c:v>11260</c:v>
-                </c:pt>
-                <c:pt idx="1127">
-                  <c:v>11270</c:v>
-                </c:pt>
-                <c:pt idx="1128">
-                  <c:v>11280</c:v>
-                </c:pt>
-                <c:pt idx="1129">
-                  <c:v>11290</c:v>
-                </c:pt>
-                <c:pt idx="1130">
-                  <c:v>11300</c:v>
-                </c:pt>
-                <c:pt idx="1131">
-                  <c:v>11310</c:v>
-                </c:pt>
-                <c:pt idx="1132">
-                  <c:v>11320</c:v>
-                </c:pt>
-                <c:pt idx="1133">
-                  <c:v>11330</c:v>
-                </c:pt>
-                <c:pt idx="1134">
-                  <c:v>11340</c:v>
-                </c:pt>
-                <c:pt idx="1135">
-                  <c:v>11350</c:v>
-                </c:pt>
-                <c:pt idx="1136">
-                  <c:v>11360</c:v>
-                </c:pt>
-                <c:pt idx="1137">
-                  <c:v>11370</c:v>
-                </c:pt>
-                <c:pt idx="1138">
-                  <c:v>11380</c:v>
-                </c:pt>
-                <c:pt idx="1139">
-                  <c:v>11390</c:v>
-                </c:pt>
-                <c:pt idx="1140">
-                  <c:v>11400</c:v>
-                </c:pt>
-                <c:pt idx="1141">
-                  <c:v>11410</c:v>
-                </c:pt>
-                <c:pt idx="1142">
-                  <c:v>11420</c:v>
-                </c:pt>
-                <c:pt idx="1143">
-                  <c:v>11430</c:v>
-                </c:pt>
-                <c:pt idx="1144">
-                  <c:v>11440</c:v>
-                </c:pt>
-                <c:pt idx="1145">
-                  <c:v>11450</c:v>
-                </c:pt>
-                <c:pt idx="1146">
-                  <c:v>11460</c:v>
-                </c:pt>
-                <c:pt idx="1147">
-                  <c:v>11470</c:v>
-                </c:pt>
-                <c:pt idx="1148">
-                  <c:v>11480</c:v>
-                </c:pt>
-                <c:pt idx="1149">
-                  <c:v>11490</c:v>
-                </c:pt>
-                <c:pt idx="1150">
-                  <c:v>11500</c:v>
-                </c:pt>
-                <c:pt idx="1151">
-                  <c:v>11510</c:v>
-                </c:pt>
-                <c:pt idx="1152">
-                  <c:v>11520</c:v>
-                </c:pt>
-                <c:pt idx="1153">
-                  <c:v>11530</c:v>
-                </c:pt>
-                <c:pt idx="1154">
-                  <c:v>11540</c:v>
-                </c:pt>
-                <c:pt idx="1155">
-                  <c:v>11550</c:v>
-                </c:pt>
-                <c:pt idx="1156">
-                  <c:v>11560</c:v>
-                </c:pt>
-                <c:pt idx="1157">
-                  <c:v>11570</c:v>
-                </c:pt>
-                <c:pt idx="1158">
-                  <c:v>11580</c:v>
-                </c:pt>
-                <c:pt idx="1159">
-                  <c:v>11590</c:v>
-                </c:pt>
-                <c:pt idx="1160">
-                  <c:v>11600</c:v>
-                </c:pt>
-                <c:pt idx="1161">
-                  <c:v>11610</c:v>
-                </c:pt>
-                <c:pt idx="1162">
-                  <c:v>11620</c:v>
-                </c:pt>
-                <c:pt idx="1163">
-                  <c:v>11630</c:v>
-                </c:pt>
-                <c:pt idx="1164">
-                  <c:v>11640</c:v>
-                </c:pt>
-                <c:pt idx="1165">
-                  <c:v>11650</c:v>
-                </c:pt>
-                <c:pt idx="1166">
-                  <c:v>11660</c:v>
-                </c:pt>
-                <c:pt idx="1167">
-                  <c:v>11670</c:v>
-                </c:pt>
-                <c:pt idx="1168">
-                  <c:v>11680</c:v>
-                </c:pt>
-                <c:pt idx="1169">
-                  <c:v>11690</c:v>
-                </c:pt>
-                <c:pt idx="1170">
-                  <c:v>11700</c:v>
-                </c:pt>
-                <c:pt idx="1171">
-                  <c:v>11710</c:v>
-                </c:pt>
-                <c:pt idx="1172">
-                  <c:v>11720</c:v>
-                </c:pt>
-                <c:pt idx="1173">
-                  <c:v>11730</c:v>
-                </c:pt>
-                <c:pt idx="1174">
-                  <c:v>11740</c:v>
-                </c:pt>
-                <c:pt idx="1175">
-                  <c:v>11750</c:v>
-                </c:pt>
-                <c:pt idx="1176">
-                  <c:v>11760</c:v>
-                </c:pt>
-                <c:pt idx="1177">
-                  <c:v>11770</c:v>
-                </c:pt>
-                <c:pt idx="1178">
-                  <c:v>11780</c:v>
-                </c:pt>
-                <c:pt idx="1179">
-                  <c:v>11790</c:v>
-                </c:pt>
-                <c:pt idx="1180">
-                  <c:v>11800</c:v>
-                </c:pt>
-                <c:pt idx="1181">
-                  <c:v>11810</c:v>
-                </c:pt>
-                <c:pt idx="1182">
-                  <c:v>11820</c:v>
-                </c:pt>
-                <c:pt idx="1183">
-                  <c:v>11830</c:v>
-                </c:pt>
-                <c:pt idx="1184">
-                  <c:v>11840</c:v>
-                </c:pt>
-                <c:pt idx="1185">
-                  <c:v>11850</c:v>
-                </c:pt>
-                <c:pt idx="1186">
-                  <c:v>11860</c:v>
-                </c:pt>
-                <c:pt idx="1187">
-                  <c:v>11870</c:v>
-                </c:pt>
-                <c:pt idx="1188">
-                  <c:v>11880</c:v>
-                </c:pt>
-                <c:pt idx="1189">
-                  <c:v>11890</c:v>
-                </c:pt>
-                <c:pt idx="1190">
-                  <c:v>11900</c:v>
-                </c:pt>
-                <c:pt idx="1191">
-                  <c:v>11910</c:v>
-                </c:pt>
-                <c:pt idx="1192">
-                  <c:v>11920</c:v>
-                </c:pt>
-                <c:pt idx="1193">
-                  <c:v>11930</c:v>
-                </c:pt>
-                <c:pt idx="1194">
-                  <c:v>11940</c:v>
-                </c:pt>
-                <c:pt idx="1195">
-                  <c:v>11950</c:v>
-                </c:pt>
-                <c:pt idx="1196">
-                  <c:v>11960</c:v>
-                </c:pt>
-                <c:pt idx="1197">
-                  <c:v>11970</c:v>
-                </c:pt>
-                <c:pt idx="1198">
-                  <c:v>11980</c:v>
-                </c:pt>
-                <c:pt idx="1199">
-                  <c:v>11990</c:v>
-                </c:pt>
-                <c:pt idx="1200">
-                  <c:v>12000</c:v>
-                </c:pt>
-                <c:pt idx="1201">
-                  <c:v>12010</c:v>
-                </c:pt>
-                <c:pt idx="1202">
-                  <c:v>12020</c:v>
-                </c:pt>
-                <c:pt idx="1203">
-                  <c:v>12030</c:v>
-                </c:pt>
-                <c:pt idx="1204">
-                  <c:v>12040</c:v>
-                </c:pt>
-                <c:pt idx="1205">
-                  <c:v>12050</c:v>
-                </c:pt>
-                <c:pt idx="1206">
-                  <c:v>12060</c:v>
-                </c:pt>
-                <c:pt idx="1207">
-                  <c:v>12070</c:v>
-                </c:pt>
-                <c:pt idx="1208">
-                  <c:v>12080</c:v>
-                </c:pt>
-                <c:pt idx="1209">
-                  <c:v>12090</c:v>
-                </c:pt>
-                <c:pt idx="1210">
-                  <c:v>12100</c:v>
-                </c:pt>
-                <c:pt idx="1211">
-                  <c:v>12110</c:v>
-                </c:pt>
-                <c:pt idx="1212">
-                  <c:v>12120</c:v>
-                </c:pt>
-                <c:pt idx="1213">
-                  <c:v>12130</c:v>
-                </c:pt>
-                <c:pt idx="1214">
-                  <c:v>12140</c:v>
-                </c:pt>
-                <c:pt idx="1215">
-                  <c:v>12150</c:v>
-                </c:pt>
-                <c:pt idx="1216">
-                  <c:v>12160</c:v>
-                </c:pt>
-                <c:pt idx="1217">
-                  <c:v>12170</c:v>
-                </c:pt>
-                <c:pt idx="1218">
-                  <c:v>12180</c:v>
-                </c:pt>
-                <c:pt idx="1219">
-                  <c:v>12190</c:v>
-                </c:pt>
-                <c:pt idx="1220">
-                  <c:v>12200</c:v>
-                </c:pt>
-                <c:pt idx="1221">
-                  <c:v>12210</c:v>
-                </c:pt>
-                <c:pt idx="1222">
-                  <c:v>12220</c:v>
-                </c:pt>
-                <c:pt idx="1223">
-                  <c:v>12230</c:v>
-                </c:pt>
-                <c:pt idx="1224">
-                  <c:v>12240</c:v>
-                </c:pt>
-                <c:pt idx="1225">
-                  <c:v>12250</c:v>
-                </c:pt>
-                <c:pt idx="1226">
-                  <c:v>12260</c:v>
-                </c:pt>
-                <c:pt idx="1227">
-                  <c:v>12270</c:v>
-                </c:pt>
-                <c:pt idx="1228">
-                  <c:v>12280</c:v>
-                </c:pt>
-                <c:pt idx="1229">
-                  <c:v>12290</c:v>
-                </c:pt>
-                <c:pt idx="1230">
-                  <c:v>12300</c:v>
-                </c:pt>
-                <c:pt idx="1231">
-                  <c:v>12310</c:v>
-                </c:pt>
-                <c:pt idx="1232">
-                  <c:v>12320</c:v>
-                </c:pt>
-                <c:pt idx="1233">
-                  <c:v>12330</c:v>
-                </c:pt>
-                <c:pt idx="1234">
-                  <c:v>12340</c:v>
-                </c:pt>
-                <c:pt idx="1235">
-                  <c:v>12350</c:v>
-                </c:pt>
-                <c:pt idx="1236">
-                  <c:v>12360</c:v>
-                </c:pt>
-                <c:pt idx="1237">
-                  <c:v>12370</c:v>
-                </c:pt>
-                <c:pt idx="1238">
-                  <c:v>12380</c:v>
-                </c:pt>
-                <c:pt idx="1239">
-                  <c:v>12390</c:v>
-                </c:pt>
-                <c:pt idx="1240">
-                  <c:v>12400</c:v>
-                </c:pt>
-                <c:pt idx="1241">
-                  <c:v>12410</c:v>
-                </c:pt>
-                <c:pt idx="1242">
-                  <c:v>12420</c:v>
-                </c:pt>
-                <c:pt idx="1243">
-                  <c:v>12430</c:v>
-                </c:pt>
-                <c:pt idx="1244">
-                  <c:v>12440</c:v>
-                </c:pt>
-                <c:pt idx="1245">
-                  <c:v>12450</c:v>
-                </c:pt>
-                <c:pt idx="1246">
-                  <c:v>12460</c:v>
-                </c:pt>
-                <c:pt idx="1247">
-                  <c:v>12470</c:v>
-                </c:pt>
-                <c:pt idx="1248">
-                  <c:v>12480</c:v>
-                </c:pt>
-                <c:pt idx="1249">
-                  <c:v>12490</c:v>
-                </c:pt>
-                <c:pt idx="1250">
-                  <c:v>12500</c:v>
-                </c:pt>
-                <c:pt idx="1251">
-                  <c:v>12510</c:v>
-                </c:pt>
-                <c:pt idx="1252">
-                  <c:v>12520</c:v>
-                </c:pt>
-                <c:pt idx="1253">
-                  <c:v>12530</c:v>
-                </c:pt>
-                <c:pt idx="1254">
-                  <c:v>12540</c:v>
-                </c:pt>
-                <c:pt idx="1255">
-                  <c:v>12550</c:v>
-                </c:pt>
-                <c:pt idx="1256">
-                  <c:v>12560</c:v>
-                </c:pt>
-                <c:pt idx="1257">
-                  <c:v>12570</c:v>
-                </c:pt>
-                <c:pt idx="1258">
-                  <c:v>12580</c:v>
-                </c:pt>
-                <c:pt idx="1259">
-                  <c:v>12590</c:v>
-                </c:pt>
-                <c:pt idx="1260">
-                  <c:v>12600</c:v>
-                </c:pt>
-                <c:pt idx="1261">
-                  <c:v>12610</c:v>
-                </c:pt>
-                <c:pt idx="1262">
-                  <c:v>12620</c:v>
-                </c:pt>
-                <c:pt idx="1263">
-                  <c:v>12630</c:v>
-                </c:pt>
-                <c:pt idx="1264">
-                  <c:v>12640</c:v>
-                </c:pt>
-                <c:pt idx="1265">
-                  <c:v>12650</c:v>
-                </c:pt>
-                <c:pt idx="1266">
-                  <c:v>12660</c:v>
-                </c:pt>
-                <c:pt idx="1267">
-                  <c:v>12670</c:v>
-                </c:pt>
-                <c:pt idx="1268">
-                  <c:v>12680</c:v>
-                </c:pt>
-                <c:pt idx="1269">
-                  <c:v>12690</c:v>
-                </c:pt>
-                <c:pt idx="1270">
-                  <c:v>12700</c:v>
-                </c:pt>
-                <c:pt idx="1271">
-                  <c:v>12710</c:v>
-                </c:pt>
-                <c:pt idx="1272">
-                  <c:v>12720</c:v>
-                </c:pt>
-                <c:pt idx="1273">
-                  <c:v>12730</c:v>
-                </c:pt>
-                <c:pt idx="1274">
-                  <c:v>12740</c:v>
-                </c:pt>
-                <c:pt idx="1275">
-                  <c:v>12750</c:v>
-                </c:pt>
-                <c:pt idx="1276">
-                  <c:v>12760</c:v>
-                </c:pt>
-                <c:pt idx="1277">
-                  <c:v>12770</c:v>
-                </c:pt>
-                <c:pt idx="1278">
-                  <c:v>12780</c:v>
-                </c:pt>
-                <c:pt idx="1279">
-                  <c:v>12790</c:v>
-                </c:pt>
-                <c:pt idx="1280">
-                  <c:v>12800</c:v>
-                </c:pt>
-                <c:pt idx="1281">
-                  <c:v>12810</c:v>
-                </c:pt>
-                <c:pt idx="1282">
-                  <c:v>12820</c:v>
-                </c:pt>
-                <c:pt idx="1283">
-                  <c:v>12830</c:v>
-                </c:pt>
-                <c:pt idx="1284">
-                  <c:v>12840</c:v>
-                </c:pt>
-                <c:pt idx="1285">
-                  <c:v>12850</c:v>
-                </c:pt>
-                <c:pt idx="1286">
-                  <c:v>12860</c:v>
-                </c:pt>
-                <c:pt idx="1287">
-                  <c:v>12870</c:v>
-                </c:pt>
-                <c:pt idx="1288">
-                  <c:v>12880</c:v>
-                </c:pt>
-                <c:pt idx="1289">
-                  <c:v>12890</c:v>
-                </c:pt>
-                <c:pt idx="1290">
-                  <c:v>12900</c:v>
-                </c:pt>
-                <c:pt idx="1291">
-                  <c:v>12910</c:v>
-                </c:pt>
-                <c:pt idx="1292">
-                  <c:v>12920</c:v>
-                </c:pt>
-                <c:pt idx="1293">
-                  <c:v>12930</c:v>
-                </c:pt>
-                <c:pt idx="1294">
-                  <c:v>12940</c:v>
                 </c:pt>
               </c:numCache>
             </c:numRef>
           </c:cat>
           <c:val>
             <c:numRef>
-              <c:f>Tabelle1!$C$2:$C$1296</c:f>
+              <c:f>Tabelle1!$C$2:$C$724</c:f>
               <c:numCache>
                 <c:formatCode>0%</c:formatCode>
-                <c:ptCount val="1295"/>
+                <c:ptCount val="723"/>
                 <c:pt idx="0">
                   <c:v>0</c:v>
                 </c:pt>
@@ -6577,1722 +4856,6 @@
                   <c:v>0.99295774647887325</c:v>
                 </c:pt>
                 <c:pt idx="722">
-                  <c:v>1</c:v>
-                </c:pt>
-                <c:pt idx="723">
-                  <c:v>1</c:v>
-                </c:pt>
-                <c:pt idx="724">
-                  <c:v>1</c:v>
-                </c:pt>
-                <c:pt idx="725">
-                  <c:v>1</c:v>
-                </c:pt>
-                <c:pt idx="726">
-                  <c:v>1</c:v>
-                </c:pt>
-                <c:pt idx="727">
-                  <c:v>1</c:v>
-                </c:pt>
-                <c:pt idx="728">
-                  <c:v>1</c:v>
-                </c:pt>
-                <c:pt idx="729">
-                  <c:v>1</c:v>
-                </c:pt>
-                <c:pt idx="730">
-                  <c:v>1</c:v>
-                </c:pt>
-                <c:pt idx="731">
-                  <c:v>1</c:v>
-                </c:pt>
-                <c:pt idx="732">
-                  <c:v>1</c:v>
-                </c:pt>
-                <c:pt idx="733">
-                  <c:v>1</c:v>
-                </c:pt>
-                <c:pt idx="734">
-                  <c:v>1</c:v>
-                </c:pt>
-                <c:pt idx="735">
-                  <c:v>1</c:v>
-                </c:pt>
-                <c:pt idx="736">
-                  <c:v>1</c:v>
-                </c:pt>
-                <c:pt idx="737">
-                  <c:v>1</c:v>
-                </c:pt>
-                <c:pt idx="738">
-                  <c:v>1</c:v>
-                </c:pt>
-                <c:pt idx="739">
-                  <c:v>1</c:v>
-                </c:pt>
-                <c:pt idx="740">
-                  <c:v>1</c:v>
-                </c:pt>
-                <c:pt idx="741">
-                  <c:v>1</c:v>
-                </c:pt>
-                <c:pt idx="742">
-                  <c:v>1</c:v>
-                </c:pt>
-                <c:pt idx="743">
-                  <c:v>1</c:v>
-                </c:pt>
-                <c:pt idx="744">
-                  <c:v>1</c:v>
-                </c:pt>
-                <c:pt idx="745">
-                  <c:v>1</c:v>
-                </c:pt>
-                <c:pt idx="746">
-                  <c:v>1</c:v>
-                </c:pt>
-                <c:pt idx="747">
-                  <c:v>1</c:v>
-                </c:pt>
-                <c:pt idx="748">
-                  <c:v>1</c:v>
-                </c:pt>
-                <c:pt idx="749">
-                  <c:v>1</c:v>
-                </c:pt>
-                <c:pt idx="750">
-                  <c:v>1</c:v>
-                </c:pt>
-                <c:pt idx="751">
-                  <c:v>1</c:v>
-                </c:pt>
-                <c:pt idx="752">
-                  <c:v>1</c:v>
-                </c:pt>
-                <c:pt idx="753">
-                  <c:v>1</c:v>
-                </c:pt>
-                <c:pt idx="754">
-                  <c:v>1</c:v>
-                </c:pt>
-                <c:pt idx="755">
-                  <c:v>1</c:v>
-                </c:pt>
-                <c:pt idx="756">
-                  <c:v>1</c:v>
-                </c:pt>
-                <c:pt idx="757">
-                  <c:v>1</c:v>
-                </c:pt>
-                <c:pt idx="758">
-                  <c:v>1</c:v>
-                </c:pt>
-                <c:pt idx="759">
-                  <c:v>1</c:v>
-                </c:pt>
-                <c:pt idx="760">
-                  <c:v>1</c:v>
-                </c:pt>
-                <c:pt idx="761">
-                  <c:v>1</c:v>
-                </c:pt>
-                <c:pt idx="762">
-                  <c:v>1</c:v>
-                </c:pt>
-                <c:pt idx="763">
-                  <c:v>1</c:v>
-                </c:pt>
-                <c:pt idx="764">
-                  <c:v>1</c:v>
-                </c:pt>
-                <c:pt idx="765">
-                  <c:v>1</c:v>
-                </c:pt>
-                <c:pt idx="766">
-                  <c:v>1</c:v>
-                </c:pt>
-                <c:pt idx="767">
-                  <c:v>1</c:v>
-                </c:pt>
-                <c:pt idx="768">
-                  <c:v>1</c:v>
-                </c:pt>
-                <c:pt idx="769">
-                  <c:v>1</c:v>
-                </c:pt>
-                <c:pt idx="770">
-                  <c:v>1</c:v>
-                </c:pt>
-                <c:pt idx="771">
-                  <c:v>1</c:v>
-                </c:pt>
-                <c:pt idx="772">
-                  <c:v>1</c:v>
-                </c:pt>
-                <c:pt idx="773">
-                  <c:v>1</c:v>
-                </c:pt>
-                <c:pt idx="774">
-                  <c:v>1</c:v>
-                </c:pt>
-                <c:pt idx="775">
-                  <c:v>1</c:v>
-                </c:pt>
-                <c:pt idx="776">
-                  <c:v>1</c:v>
-                </c:pt>
-                <c:pt idx="777">
-                  <c:v>1</c:v>
-                </c:pt>
-                <c:pt idx="778">
-                  <c:v>1</c:v>
-                </c:pt>
-                <c:pt idx="779">
-                  <c:v>1</c:v>
-                </c:pt>
-                <c:pt idx="780">
-                  <c:v>1</c:v>
-                </c:pt>
-                <c:pt idx="781">
-                  <c:v>1</c:v>
-                </c:pt>
-                <c:pt idx="782">
-                  <c:v>1</c:v>
-                </c:pt>
-                <c:pt idx="783">
-                  <c:v>1</c:v>
-                </c:pt>
-                <c:pt idx="784">
-                  <c:v>1</c:v>
-                </c:pt>
-                <c:pt idx="785">
-                  <c:v>1</c:v>
-                </c:pt>
-                <c:pt idx="786">
-                  <c:v>1</c:v>
-                </c:pt>
-                <c:pt idx="787">
-                  <c:v>1</c:v>
-                </c:pt>
-                <c:pt idx="788">
-                  <c:v>1</c:v>
-                </c:pt>
-                <c:pt idx="789">
-                  <c:v>1</c:v>
-                </c:pt>
-                <c:pt idx="790">
-                  <c:v>1</c:v>
-                </c:pt>
-                <c:pt idx="791">
-                  <c:v>1</c:v>
-                </c:pt>
-                <c:pt idx="792">
-                  <c:v>1</c:v>
-                </c:pt>
-                <c:pt idx="793">
-                  <c:v>1</c:v>
-                </c:pt>
-                <c:pt idx="794">
-                  <c:v>1</c:v>
-                </c:pt>
-                <c:pt idx="795">
-                  <c:v>1</c:v>
-                </c:pt>
-                <c:pt idx="796">
-                  <c:v>1</c:v>
-                </c:pt>
-                <c:pt idx="797">
-                  <c:v>1</c:v>
-                </c:pt>
-                <c:pt idx="798">
-                  <c:v>1</c:v>
-                </c:pt>
-                <c:pt idx="799">
-                  <c:v>1</c:v>
-                </c:pt>
-                <c:pt idx="800">
-                  <c:v>1</c:v>
-                </c:pt>
-                <c:pt idx="801">
-                  <c:v>1</c:v>
-                </c:pt>
-                <c:pt idx="802">
-                  <c:v>1</c:v>
-                </c:pt>
-                <c:pt idx="803">
-                  <c:v>1</c:v>
-                </c:pt>
-                <c:pt idx="804">
-                  <c:v>1</c:v>
-                </c:pt>
-                <c:pt idx="805">
-                  <c:v>1</c:v>
-                </c:pt>
-                <c:pt idx="806">
-                  <c:v>1</c:v>
-                </c:pt>
-                <c:pt idx="807">
-                  <c:v>1</c:v>
-                </c:pt>
-                <c:pt idx="808">
-                  <c:v>1</c:v>
-                </c:pt>
-                <c:pt idx="809">
-                  <c:v>1</c:v>
-                </c:pt>
-                <c:pt idx="810">
-                  <c:v>1</c:v>
-                </c:pt>
-                <c:pt idx="811">
-                  <c:v>1</c:v>
-                </c:pt>
-                <c:pt idx="812">
-                  <c:v>1</c:v>
-                </c:pt>
-                <c:pt idx="813">
-                  <c:v>1</c:v>
-                </c:pt>
-                <c:pt idx="814">
-                  <c:v>1</c:v>
-                </c:pt>
-                <c:pt idx="815">
-                  <c:v>1</c:v>
-                </c:pt>
-                <c:pt idx="816">
-                  <c:v>1</c:v>
-                </c:pt>
-                <c:pt idx="817">
-                  <c:v>1</c:v>
-                </c:pt>
-                <c:pt idx="818">
-                  <c:v>1</c:v>
-                </c:pt>
-                <c:pt idx="819">
-                  <c:v>1</c:v>
-                </c:pt>
-                <c:pt idx="820">
-                  <c:v>1</c:v>
-                </c:pt>
-                <c:pt idx="821">
-                  <c:v>1</c:v>
-                </c:pt>
-                <c:pt idx="822">
-                  <c:v>1</c:v>
-                </c:pt>
-                <c:pt idx="823">
-                  <c:v>1</c:v>
-                </c:pt>
-                <c:pt idx="824">
-                  <c:v>1</c:v>
-                </c:pt>
-                <c:pt idx="825">
-                  <c:v>1</c:v>
-                </c:pt>
-                <c:pt idx="826">
-                  <c:v>1</c:v>
-                </c:pt>
-                <c:pt idx="827">
-                  <c:v>1</c:v>
-                </c:pt>
-                <c:pt idx="828">
-                  <c:v>1</c:v>
-                </c:pt>
-                <c:pt idx="829">
-                  <c:v>1</c:v>
-                </c:pt>
-                <c:pt idx="830">
-                  <c:v>1</c:v>
-                </c:pt>
-                <c:pt idx="831">
-                  <c:v>1</c:v>
-                </c:pt>
-                <c:pt idx="832">
-                  <c:v>1</c:v>
-                </c:pt>
-                <c:pt idx="833">
-                  <c:v>1</c:v>
-                </c:pt>
-                <c:pt idx="834">
-                  <c:v>1</c:v>
-                </c:pt>
-                <c:pt idx="835">
-                  <c:v>1</c:v>
-                </c:pt>
-                <c:pt idx="836">
-                  <c:v>1</c:v>
-                </c:pt>
-                <c:pt idx="837">
-                  <c:v>1</c:v>
-                </c:pt>
-                <c:pt idx="838">
-                  <c:v>1</c:v>
-                </c:pt>
-                <c:pt idx="839">
-                  <c:v>1</c:v>
-                </c:pt>
-                <c:pt idx="840">
-                  <c:v>1</c:v>
-                </c:pt>
-                <c:pt idx="841">
-                  <c:v>1</c:v>
-                </c:pt>
-                <c:pt idx="842">
-                  <c:v>1</c:v>
-                </c:pt>
-                <c:pt idx="843">
-                  <c:v>1</c:v>
-                </c:pt>
-                <c:pt idx="844">
-                  <c:v>1</c:v>
-                </c:pt>
-                <c:pt idx="845">
-                  <c:v>1</c:v>
-                </c:pt>
-                <c:pt idx="846">
-                  <c:v>1</c:v>
-                </c:pt>
-                <c:pt idx="847">
-                  <c:v>1</c:v>
-                </c:pt>
-                <c:pt idx="848">
-                  <c:v>1</c:v>
-                </c:pt>
-                <c:pt idx="849">
-                  <c:v>1</c:v>
-                </c:pt>
-                <c:pt idx="850">
-                  <c:v>1</c:v>
-                </c:pt>
-                <c:pt idx="851">
-                  <c:v>1</c:v>
-                </c:pt>
-                <c:pt idx="852">
-                  <c:v>1</c:v>
-                </c:pt>
-                <c:pt idx="853">
-                  <c:v>1</c:v>
-                </c:pt>
-                <c:pt idx="854">
-                  <c:v>1</c:v>
-                </c:pt>
-                <c:pt idx="855">
-                  <c:v>1</c:v>
-                </c:pt>
-                <c:pt idx="856">
-                  <c:v>1</c:v>
-                </c:pt>
-                <c:pt idx="857">
-                  <c:v>1</c:v>
-                </c:pt>
-                <c:pt idx="858">
-                  <c:v>1</c:v>
-                </c:pt>
-                <c:pt idx="859">
-                  <c:v>1</c:v>
-                </c:pt>
-                <c:pt idx="860">
-                  <c:v>1</c:v>
-                </c:pt>
-                <c:pt idx="861">
-                  <c:v>1</c:v>
-                </c:pt>
-                <c:pt idx="862">
-                  <c:v>1</c:v>
-                </c:pt>
-                <c:pt idx="863">
-                  <c:v>1</c:v>
-                </c:pt>
-                <c:pt idx="864">
-                  <c:v>1</c:v>
-                </c:pt>
-                <c:pt idx="865">
-                  <c:v>1</c:v>
-                </c:pt>
-                <c:pt idx="866">
-                  <c:v>1</c:v>
-                </c:pt>
-                <c:pt idx="867">
-                  <c:v>1</c:v>
-                </c:pt>
-                <c:pt idx="868">
-                  <c:v>1</c:v>
-                </c:pt>
-                <c:pt idx="869">
-                  <c:v>1</c:v>
-                </c:pt>
-                <c:pt idx="870">
-                  <c:v>1</c:v>
-                </c:pt>
-                <c:pt idx="871">
-                  <c:v>1</c:v>
-                </c:pt>
-                <c:pt idx="872">
-                  <c:v>1</c:v>
-                </c:pt>
-                <c:pt idx="873">
-                  <c:v>1</c:v>
-                </c:pt>
-                <c:pt idx="874">
-                  <c:v>1</c:v>
-                </c:pt>
-                <c:pt idx="875">
-                  <c:v>1</c:v>
-                </c:pt>
-                <c:pt idx="876">
-                  <c:v>1</c:v>
-                </c:pt>
-                <c:pt idx="877">
-                  <c:v>1</c:v>
-                </c:pt>
-                <c:pt idx="878">
-                  <c:v>1</c:v>
-                </c:pt>
-                <c:pt idx="879">
-                  <c:v>1</c:v>
-                </c:pt>
-                <c:pt idx="880">
-                  <c:v>1</c:v>
-                </c:pt>
-                <c:pt idx="881">
-                  <c:v>1</c:v>
-                </c:pt>
-                <c:pt idx="882">
-                  <c:v>1</c:v>
-                </c:pt>
-                <c:pt idx="883">
-                  <c:v>1</c:v>
-                </c:pt>
-                <c:pt idx="884">
-                  <c:v>1</c:v>
-                </c:pt>
-                <c:pt idx="885">
-                  <c:v>1</c:v>
-                </c:pt>
-                <c:pt idx="886">
-                  <c:v>1</c:v>
-                </c:pt>
-                <c:pt idx="887">
-                  <c:v>1</c:v>
-                </c:pt>
-                <c:pt idx="888">
-                  <c:v>1</c:v>
-                </c:pt>
-                <c:pt idx="889">
-                  <c:v>1</c:v>
-                </c:pt>
-                <c:pt idx="890">
-                  <c:v>1</c:v>
-                </c:pt>
-                <c:pt idx="891">
-                  <c:v>1</c:v>
-                </c:pt>
-                <c:pt idx="892">
-                  <c:v>1</c:v>
-                </c:pt>
-                <c:pt idx="893">
-                  <c:v>1</c:v>
-                </c:pt>
-                <c:pt idx="894">
-                  <c:v>1</c:v>
-                </c:pt>
-                <c:pt idx="895">
-                  <c:v>1</c:v>
-                </c:pt>
-                <c:pt idx="896">
-                  <c:v>1</c:v>
-                </c:pt>
-                <c:pt idx="897">
-                  <c:v>1</c:v>
-                </c:pt>
-                <c:pt idx="898">
-                  <c:v>1</c:v>
-                </c:pt>
-                <c:pt idx="899">
-                  <c:v>1</c:v>
-                </c:pt>
-                <c:pt idx="900">
-                  <c:v>1</c:v>
-                </c:pt>
-                <c:pt idx="901">
-                  <c:v>1</c:v>
-                </c:pt>
-                <c:pt idx="902">
-                  <c:v>1</c:v>
-                </c:pt>
-                <c:pt idx="903">
-                  <c:v>1</c:v>
-                </c:pt>
-                <c:pt idx="904">
-                  <c:v>1</c:v>
-                </c:pt>
-                <c:pt idx="905">
-                  <c:v>1</c:v>
-                </c:pt>
-                <c:pt idx="906">
-                  <c:v>1</c:v>
-                </c:pt>
-                <c:pt idx="907">
-                  <c:v>1</c:v>
-                </c:pt>
-                <c:pt idx="908">
-                  <c:v>1</c:v>
-                </c:pt>
-                <c:pt idx="909">
-                  <c:v>1</c:v>
-                </c:pt>
-                <c:pt idx="910">
-                  <c:v>1</c:v>
-                </c:pt>
-                <c:pt idx="911">
-                  <c:v>1</c:v>
-                </c:pt>
-                <c:pt idx="912">
-                  <c:v>1</c:v>
-                </c:pt>
-                <c:pt idx="913">
-                  <c:v>1</c:v>
-                </c:pt>
-                <c:pt idx="914">
-                  <c:v>1</c:v>
-                </c:pt>
-                <c:pt idx="915">
-                  <c:v>1</c:v>
-                </c:pt>
-                <c:pt idx="916">
-                  <c:v>1</c:v>
-                </c:pt>
-                <c:pt idx="917">
-                  <c:v>1</c:v>
-                </c:pt>
-                <c:pt idx="918">
-                  <c:v>1</c:v>
-                </c:pt>
-                <c:pt idx="919">
-                  <c:v>1</c:v>
-                </c:pt>
-                <c:pt idx="920">
-                  <c:v>1</c:v>
-                </c:pt>
-                <c:pt idx="921">
-                  <c:v>1</c:v>
-                </c:pt>
-                <c:pt idx="922">
-                  <c:v>1</c:v>
-                </c:pt>
-                <c:pt idx="923">
-                  <c:v>1</c:v>
-                </c:pt>
-                <c:pt idx="924">
-                  <c:v>1</c:v>
-                </c:pt>
-                <c:pt idx="925">
-                  <c:v>1</c:v>
-                </c:pt>
-                <c:pt idx="926">
-                  <c:v>1</c:v>
-                </c:pt>
-                <c:pt idx="927">
-                  <c:v>1</c:v>
-                </c:pt>
-                <c:pt idx="928">
-                  <c:v>1</c:v>
-                </c:pt>
-                <c:pt idx="929">
-                  <c:v>1</c:v>
-                </c:pt>
-                <c:pt idx="930">
-                  <c:v>1</c:v>
-                </c:pt>
-                <c:pt idx="931">
-                  <c:v>1</c:v>
-                </c:pt>
-                <c:pt idx="932">
-                  <c:v>1</c:v>
-                </c:pt>
-                <c:pt idx="933">
-                  <c:v>1</c:v>
-                </c:pt>
-                <c:pt idx="934">
-                  <c:v>1</c:v>
-                </c:pt>
-                <c:pt idx="935">
-                  <c:v>1</c:v>
-                </c:pt>
-                <c:pt idx="936">
-                  <c:v>1</c:v>
-                </c:pt>
-                <c:pt idx="937">
-                  <c:v>1</c:v>
-                </c:pt>
-                <c:pt idx="938">
-                  <c:v>1</c:v>
-                </c:pt>
-                <c:pt idx="939">
-                  <c:v>1</c:v>
-                </c:pt>
-                <c:pt idx="940">
-                  <c:v>1</c:v>
-                </c:pt>
-                <c:pt idx="941">
-                  <c:v>1</c:v>
-                </c:pt>
-                <c:pt idx="942">
-                  <c:v>1</c:v>
-                </c:pt>
-                <c:pt idx="943">
-                  <c:v>1</c:v>
-                </c:pt>
-                <c:pt idx="944">
-                  <c:v>1</c:v>
-                </c:pt>
-                <c:pt idx="945">
-                  <c:v>1</c:v>
-                </c:pt>
-                <c:pt idx="946">
-                  <c:v>1</c:v>
-                </c:pt>
-                <c:pt idx="947">
-                  <c:v>1</c:v>
-                </c:pt>
-                <c:pt idx="948">
-                  <c:v>1</c:v>
-                </c:pt>
-                <c:pt idx="949">
-                  <c:v>1</c:v>
-                </c:pt>
-                <c:pt idx="950">
-                  <c:v>1</c:v>
-                </c:pt>
-                <c:pt idx="951">
-                  <c:v>1</c:v>
-                </c:pt>
-                <c:pt idx="952">
-                  <c:v>1</c:v>
-                </c:pt>
-                <c:pt idx="953">
-                  <c:v>1</c:v>
-                </c:pt>
-                <c:pt idx="954">
-                  <c:v>1</c:v>
-                </c:pt>
-                <c:pt idx="955">
-                  <c:v>1</c:v>
-                </c:pt>
-                <c:pt idx="956">
-                  <c:v>1</c:v>
-                </c:pt>
-                <c:pt idx="957">
-                  <c:v>1</c:v>
-                </c:pt>
-                <c:pt idx="958">
-                  <c:v>1</c:v>
-                </c:pt>
-                <c:pt idx="959">
-                  <c:v>1</c:v>
-                </c:pt>
-                <c:pt idx="960">
-                  <c:v>1</c:v>
-                </c:pt>
-                <c:pt idx="961">
-                  <c:v>1</c:v>
-                </c:pt>
-                <c:pt idx="962">
-                  <c:v>1</c:v>
-                </c:pt>
-                <c:pt idx="963">
-                  <c:v>1</c:v>
-                </c:pt>
-                <c:pt idx="964">
-                  <c:v>1</c:v>
-                </c:pt>
-                <c:pt idx="965">
-                  <c:v>1</c:v>
-                </c:pt>
-                <c:pt idx="966">
-                  <c:v>1</c:v>
-                </c:pt>
-                <c:pt idx="967">
-                  <c:v>1</c:v>
-                </c:pt>
-                <c:pt idx="968">
-                  <c:v>1</c:v>
-                </c:pt>
-                <c:pt idx="969">
-                  <c:v>1</c:v>
-                </c:pt>
-                <c:pt idx="970">
-                  <c:v>1</c:v>
-                </c:pt>
-                <c:pt idx="971">
-                  <c:v>1</c:v>
-                </c:pt>
-                <c:pt idx="972">
-                  <c:v>1</c:v>
-                </c:pt>
-                <c:pt idx="973">
-                  <c:v>1</c:v>
-                </c:pt>
-                <c:pt idx="974">
-                  <c:v>1</c:v>
-                </c:pt>
-                <c:pt idx="975">
-                  <c:v>1</c:v>
-                </c:pt>
-                <c:pt idx="976">
-                  <c:v>1</c:v>
-                </c:pt>
-                <c:pt idx="977">
-                  <c:v>1</c:v>
-                </c:pt>
-                <c:pt idx="978">
-                  <c:v>1</c:v>
-                </c:pt>
-                <c:pt idx="979">
-                  <c:v>1</c:v>
-                </c:pt>
-                <c:pt idx="980">
-                  <c:v>1</c:v>
-                </c:pt>
-                <c:pt idx="981">
-                  <c:v>1</c:v>
-                </c:pt>
-                <c:pt idx="982">
-                  <c:v>1</c:v>
-                </c:pt>
-                <c:pt idx="983">
-                  <c:v>1</c:v>
-                </c:pt>
-                <c:pt idx="984">
-                  <c:v>1</c:v>
-                </c:pt>
-                <c:pt idx="985">
-                  <c:v>1</c:v>
-                </c:pt>
-                <c:pt idx="986">
-                  <c:v>1</c:v>
-                </c:pt>
-                <c:pt idx="987">
-                  <c:v>1</c:v>
-                </c:pt>
-                <c:pt idx="988">
-                  <c:v>1</c:v>
-                </c:pt>
-                <c:pt idx="989">
-                  <c:v>1</c:v>
-                </c:pt>
-                <c:pt idx="990">
-                  <c:v>1</c:v>
-                </c:pt>
-                <c:pt idx="991">
-                  <c:v>1</c:v>
-                </c:pt>
-                <c:pt idx="992">
-                  <c:v>1</c:v>
-                </c:pt>
-                <c:pt idx="993">
-                  <c:v>1</c:v>
-                </c:pt>
-                <c:pt idx="994">
-                  <c:v>1</c:v>
-                </c:pt>
-                <c:pt idx="995">
-                  <c:v>1</c:v>
-                </c:pt>
-                <c:pt idx="996">
-                  <c:v>1</c:v>
-                </c:pt>
-                <c:pt idx="997">
-                  <c:v>1</c:v>
-                </c:pt>
-                <c:pt idx="998">
-                  <c:v>1</c:v>
-                </c:pt>
-                <c:pt idx="999">
-                  <c:v>1</c:v>
-                </c:pt>
-                <c:pt idx="1000">
-                  <c:v>1</c:v>
-                </c:pt>
-                <c:pt idx="1001">
-                  <c:v>1</c:v>
-                </c:pt>
-                <c:pt idx="1002">
-                  <c:v>1</c:v>
-                </c:pt>
-                <c:pt idx="1003">
-                  <c:v>1</c:v>
-                </c:pt>
-                <c:pt idx="1004">
-                  <c:v>1</c:v>
-                </c:pt>
-                <c:pt idx="1005">
-                  <c:v>1</c:v>
-                </c:pt>
-                <c:pt idx="1006">
-                  <c:v>1</c:v>
-                </c:pt>
-                <c:pt idx="1007">
-                  <c:v>1</c:v>
-                </c:pt>
-                <c:pt idx="1008">
-                  <c:v>1</c:v>
-                </c:pt>
-                <c:pt idx="1009">
-                  <c:v>1</c:v>
-                </c:pt>
-                <c:pt idx="1010">
-                  <c:v>1</c:v>
-                </c:pt>
-                <c:pt idx="1011">
-                  <c:v>1</c:v>
-                </c:pt>
-                <c:pt idx="1012">
-                  <c:v>1</c:v>
-                </c:pt>
-                <c:pt idx="1013">
-                  <c:v>1</c:v>
-                </c:pt>
-                <c:pt idx="1014">
-                  <c:v>1</c:v>
-                </c:pt>
-                <c:pt idx="1015">
-                  <c:v>1</c:v>
-                </c:pt>
-                <c:pt idx="1016">
-                  <c:v>1</c:v>
-                </c:pt>
-                <c:pt idx="1017">
-                  <c:v>1</c:v>
-                </c:pt>
-                <c:pt idx="1018">
-                  <c:v>1</c:v>
-                </c:pt>
-                <c:pt idx="1019">
-                  <c:v>1</c:v>
-                </c:pt>
-                <c:pt idx="1020">
-                  <c:v>1</c:v>
-                </c:pt>
-                <c:pt idx="1021">
-                  <c:v>1</c:v>
-                </c:pt>
-                <c:pt idx="1022">
-                  <c:v>1</c:v>
-                </c:pt>
-                <c:pt idx="1023">
-                  <c:v>1</c:v>
-                </c:pt>
-                <c:pt idx="1024">
-                  <c:v>1</c:v>
-                </c:pt>
-                <c:pt idx="1025">
-                  <c:v>1</c:v>
-                </c:pt>
-                <c:pt idx="1026">
-                  <c:v>1</c:v>
-                </c:pt>
-                <c:pt idx="1027">
-                  <c:v>1</c:v>
-                </c:pt>
-                <c:pt idx="1028">
-                  <c:v>1</c:v>
-                </c:pt>
-                <c:pt idx="1029">
-                  <c:v>1</c:v>
-                </c:pt>
-                <c:pt idx="1030">
-                  <c:v>1</c:v>
-                </c:pt>
-                <c:pt idx="1031">
-                  <c:v>1</c:v>
-                </c:pt>
-                <c:pt idx="1032">
-                  <c:v>1</c:v>
-                </c:pt>
-                <c:pt idx="1033">
-                  <c:v>1</c:v>
-                </c:pt>
-                <c:pt idx="1034">
-                  <c:v>1</c:v>
-                </c:pt>
-                <c:pt idx="1035">
-                  <c:v>1</c:v>
-                </c:pt>
-                <c:pt idx="1036">
-                  <c:v>1</c:v>
-                </c:pt>
-                <c:pt idx="1037">
-                  <c:v>1</c:v>
-                </c:pt>
-                <c:pt idx="1038">
-                  <c:v>1</c:v>
-                </c:pt>
-                <c:pt idx="1039">
-                  <c:v>1</c:v>
-                </c:pt>
-                <c:pt idx="1040">
-                  <c:v>1</c:v>
-                </c:pt>
-                <c:pt idx="1041">
-                  <c:v>1</c:v>
-                </c:pt>
-                <c:pt idx="1042">
-                  <c:v>1</c:v>
-                </c:pt>
-                <c:pt idx="1043">
-                  <c:v>1</c:v>
-                </c:pt>
-                <c:pt idx="1044">
-                  <c:v>1</c:v>
-                </c:pt>
-                <c:pt idx="1045">
-                  <c:v>1</c:v>
-                </c:pt>
-                <c:pt idx="1046">
-                  <c:v>1</c:v>
-                </c:pt>
-                <c:pt idx="1047">
-                  <c:v>1</c:v>
-                </c:pt>
-                <c:pt idx="1048">
-                  <c:v>1</c:v>
-                </c:pt>
-                <c:pt idx="1049">
-                  <c:v>1</c:v>
-                </c:pt>
-                <c:pt idx="1050">
-                  <c:v>1</c:v>
-                </c:pt>
-                <c:pt idx="1051">
-                  <c:v>1</c:v>
-                </c:pt>
-                <c:pt idx="1052">
-                  <c:v>1</c:v>
-                </c:pt>
-                <c:pt idx="1053">
-                  <c:v>1</c:v>
-                </c:pt>
-                <c:pt idx="1054">
-                  <c:v>1</c:v>
-                </c:pt>
-                <c:pt idx="1055">
-                  <c:v>1</c:v>
-                </c:pt>
-                <c:pt idx="1056">
-                  <c:v>1</c:v>
-                </c:pt>
-                <c:pt idx="1057">
-                  <c:v>1</c:v>
-                </c:pt>
-                <c:pt idx="1058">
-                  <c:v>1</c:v>
-                </c:pt>
-                <c:pt idx="1059">
-                  <c:v>1</c:v>
-                </c:pt>
-                <c:pt idx="1060">
-                  <c:v>1</c:v>
-                </c:pt>
-                <c:pt idx="1061">
-                  <c:v>1</c:v>
-                </c:pt>
-                <c:pt idx="1062">
-                  <c:v>1</c:v>
-                </c:pt>
-                <c:pt idx="1063">
-                  <c:v>1</c:v>
-                </c:pt>
-                <c:pt idx="1064">
-                  <c:v>1</c:v>
-                </c:pt>
-                <c:pt idx="1065">
-                  <c:v>1</c:v>
-                </c:pt>
-                <c:pt idx="1066">
-                  <c:v>1</c:v>
-                </c:pt>
-                <c:pt idx="1067">
-                  <c:v>1</c:v>
-                </c:pt>
-                <c:pt idx="1068">
-                  <c:v>1</c:v>
-                </c:pt>
-                <c:pt idx="1069">
-                  <c:v>1</c:v>
-                </c:pt>
-                <c:pt idx="1070">
-                  <c:v>1</c:v>
-                </c:pt>
-                <c:pt idx="1071">
-                  <c:v>1</c:v>
-                </c:pt>
-                <c:pt idx="1072">
-                  <c:v>1</c:v>
-                </c:pt>
-                <c:pt idx="1073">
-                  <c:v>1</c:v>
-                </c:pt>
-                <c:pt idx="1074">
-                  <c:v>1</c:v>
-                </c:pt>
-                <c:pt idx="1075">
-                  <c:v>1</c:v>
-                </c:pt>
-                <c:pt idx="1076">
-                  <c:v>1</c:v>
-                </c:pt>
-                <c:pt idx="1077">
-                  <c:v>1</c:v>
-                </c:pt>
-                <c:pt idx="1078">
-                  <c:v>1</c:v>
-                </c:pt>
-                <c:pt idx="1079">
-                  <c:v>1</c:v>
-                </c:pt>
-                <c:pt idx="1080">
-                  <c:v>1</c:v>
-                </c:pt>
-                <c:pt idx="1081">
-                  <c:v>1</c:v>
-                </c:pt>
-                <c:pt idx="1082">
-                  <c:v>1</c:v>
-                </c:pt>
-                <c:pt idx="1083">
-                  <c:v>1</c:v>
-                </c:pt>
-                <c:pt idx="1084">
-                  <c:v>1</c:v>
-                </c:pt>
-                <c:pt idx="1085">
-                  <c:v>1</c:v>
-                </c:pt>
-                <c:pt idx="1086">
-                  <c:v>1</c:v>
-                </c:pt>
-                <c:pt idx="1087">
-                  <c:v>1</c:v>
-                </c:pt>
-                <c:pt idx="1088">
-                  <c:v>1</c:v>
-                </c:pt>
-                <c:pt idx="1089">
-                  <c:v>1</c:v>
-                </c:pt>
-                <c:pt idx="1090">
-                  <c:v>1</c:v>
-                </c:pt>
-                <c:pt idx="1091">
-                  <c:v>1</c:v>
-                </c:pt>
-                <c:pt idx="1092">
-                  <c:v>1</c:v>
-                </c:pt>
-                <c:pt idx="1093">
-                  <c:v>1</c:v>
-                </c:pt>
-                <c:pt idx="1094">
-                  <c:v>1</c:v>
-                </c:pt>
-                <c:pt idx="1095">
-                  <c:v>1</c:v>
-                </c:pt>
-                <c:pt idx="1096">
-                  <c:v>1</c:v>
-                </c:pt>
-                <c:pt idx="1097">
-                  <c:v>1</c:v>
-                </c:pt>
-                <c:pt idx="1098">
-                  <c:v>1</c:v>
-                </c:pt>
-                <c:pt idx="1099">
-                  <c:v>1</c:v>
-                </c:pt>
-                <c:pt idx="1100">
-                  <c:v>1</c:v>
-                </c:pt>
-                <c:pt idx="1101">
-                  <c:v>1</c:v>
-                </c:pt>
-                <c:pt idx="1102">
-                  <c:v>1</c:v>
-                </c:pt>
-                <c:pt idx="1103">
-                  <c:v>1</c:v>
-                </c:pt>
-                <c:pt idx="1104">
-                  <c:v>1</c:v>
-                </c:pt>
-                <c:pt idx="1105">
-                  <c:v>1</c:v>
-                </c:pt>
-                <c:pt idx="1106">
-                  <c:v>1</c:v>
-                </c:pt>
-                <c:pt idx="1107">
-                  <c:v>1</c:v>
-                </c:pt>
-                <c:pt idx="1108">
-                  <c:v>1</c:v>
-                </c:pt>
-                <c:pt idx="1109">
-                  <c:v>1</c:v>
-                </c:pt>
-                <c:pt idx="1110">
-                  <c:v>1</c:v>
-                </c:pt>
-                <c:pt idx="1111">
-                  <c:v>1</c:v>
-                </c:pt>
-                <c:pt idx="1112">
-                  <c:v>1</c:v>
-                </c:pt>
-                <c:pt idx="1113">
-                  <c:v>1</c:v>
-                </c:pt>
-                <c:pt idx="1114">
-                  <c:v>1</c:v>
-                </c:pt>
-                <c:pt idx="1115">
-                  <c:v>1</c:v>
-                </c:pt>
-                <c:pt idx="1116">
-                  <c:v>1</c:v>
-                </c:pt>
-                <c:pt idx="1117">
-                  <c:v>1</c:v>
-                </c:pt>
-                <c:pt idx="1118">
-                  <c:v>1</c:v>
-                </c:pt>
-                <c:pt idx="1119">
-                  <c:v>1</c:v>
-                </c:pt>
-                <c:pt idx="1120">
-                  <c:v>1</c:v>
-                </c:pt>
-                <c:pt idx="1121">
-                  <c:v>1</c:v>
-                </c:pt>
-                <c:pt idx="1122">
-                  <c:v>1</c:v>
-                </c:pt>
-                <c:pt idx="1123">
-                  <c:v>1</c:v>
-                </c:pt>
-                <c:pt idx="1124">
-                  <c:v>1</c:v>
-                </c:pt>
-                <c:pt idx="1125">
-                  <c:v>1</c:v>
-                </c:pt>
-                <c:pt idx="1126">
-                  <c:v>1</c:v>
-                </c:pt>
-                <c:pt idx="1127">
-                  <c:v>1</c:v>
-                </c:pt>
-                <c:pt idx="1128">
-                  <c:v>1</c:v>
-                </c:pt>
-                <c:pt idx="1129">
-                  <c:v>1</c:v>
-                </c:pt>
-                <c:pt idx="1130">
-                  <c:v>1</c:v>
-                </c:pt>
-                <c:pt idx="1131">
-                  <c:v>1</c:v>
-                </c:pt>
-                <c:pt idx="1132">
-                  <c:v>1</c:v>
-                </c:pt>
-                <c:pt idx="1133">
-                  <c:v>1</c:v>
-                </c:pt>
-                <c:pt idx="1134">
-                  <c:v>1</c:v>
-                </c:pt>
-                <c:pt idx="1135">
-                  <c:v>1</c:v>
-                </c:pt>
-                <c:pt idx="1136">
-                  <c:v>1</c:v>
-                </c:pt>
-                <c:pt idx="1137">
-                  <c:v>1</c:v>
-                </c:pt>
-                <c:pt idx="1138">
-                  <c:v>1</c:v>
-                </c:pt>
-                <c:pt idx="1139">
-                  <c:v>1</c:v>
-                </c:pt>
-                <c:pt idx="1140">
-                  <c:v>1</c:v>
-                </c:pt>
-                <c:pt idx="1141">
-                  <c:v>1</c:v>
-                </c:pt>
-                <c:pt idx="1142">
-                  <c:v>1</c:v>
-                </c:pt>
-                <c:pt idx="1143">
-                  <c:v>1</c:v>
-                </c:pt>
-                <c:pt idx="1144">
-                  <c:v>1</c:v>
-                </c:pt>
-                <c:pt idx="1145">
-                  <c:v>1</c:v>
-                </c:pt>
-                <c:pt idx="1146">
-                  <c:v>1</c:v>
-                </c:pt>
-                <c:pt idx="1147">
-                  <c:v>1</c:v>
-                </c:pt>
-                <c:pt idx="1148">
-                  <c:v>1</c:v>
-                </c:pt>
-                <c:pt idx="1149">
-                  <c:v>1</c:v>
-                </c:pt>
-                <c:pt idx="1150">
-                  <c:v>1</c:v>
-                </c:pt>
-                <c:pt idx="1151">
-                  <c:v>1</c:v>
-                </c:pt>
-                <c:pt idx="1152">
-                  <c:v>1</c:v>
-                </c:pt>
-                <c:pt idx="1153">
-                  <c:v>1</c:v>
-                </c:pt>
-                <c:pt idx="1154">
-                  <c:v>1</c:v>
-                </c:pt>
-                <c:pt idx="1155">
-                  <c:v>1</c:v>
-                </c:pt>
-                <c:pt idx="1156">
-                  <c:v>1</c:v>
-                </c:pt>
-                <c:pt idx="1157">
-                  <c:v>1</c:v>
-                </c:pt>
-                <c:pt idx="1158">
-                  <c:v>1</c:v>
-                </c:pt>
-                <c:pt idx="1159">
-                  <c:v>1</c:v>
-                </c:pt>
-                <c:pt idx="1160">
-                  <c:v>1</c:v>
-                </c:pt>
-                <c:pt idx="1161">
-                  <c:v>1</c:v>
-                </c:pt>
-                <c:pt idx="1162">
-                  <c:v>1</c:v>
-                </c:pt>
-                <c:pt idx="1163">
-                  <c:v>1</c:v>
-                </c:pt>
-                <c:pt idx="1164">
-                  <c:v>1</c:v>
-                </c:pt>
-                <c:pt idx="1165">
-                  <c:v>1</c:v>
-                </c:pt>
-                <c:pt idx="1166">
-                  <c:v>1</c:v>
-                </c:pt>
-                <c:pt idx="1167">
-                  <c:v>1</c:v>
-                </c:pt>
-                <c:pt idx="1168">
-                  <c:v>1</c:v>
-                </c:pt>
-                <c:pt idx="1169">
-                  <c:v>1</c:v>
-                </c:pt>
-                <c:pt idx="1170">
-                  <c:v>1</c:v>
-                </c:pt>
-                <c:pt idx="1171">
-                  <c:v>1</c:v>
-                </c:pt>
-                <c:pt idx="1172">
-                  <c:v>1</c:v>
-                </c:pt>
-                <c:pt idx="1173">
-                  <c:v>1</c:v>
-                </c:pt>
-                <c:pt idx="1174">
-                  <c:v>1</c:v>
-                </c:pt>
-                <c:pt idx="1175">
-                  <c:v>1</c:v>
-                </c:pt>
-                <c:pt idx="1176">
-                  <c:v>1</c:v>
-                </c:pt>
-                <c:pt idx="1177">
-                  <c:v>1</c:v>
-                </c:pt>
-                <c:pt idx="1178">
-                  <c:v>1</c:v>
-                </c:pt>
-                <c:pt idx="1179">
-                  <c:v>1</c:v>
-                </c:pt>
-                <c:pt idx="1180">
-                  <c:v>1</c:v>
-                </c:pt>
-                <c:pt idx="1181">
-                  <c:v>1</c:v>
-                </c:pt>
-                <c:pt idx="1182">
-                  <c:v>1</c:v>
-                </c:pt>
-                <c:pt idx="1183">
-                  <c:v>1</c:v>
-                </c:pt>
-                <c:pt idx="1184">
-                  <c:v>1</c:v>
-                </c:pt>
-                <c:pt idx="1185">
-                  <c:v>1</c:v>
-                </c:pt>
-                <c:pt idx="1186">
-                  <c:v>1</c:v>
-                </c:pt>
-                <c:pt idx="1187">
-                  <c:v>1</c:v>
-                </c:pt>
-                <c:pt idx="1188">
-                  <c:v>1</c:v>
-                </c:pt>
-                <c:pt idx="1189">
-                  <c:v>1</c:v>
-                </c:pt>
-                <c:pt idx="1190">
-                  <c:v>1</c:v>
-                </c:pt>
-                <c:pt idx="1191">
-                  <c:v>1</c:v>
-                </c:pt>
-                <c:pt idx="1192">
-                  <c:v>1</c:v>
-                </c:pt>
-                <c:pt idx="1193">
-                  <c:v>1</c:v>
-                </c:pt>
-                <c:pt idx="1194">
-                  <c:v>1</c:v>
-                </c:pt>
-                <c:pt idx="1195">
-                  <c:v>1</c:v>
-                </c:pt>
-                <c:pt idx="1196">
-                  <c:v>1</c:v>
-                </c:pt>
-                <c:pt idx="1197">
-                  <c:v>1</c:v>
-                </c:pt>
-                <c:pt idx="1198">
-                  <c:v>1</c:v>
-                </c:pt>
-                <c:pt idx="1199">
-                  <c:v>1</c:v>
-                </c:pt>
-                <c:pt idx="1200">
-                  <c:v>1</c:v>
-                </c:pt>
-                <c:pt idx="1201">
-                  <c:v>1</c:v>
-                </c:pt>
-                <c:pt idx="1202">
-                  <c:v>1</c:v>
-                </c:pt>
-                <c:pt idx="1203">
-                  <c:v>1</c:v>
-                </c:pt>
-                <c:pt idx="1204">
-                  <c:v>1</c:v>
-                </c:pt>
-                <c:pt idx="1205">
-                  <c:v>1</c:v>
-                </c:pt>
-                <c:pt idx="1206">
-                  <c:v>1</c:v>
-                </c:pt>
-                <c:pt idx="1207">
-                  <c:v>1</c:v>
-                </c:pt>
-                <c:pt idx="1208">
-                  <c:v>1</c:v>
-                </c:pt>
-                <c:pt idx="1209">
-                  <c:v>1</c:v>
-                </c:pt>
-                <c:pt idx="1210">
-                  <c:v>1</c:v>
-                </c:pt>
-                <c:pt idx="1211">
-                  <c:v>1</c:v>
-                </c:pt>
-                <c:pt idx="1212">
-                  <c:v>1</c:v>
-                </c:pt>
-                <c:pt idx="1213">
-                  <c:v>1</c:v>
-                </c:pt>
-                <c:pt idx="1214">
-                  <c:v>1</c:v>
-                </c:pt>
-                <c:pt idx="1215">
-                  <c:v>1</c:v>
-                </c:pt>
-                <c:pt idx="1216">
-                  <c:v>1</c:v>
-                </c:pt>
-                <c:pt idx="1217">
-                  <c:v>1</c:v>
-                </c:pt>
-                <c:pt idx="1218">
-                  <c:v>1</c:v>
-                </c:pt>
-                <c:pt idx="1219">
-                  <c:v>1</c:v>
-                </c:pt>
-                <c:pt idx="1220">
-                  <c:v>1</c:v>
-                </c:pt>
-                <c:pt idx="1221">
-                  <c:v>1</c:v>
-                </c:pt>
-                <c:pt idx="1222">
-                  <c:v>1</c:v>
-                </c:pt>
-                <c:pt idx="1223">
-                  <c:v>1</c:v>
-                </c:pt>
-                <c:pt idx="1224">
-                  <c:v>1</c:v>
-                </c:pt>
-                <c:pt idx="1225">
-                  <c:v>1</c:v>
-                </c:pt>
-                <c:pt idx="1226">
-                  <c:v>1</c:v>
-                </c:pt>
-                <c:pt idx="1227">
-                  <c:v>1</c:v>
-                </c:pt>
-                <c:pt idx="1228">
-                  <c:v>1</c:v>
-                </c:pt>
-                <c:pt idx="1229">
-                  <c:v>1</c:v>
-                </c:pt>
-                <c:pt idx="1230">
-                  <c:v>1</c:v>
-                </c:pt>
-                <c:pt idx="1231">
-                  <c:v>1</c:v>
-                </c:pt>
-                <c:pt idx="1232">
-                  <c:v>1</c:v>
-                </c:pt>
-                <c:pt idx="1233">
-                  <c:v>1</c:v>
-                </c:pt>
-                <c:pt idx="1234">
-                  <c:v>1</c:v>
-                </c:pt>
-                <c:pt idx="1235">
-                  <c:v>1</c:v>
-                </c:pt>
-                <c:pt idx="1236">
-                  <c:v>1</c:v>
-                </c:pt>
-                <c:pt idx="1237">
-                  <c:v>1</c:v>
-                </c:pt>
-                <c:pt idx="1238">
-                  <c:v>1</c:v>
-                </c:pt>
-                <c:pt idx="1239">
-                  <c:v>1</c:v>
-                </c:pt>
-                <c:pt idx="1240">
-                  <c:v>1</c:v>
-                </c:pt>
-                <c:pt idx="1241">
-                  <c:v>1</c:v>
-                </c:pt>
-                <c:pt idx="1242">
-                  <c:v>1</c:v>
-                </c:pt>
-                <c:pt idx="1243">
-                  <c:v>1</c:v>
-                </c:pt>
-                <c:pt idx="1244">
-                  <c:v>1</c:v>
-                </c:pt>
-                <c:pt idx="1245">
-                  <c:v>1</c:v>
-                </c:pt>
-                <c:pt idx="1246">
-                  <c:v>1</c:v>
-                </c:pt>
-                <c:pt idx="1247">
-                  <c:v>1</c:v>
-                </c:pt>
-                <c:pt idx="1248">
-                  <c:v>1</c:v>
-                </c:pt>
-                <c:pt idx="1249">
-                  <c:v>1</c:v>
-                </c:pt>
-                <c:pt idx="1250">
-                  <c:v>1</c:v>
-                </c:pt>
-                <c:pt idx="1251">
-                  <c:v>1</c:v>
-                </c:pt>
-                <c:pt idx="1252">
-                  <c:v>1</c:v>
-                </c:pt>
-                <c:pt idx="1253">
-                  <c:v>1</c:v>
-                </c:pt>
-                <c:pt idx="1254">
-                  <c:v>1</c:v>
-                </c:pt>
-                <c:pt idx="1255">
-                  <c:v>1</c:v>
-                </c:pt>
-                <c:pt idx="1256">
-                  <c:v>1</c:v>
-                </c:pt>
-                <c:pt idx="1257">
-                  <c:v>1</c:v>
-                </c:pt>
-                <c:pt idx="1258">
-                  <c:v>1</c:v>
-                </c:pt>
-                <c:pt idx="1259">
-                  <c:v>1</c:v>
-                </c:pt>
-                <c:pt idx="1260">
-                  <c:v>1</c:v>
-                </c:pt>
-                <c:pt idx="1261">
-                  <c:v>1</c:v>
-                </c:pt>
-                <c:pt idx="1262">
-                  <c:v>1</c:v>
-                </c:pt>
-                <c:pt idx="1263">
-                  <c:v>1</c:v>
-                </c:pt>
-                <c:pt idx="1264">
-                  <c:v>1</c:v>
-                </c:pt>
-                <c:pt idx="1265">
-                  <c:v>1</c:v>
-                </c:pt>
-                <c:pt idx="1266">
-                  <c:v>1</c:v>
-                </c:pt>
-                <c:pt idx="1267">
-                  <c:v>1</c:v>
-                </c:pt>
-                <c:pt idx="1268">
-                  <c:v>1</c:v>
-                </c:pt>
-                <c:pt idx="1269">
-                  <c:v>1</c:v>
-                </c:pt>
-                <c:pt idx="1270">
-                  <c:v>1</c:v>
-                </c:pt>
-                <c:pt idx="1271">
-                  <c:v>1</c:v>
-                </c:pt>
-                <c:pt idx="1272">
-                  <c:v>1</c:v>
-                </c:pt>
-                <c:pt idx="1273">
-                  <c:v>1</c:v>
-                </c:pt>
-                <c:pt idx="1274">
-                  <c:v>1</c:v>
-                </c:pt>
-                <c:pt idx="1275">
-                  <c:v>1</c:v>
-                </c:pt>
-                <c:pt idx="1276">
-                  <c:v>1</c:v>
-                </c:pt>
-                <c:pt idx="1277">
-                  <c:v>1</c:v>
-                </c:pt>
-                <c:pt idx="1278">
-                  <c:v>1</c:v>
-                </c:pt>
-                <c:pt idx="1279">
-                  <c:v>1</c:v>
-                </c:pt>
-                <c:pt idx="1280">
-                  <c:v>1</c:v>
-                </c:pt>
-                <c:pt idx="1281">
-                  <c:v>1</c:v>
-                </c:pt>
-                <c:pt idx="1282">
-                  <c:v>1</c:v>
-                </c:pt>
-                <c:pt idx="1283">
-                  <c:v>1</c:v>
-                </c:pt>
-                <c:pt idx="1284">
-                  <c:v>1</c:v>
-                </c:pt>
-                <c:pt idx="1285">
-                  <c:v>1</c:v>
-                </c:pt>
-                <c:pt idx="1286">
-                  <c:v>1</c:v>
-                </c:pt>
-                <c:pt idx="1287">
-                  <c:v>1</c:v>
-                </c:pt>
-                <c:pt idx="1288">
-                  <c:v>1</c:v>
-                </c:pt>
-                <c:pt idx="1289">
-                  <c:v>1</c:v>
-                </c:pt>
-                <c:pt idx="1290">
-                  <c:v>1</c:v>
-                </c:pt>
-                <c:pt idx="1291">
-                  <c:v>1</c:v>
-                </c:pt>
-                <c:pt idx="1292">
-                  <c:v>1</c:v>
-                </c:pt>
-                <c:pt idx="1293">
-                  <c:v>1</c:v>
-                </c:pt>
-                <c:pt idx="1294">
                   <c:v>1</c:v>
                 </c:pt>
               </c:numCache>
@@ -8309,11 +4872,11 @@
           <c:showBubbleSize val="0"/>
         </c:dLbls>
         <c:smooth val="0"/>
-        <c:axId val="220361048"/>
-        <c:axId val="220361832"/>
+        <c:axId val="234765216"/>
+        <c:axId val="234762472"/>
       </c:lineChart>
       <c:catAx>
-        <c:axId val="220361048"/>
+        <c:axId val="234765216"/>
         <c:scaling>
           <c:orientation val="minMax"/>
         </c:scaling>
@@ -8356,7 +4919,7 @@
             <a:endParaRPr lang="de-DE"/>
           </a:p>
         </c:txPr>
-        <c:crossAx val="220361832"/>
+        <c:crossAx val="234762472"/>
         <c:crosses val="autoZero"/>
         <c:auto val="1"/>
         <c:lblAlgn val="ctr"/>
@@ -8364,10 +4927,11 @@
         <c:noMultiLvlLbl val="0"/>
       </c:catAx>
       <c:valAx>
-        <c:axId val="220361832"/>
+        <c:axId val="234762472"/>
         <c:scaling>
           <c:orientation val="minMax"/>
-          <c:max val="1"/>
+          <c:max val="1.05"/>
+          <c:min val="0"/>
         </c:scaling>
         <c:delete val="0"/>
         <c:axPos val="l"/>
@@ -8416,7 +4980,7 @@
             <a:endParaRPr lang="de-DE"/>
           </a:p>
         </c:txPr>
-        <c:crossAx val="220361048"/>
+        <c:crossAx val="234765216"/>
         <c:crosses val="autoZero"/>
         <c:crossBetween val="between"/>
       </c:valAx>
@@ -8535,10 +5099,10 @@
           </c:marker>
           <c:cat>
             <c:numRef>
-              <c:f>Tabelle1!$A$2:$A$214</c:f>
+              <c:f>Tabelle1!$A$2:$A$131</c:f>
               <c:numCache>
                 <c:formatCode>General</c:formatCode>
-                <c:ptCount val="213"/>
+                <c:ptCount val="130"/>
                 <c:pt idx="0">
                   <c:v>0</c:v>
                 </c:pt>
@@ -8928,265 +5492,16 @@
                 </c:pt>
                 <c:pt idx="129">
                   <c:v>1290</c:v>
-                </c:pt>
-                <c:pt idx="130">
-                  <c:v>1300</c:v>
-                </c:pt>
-                <c:pt idx="131">
-                  <c:v>1310</c:v>
-                </c:pt>
-                <c:pt idx="132">
-                  <c:v>1320</c:v>
-                </c:pt>
-                <c:pt idx="133">
-                  <c:v>1330</c:v>
-                </c:pt>
-                <c:pt idx="134">
-                  <c:v>1340</c:v>
-                </c:pt>
-                <c:pt idx="135">
-                  <c:v>1350</c:v>
-                </c:pt>
-                <c:pt idx="136">
-                  <c:v>1360</c:v>
-                </c:pt>
-                <c:pt idx="137">
-                  <c:v>1370</c:v>
-                </c:pt>
-                <c:pt idx="138">
-                  <c:v>1380</c:v>
-                </c:pt>
-                <c:pt idx="139">
-                  <c:v>1390</c:v>
-                </c:pt>
-                <c:pt idx="140">
-                  <c:v>1400</c:v>
-                </c:pt>
-                <c:pt idx="141">
-                  <c:v>1410</c:v>
-                </c:pt>
-                <c:pt idx="142">
-                  <c:v>1420</c:v>
-                </c:pt>
-                <c:pt idx="143">
-                  <c:v>1430</c:v>
-                </c:pt>
-                <c:pt idx="144">
-                  <c:v>1440</c:v>
-                </c:pt>
-                <c:pt idx="145">
-                  <c:v>1450</c:v>
-                </c:pt>
-                <c:pt idx="146">
-                  <c:v>1460</c:v>
-                </c:pt>
-                <c:pt idx="147">
-                  <c:v>1470</c:v>
-                </c:pt>
-                <c:pt idx="148">
-                  <c:v>1480</c:v>
-                </c:pt>
-                <c:pt idx="149">
-                  <c:v>1490</c:v>
-                </c:pt>
-                <c:pt idx="150">
-                  <c:v>1500</c:v>
-                </c:pt>
-                <c:pt idx="151">
-                  <c:v>1510</c:v>
-                </c:pt>
-                <c:pt idx="152">
-                  <c:v>1520</c:v>
-                </c:pt>
-                <c:pt idx="153">
-                  <c:v>1530</c:v>
-                </c:pt>
-                <c:pt idx="154">
-                  <c:v>1540</c:v>
-                </c:pt>
-                <c:pt idx="155">
-                  <c:v>1550</c:v>
-                </c:pt>
-                <c:pt idx="156">
-                  <c:v>1560</c:v>
-                </c:pt>
-                <c:pt idx="157">
-                  <c:v>1570</c:v>
-                </c:pt>
-                <c:pt idx="158">
-                  <c:v>1580</c:v>
-                </c:pt>
-                <c:pt idx="159">
-                  <c:v>1590</c:v>
-                </c:pt>
-                <c:pt idx="160">
-                  <c:v>1600</c:v>
-                </c:pt>
-                <c:pt idx="161">
-                  <c:v>1610</c:v>
-                </c:pt>
-                <c:pt idx="162">
-                  <c:v>1620</c:v>
-                </c:pt>
-                <c:pt idx="163">
-                  <c:v>1630</c:v>
-                </c:pt>
-                <c:pt idx="164">
-                  <c:v>1640</c:v>
-                </c:pt>
-                <c:pt idx="165">
-                  <c:v>1650</c:v>
-                </c:pt>
-                <c:pt idx="166">
-                  <c:v>1660</c:v>
-                </c:pt>
-                <c:pt idx="167">
-                  <c:v>1670</c:v>
-                </c:pt>
-                <c:pt idx="168">
-                  <c:v>1680</c:v>
-                </c:pt>
-                <c:pt idx="169">
-                  <c:v>1690</c:v>
-                </c:pt>
-                <c:pt idx="170">
-                  <c:v>1700</c:v>
-                </c:pt>
-                <c:pt idx="171">
-                  <c:v>1710</c:v>
-                </c:pt>
-                <c:pt idx="172">
-                  <c:v>1720</c:v>
-                </c:pt>
-                <c:pt idx="173">
-                  <c:v>1730</c:v>
-                </c:pt>
-                <c:pt idx="174">
-                  <c:v>1740</c:v>
-                </c:pt>
-                <c:pt idx="175">
-                  <c:v>1750</c:v>
-                </c:pt>
-                <c:pt idx="176">
-                  <c:v>1760</c:v>
-                </c:pt>
-                <c:pt idx="177">
-                  <c:v>1770</c:v>
-                </c:pt>
-                <c:pt idx="178">
-                  <c:v>1780</c:v>
-                </c:pt>
-                <c:pt idx="179">
-                  <c:v>1790</c:v>
-                </c:pt>
-                <c:pt idx="180">
-                  <c:v>1800</c:v>
-                </c:pt>
-                <c:pt idx="181">
-                  <c:v>1810</c:v>
-                </c:pt>
-                <c:pt idx="182">
-                  <c:v>1820</c:v>
-                </c:pt>
-                <c:pt idx="183">
-                  <c:v>1830</c:v>
-                </c:pt>
-                <c:pt idx="184">
-                  <c:v>1840</c:v>
-                </c:pt>
-                <c:pt idx="185">
-                  <c:v>1850</c:v>
-                </c:pt>
-                <c:pt idx="186">
-                  <c:v>1860</c:v>
-                </c:pt>
-                <c:pt idx="187">
-                  <c:v>1870</c:v>
-                </c:pt>
-                <c:pt idx="188">
-                  <c:v>1880</c:v>
-                </c:pt>
-                <c:pt idx="189">
-                  <c:v>1890</c:v>
-                </c:pt>
-                <c:pt idx="190">
-                  <c:v>1900</c:v>
-                </c:pt>
-                <c:pt idx="191">
-                  <c:v>1910</c:v>
-                </c:pt>
-                <c:pt idx="192">
-                  <c:v>1920</c:v>
-                </c:pt>
-                <c:pt idx="193">
-                  <c:v>1930</c:v>
-                </c:pt>
-                <c:pt idx="194">
-                  <c:v>1940</c:v>
-                </c:pt>
-                <c:pt idx="195">
-                  <c:v>1950</c:v>
-                </c:pt>
-                <c:pt idx="196">
-                  <c:v>1960</c:v>
-                </c:pt>
-                <c:pt idx="197">
-                  <c:v>1970</c:v>
-                </c:pt>
-                <c:pt idx="198">
-                  <c:v>1980</c:v>
-                </c:pt>
-                <c:pt idx="199">
-                  <c:v>1990</c:v>
-                </c:pt>
-                <c:pt idx="200">
-                  <c:v>2000</c:v>
-                </c:pt>
-                <c:pt idx="201">
-                  <c:v>2010</c:v>
-                </c:pt>
-                <c:pt idx="202">
-                  <c:v>2020</c:v>
-                </c:pt>
-                <c:pt idx="203">
-                  <c:v>2030</c:v>
-                </c:pt>
-                <c:pt idx="204">
-                  <c:v>2040</c:v>
-                </c:pt>
-                <c:pt idx="205">
-                  <c:v>2050</c:v>
-                </c:pt>
-                <c:pt idx="206">
-                  <c:v>2060</c:v>
-                </c:pt>
-                <c:pt idx="207">
-                  <c:v>2070</c:v>
-                </c:pt>
-                <c:pt idx="208">
-                  <c:v>2080</c:v>
-                </c:pt>
-                <c:pt idx="209">
-                  <c:v>2090</c:v>
-                </c:pt>
-                <c:pt idx="210">
-                  <c:v>2100</c:v>
-                </c:pt>
-                <c:pt idx="211">
-                  <c:v>2110</c:v>
-                </c:pt>
-                <c:pt idx="212">
-                  <c:v>2120</c:v>
                 </c:pt>
               </c:numCache>
             </c:numRef>
           </c:cat>
           <c:val>
             <c:numRef>
-              <c:f>Tabelle1!$B$2:$B$214</c:f>
+              <c:f>Tabelle1!$B$2:$B$131</c:f>
               <c:numCache>
                 <c:formatCode>0%</c:formatCode>
-                <c:ptCount val="213"/>
+                <c:ptCount val="130"/>
                 <c:pt idx="0">
                   <c:v>0</c:v>
                 </c:pt>
@@ -9575,255 +5890,6 @@
                   <c:v>0.99180327868852458</c:v>
                 </c:pt>
                 <c:pt idx="129">
-                  <c:v>1</c:v>
-                </c:pt>
-                <c:pt idx="130">
-                  <c:v>1</c:v>
-                </c:pt>
-                <c:pt idx="131">
-                  <c:v>1</c:v>
-                </c:pt>
-                <c:pt idx="132">
-                  <c:v>1</c:v>
-                </c:pt>
-                <c:pt idx="133">
-                  <c:v>1</c:v>
-                </c:pt>
-                <c:pt idx="134">
-                  <c:v>1</c:v>
-                </c:pt>
-                <c:pt idx="135">
-                  <c:v>1</c:v>
-                </c:pt>
-                <c:pt idx="136">
-                  <c:v>1</c:v>
-                </c:pt>
-                <c:pt idx="137">
-                  <c:v>1</c:v>
-                </c:pt>
-                <c:pt idx="138">
-                  <c:v>1</c:v>
-                </c:pt>
-                <c:pt idx="139">
-                  <c:v>1</c:v>
-                </c:pt>
-                <c:pt idx="140">
-                  <c:v>1</c:v>
-                </c:pt>
-                <c:pt idx="141">
-                  <c:v>1</c:v>
-                </c:pt>
-                <c:pt idx="142">
-                  <c:v>1</c:v>
-                </c:pt>
-                <c:pt idx="143">
-                  <c:v>1</c:v>
-                </c:pt>
-                <c:pt idx="144">
-                  <c:v>1</c:v>
-                </c:pt>
-                <c:pt idx="145">
-                  <c:v>1</c:v>
-                </c:pt>
-                <c:pt idx="146">
-                  <c:v>1</c:v>
-                </c:pt>
-                <c:pt idx="147">
-                  <c:v>1</c:v>
-                </c:pt>
-                <c:pt idx="148">
-                  <c:v>1</c:v>
-                </c:pt>
-                <c:pt idx="149">
-                  <c:v>1</c:v>
-                </c:pt>
-                <c:pt idx="150">
-                  <c:v>1</c:v>
-                </c:pt>
-                <c:pt idx="151">
-                  <c:v>1</c:v>
-                </c:pt>
-                <c:pt idx="152">
-                  <c:v>1</c:v>
-                </c:pt>
-                <c:pt idx="153">
-                  <c:v>1</c:v>
-                </c:pt>
-                <c:pt idx="154">
-                  <c:v>1</c:v>
-                </c:pt>
-                <c:pt idx="155">
-                  <c:v>1</c:v>
-                </c:pt>
-                <c:pt idx="156">
-                  <c:v>1</c:v>
-                </c:pt>
-                <c:pt idx="157">
-                  <c:v>1</c:v>
-                </c:pt>
-                <c:pt idx="158">
-                  <c:v>1</c:v>
-                </c:pt>
-                <c:pt idx="159">
-                  <c:v>1</c:v>
-                </c:pt>
-                <c:pt idx="160">
-                  <c:v>1</c:v>
-                </c:pt>
-                <c:pt idx="161">
-                  <c:v>1</c:v>
-                </c:pt>
-                <c:pt idx="162">
-                  <c:v>1</c:v>
-                </c:pt>
-                <c:pt idx="163">
-                  <c:v>1</c:v>
-                </c:pt>
-                <c:pt idx="164">
-                  <c:v>1</c:v>
-                </c:pt>
-                <c:pt idx="165">
-                  <c:v>1</c:v>
-                </c:pt>
-                <c:pt idx="166">
-                  <c:v>1</c:v>
-                </c:pt>
-                <c:pt idx="167">
-                  <c:v>1</c:v>
-                </c:pt>
-                <c:pt idx="168">
-                  <c:v>1</c:v>
-                </c:pt>
-                <c:pt idx="169">
-                  <c:v>1</c:v>
-                </c:pt>
-                <c:pt idx="170">
-                  <c:v>1</c:v>
-                </c:pt>
-                <c:pt idx="171">
-                  <c:v>1</c:v>
-                </c:pt>
-                <c:pt idx="172">
-                  <c:v>1</c:v>
-                </c:pt>
-                <c:pt idx="173">
-                  <c:v>1</c:v>
-                </c:pt>
-                <c:pt idx="174">
-                  <c:v>1</c:v>
-                </c:pt>
-                <c:pt idx="175">
-                  <c:v>1</c:v>
-                </c:pt>
-                <c:pt idx="176">
-                  <c:v>1</c:v>
-                </c:pt>
-                <c:pt idx="177">
-                  <c:v>1</c:v>
-                </c:pt>
-                <c:pt idx="178">
-                  <c:v>1</c:v>
-                </c:pt>
-                <c:pt idx="179">
-                  <c:v>1</c:v>
-                </c:pt>
-                <c:pt idx="180">
-                  <c:v>1</c:v>
-                </c:pt>
-                <c:pt idx="181">
-                  <c:v>1</c:v>
-                </c:pt>
-                <c:pt idx="182">
-                  <c:v>1</c:v>
-                </c:pt>
-                <c:pt idx="183">
-                  <c:v>1</c:v>
-                </c:pt>
-                <c:pt idx="184">
-                  <c:v>1</c:v>
-                </c:pt>
-                <c:pt idx="185">
-                  <c:v>1</c:v>
-                </c:pt>
-                <c:pt idx="186">
-                  <c:v>1</c:v>
-                </c:pt>
-                <c:pt idx="187">
-                  <c:v>1</c:v>
-                </c:pt>
-                <c:pt idx="188">
-                  <c:v>1</c:v>
-                </c:pt>
-                <c:pt idx="189">
-                  <c:v>1</c:v>
-                </c:pt>
-                <c:pt idx="190">
-                  <c:v>1</c:v>
-                </c:pt>
-                <c:pt idx="191">
-                  <c:v>1</c:v>
-                </c:pt>
-                <c:pt idx="192">
-                  <c:v>1</c:v>
-                </c:pt>
-                <c:pt idx="193">
-                  <c:v>1</c:v>
-                </c:pt>
-                <c:pt idx="194">
-                  <c:v>1</c:v>
-                </c:pt>
-                <c:pt idx="195">
-                  <c:v>1</c:v>
-                </c:pt>
-                <c:pt idx="196">
-                  <c:v>1</c:v>
-                </c:pt>
-                <c:pt idx="197">
-                  <c:v>1</c:v>
-                </c:pt>
-                <c:pt idx="198">
-                  <c:v>1</c:v>
-                </c:pt>
-                <c:pt idx="199">
-                  <c:v>1</c:v>
-                </c:pt>
-                <c:pt idx="200">
-                  <c:v>1</c:v>
-                </c:pt>
-                <c:pt idx="201">
-                  <c:v>1</c:v>
-                </c:pt>
-                <c:pt idx="202">
-                  <c:v>1</c:v>
-                </c:pt>
-                <c:pt idx="203">
-                  <c:v>1</c:v>
-                </c:pt>
-                <c:pt idx="204">
-                  <c:v>1</c:v>
-                </c:pt>
-                <c:pt idx="205">
-                  <c:v>1</c:v>
-                </c:pt>
-                <c:pt idx="206">
-                  <c:v>1</c:v>
-                </c:pt>
-                <c:pt idx="207">
-                  <c:v>1</c:v>
-                </c:pt>
-                <c:pt idx="208">
-                  <c:v>1</c:v>
-                </c:pt>
-                <c:pt idx="209">
-                  <c:v>1</c:v>
-                </c:pt>
-                <c:pt idx="210">
-                  <c:v>1</c:v>
-                </c:pt>
-                <c:pt idx="211">
-                  <c:v>1</c:v>
-                </c:pt>
-                <c:pt idx="212">
                   <c:v>1</c:v>
                 </c:pt>
               </c:numCache>
@@ -9840,11 +5906,11 @@
           <c:showBubbleSize val="0"/>
         </c:dLbls>
         <c:smooth val="0"/>
-        <c:axId val="346243136"/>
-        <c:axId val="346240784"/>
+        <c:axId val="234186648"/>
+        <c:axId val="234184296"/>
       </c:lineChart>
       <c:catAx>
-        <c:axId val="346243136"/>
+        <c:axId val="234186648"/>
         <c:scaling>
           <c:orientation val="minMax"/>
         </c:scaling>
@@ -9887,7 +5953,7 @@
             <a:endParaRPr lang="de-DE"/>
           </a:p>
         </c:txPr>
-        <c:crossAx val="346240784"/>
+        <c:crossAx val="234184296"/>
         <c:crosses val="autoZero"/>
         <c:auto val="1"/>
         <c:lblAlgn val="ctr"/>
@@ -9895,10 +5961,11 @@
         <c:noMultiLvlLbl val="0"/>
       </c:catAx>
       <c:valAx>
-        <c:axId val="346240784"/>
+        <c:axId val="234184296"/>
         <c:scaling>
           <c:orientation val="minMax"/>
-          <c:max val="1"/>
+          <c:max val="1.05"/>
+          <c:min val="0"/>
         </c:scaling>
         <c:delete val="0"/>
         <c:axPos val="l"/>
@@ -9947,7 +6014,7 @@
             <a:endParaRPr lang="de-DE"/>
           </a:p>
         </c:txPr>
-        <c:crossAx val="346243136"/>
+        <c:crossAx val="234186648"/>
         <c:crosses val="autoZero"/>
         <c:crossBetween val="between"/>
       </c:valAx>
@@ -10066,10 +6133,10 @@
           </c:marker>
           <c:cat>
             <c:numRef>
-              <c:f>Tabelle1!$A$2:$A$1110</c:f>
+              <c:f>Tabelle1!$A$2:$A$587</c:f>
               <c:numCache>
                 <c:formatCode>General</c:formatCode>
-                <c:ptCount val="1109"/>
+                <c:ptCount val="586"/>
                 <c:pt idx="0">
                   <c:v>0</c:v>
                 </c:pt>
@@ -11827,1585 +7894,16 @@
                 </c:pt>
                 <c:pt idx="585">
                   <c:v>5850</c:v>
-                </c:pt>
-                <c:pt idx="586">
-                  <c:v>5860</c:v>
-                </c:pt>
-                <c:pt idx="587">
-                  <c:v>5870</c:v>
-                </c:pt>
-                <c:pt idx="588">
-                  <c:v>5880</c:v>
-                </c:pt>
-                <c:pt idx="589">
-                  <c:v>5890</c:v>
-                </c:pt>
-                <c:pt idx="590">
-                  <c:v>5900</c:v>
-                </c:pt>
-                <c:pt idx="591">
-                  <c:v>5910</c:v>
-                </c:pt>
-                <c:pt idx="592">
-                  <c:v>5920</c:v>
-                </c:pt>
-                <c:pt idx="593">
-                  <c:v>5930</c:v>
-                </c:pt>
-                <c:pt idx="594">
-                  <c:v>5940</c:v>
-                </c:pt>
-                <c:pt idx="595">
-                  <c:v>5950</c:v>
-                </c:pt>
-                <c:pt idx="596">
-                  <c:v>5960</c:v>
-                </c:pt>
-                <c:pt idx="597">
-                  <c:v>5970</c:v>
-                </c:pt>
-                <c:pt idx="598">
-                  <c:v>5980</c:v>
-                </c:pt>
-                <c:pt idx="599">
-                  <c:v>5990</c:v>
-                </c:pt>
-                <c:pt idx="600">
-                  <c:v>6000</c:v>
-                </c:pt>
-                <c:pt idx="601">
-                  <c:v>6010</c:v>
-                </c:pt>
-                <c:pt idx="602">
-                  <c:v>6020</c:v>
-                </c:pt>
-                <c:pt idx="603">
-                  <c:v>6030</c:v>
-                </c:pt>
-                <c:pt idx="604">
-                  <c:v>6040</c:v>
-                </c:pt>
-                <c:pt idx="605">
-                  <c:v>6050</c:v>
-                </c:pt>
-                <c:pt idx="606">
-                  <c:v>6060</c:v>
-                </c:pt>
-                <c:pt idx="607">
-                  <c:v>6070</c:v>
-                </c:pt>
-                <c:pt idx="608">
-                  <c:v>6080</c:v>
-                </c:pt>
-                <c:pt idx="609">
-                  <c:v>6090</c:v>
-                </c:pt>
-                <c:pt idx="610">
-                  <c:v>6100</c:v>
-                </c:pt>
-                <c:pt idx="611">
-                  <c:v>6110</c:v>
-                </c:pt>
-                <c:pt idx="612">
-                  <c:v>6120</c:v>
-                </c:pt>
-                <c:pt idx="613">
-                  <c:v>6130</c:v>
-                </c:pt>
-                <c:pt idx="614">
-                  <c:v>6140</c:v>
-                </c:pt>
-                <c:pt idx="615">
-                  <c:v>6150</c:v>
-                </c:pt>
-                <c:pt idx="616">
-                  <c:v>6160</c:v>
-                </c:pt>
-                <c:pt idx="617">
-                  <c:v>6170</c:v>
-                </c:pt>
-                <c:pt idx="618">
-                  <c:v>6180</c:v>
-                </c:pt>
-                <c:pt idx="619">
-                  <c:v>6190</c:v>
-                </c:pt>
-                <c:pt idx="620">
-                  <c:v>6200</c:v>
-                </c:pt>
-                <c:pt idx="621">
-                  <c:v>6210</c:v>
-                </c:pt>
-                <c:pt idx="622">
-                  <c:v>6220</c:v>
-                </c:pt>
-                <c:pt idx="623">
-                  <c:v>6230</c:v>
-                </c:pt>
-                <c:pt idx="624">
-                  <c:v>6240</c:v>
-                </c:pt>
-                <c:pt idx="625">
-                  <c:v>6250</c:v>
-                </c:pt>
-                <c:pt idx="626">
-                  <c:v>6260</c:v>
-                </c:pt>
-                <c:pt idx="627">
-                  <c:v>6270</c:v>
-                </c:pt>
-                <c:pt idx="628">
-                  <c:v>6280</c:v>
-                </c:pt>
-                <c:pt idx="629">
-                  <c:v>6290</c:v>
-                </c:pt>
-                <c:pt idx="630">
-                  <c:v>6300</c:v>
-                </c:pt>
-                <c:pt idx="631">
-                  <c:v>6310</c:v>
-                </c:pt>
-                <c:pt idx="632">
-                  <c:v>6320</c:v>
-                </c:pt>
-                <c:pt idx="633">
-                  <c:v>6330</c:v>
-                </c:pt>
-                <c:pt idx="634">
-                  <c:v>6340</c:v>
-                </c:pt>
-                <c:pt idx="635">
-                  <c:v>6350</c:v>
-                </c:pt>
-                <c:pt idx="636">
-                  <c:v>6360</c:v>
-                </c:pt>
-                <c:pt idx="637">
-                  <c:v>6370</c:v>
-                </c:pt>
-                <c:pt idx="638">
-                  <c:v>6380</c:v>
-                </c:pt>
-                <c:pt idx="639">
-                  <c:v>6390</c:v>
-                </c:pt>
-                <c:pt idx="640">
-                  <c:v>6400</c:v>
-                </c:pt>
-                <c:pt idx="641">
-                  <c:v>6410</c:v>
-                </c:pt>
-                <c:pt idx="642">
-                  <c:v>6420</c:v>
-                </c:pt>
-                <c:pt idx="643">
-                  <c:v>6430</c:v>
-                </c:pt>
-                <c:pt idx="644">
-                  <c:v>6440</c:v>
-                </c:pt>
-                <c:pt idx="645">
-                  <c:v>6450</c:v>
-                </c:pt>
-                <c:pt idx="646">
-                  <c:v>6460</c:v>
-                </c:pt>
-                <c:pt idx="647">
-                  <c:v>6470</c:v>
-                </c:pt>
-                <c:pt idx="648">
-                  <c:v>6480</c:v>
-                </c:pt>
-                <c:pt idx="649">
-                  <c:v>6490</c:v>
-                </c:pt>
-                <c:pt idx="650">
-                  <c:v>6500</c:v>
-                </c:pt>
-                <c:pt idx="651">
-                  <c:v>6510</c:v>
-                </c:pt>
-                <c:pt idx="652">
-                  <c:v>6520</c:v>
-                </c:pt>
-                <c:pt idx="653">
-                  <c:v>6530</c:v>
-                </c:pt>
-                <c:pt idx="654">
-                  <c:v>6540</c:v>
-                </c:pt>
-                <c:pt idx="655">
-                  <c:v>6550</c:v>
-                </c:pt>
-                <c:pt idx="656">
-                  <c:v>6560</c:v>
-                </c:pt>
-                <c:pt idx="657">
-                  <c:v>6570</c:v>
-                </c:pt>
-                <c:pt idx="658">
-                  <c:v>6580</c:v>
-                </c:pt>
-                <c:pt idx="659">
-                  <c:v>6590</c:v>
-                </c:pt>
-                <c:pt idx="660">
-                  <c:v>6600</c:v>
-                </c:pt>
-                <c:pt idx="661">
-                  <c:v>6610</c:v>
-                </c:pt>
-                <c:pt idx="662">
-                  <c:v>6620</c:v>
-                </c:pt>
-                <c:pt idx="663">
-                  <c:v>6630</c:v>
-                </c:pt>
-                <c:pt idx="664">
-                  <c:v>6640</c:v>
-                </c:pt>
-                <c:pt idx="665">
-                  <c:v>6650</c:v>
-                </c:pt>
-                <c:pt idx="666">
-                  <c:v>6660</c:v>
-                </c:pt>
-                <c:pt idx="667">
-                  <c:v>6670</c:v>
-                </c:pt>
-                <c:pt idx="668">
-                  <c:v>6680</c:v>
-                </c:pt>
-                <c:pt idx="669">
-                  <c:v>6690</c:v>
-                </c:pt>
-                <c:pt idx="670">
-                  <c:v>6700</c:v>
-                </c:pt>
-                <c:pt idx="671">
-                  <c:v>6710</c:v>
-                </c:pt>
-                <c:pt idx="672">
-                  <c:v>6720</c:v>
-                </c:pt>
-                <c:pt idx="673">
-                  <c:v>6730</c:v>
-                </c:pt>
-                <c:pt idx="674">
-                  <c:v>6740</c:v>
-                </c:pt>
-                <c:pt idx="675">
-                  <c:v>6750</c:v>
-                </c:pt>
-                <c:pt idx="676">
-                  <c:v>6760</c:v>
-                </c:pt>
-                <c:pt idx="677">
-                  <c:v>6770</c:v>
-                </c:pt>
-                <c:pt idx="678">
-                  <c:v>6780</c:v>
-                </c:pt>
-                <c:pt idx="679">
-                  <c:v>6790</c:v>
-                </c:pt>
-                <c:pt idx="680">
-                  <c:v>6800</c:v>
-                </c:pt>
-                <c:pt idx="681">
-                  <c:v>6810</c:v>
-                </c:pt>
-                <c:pt idx="682">
-                  <c:v>6820</c:v>
-                </c:pt>
-                <c:pt idx="683">
-                  <c:v>6830</c:v>
-                </c:pt>
-                <c:pt idx="684">
-                  <c:v>6840</c:v>
-                </c:pt>
-                <c:pt idx="685">
-                  <c:v>6850</c:v>
-                </c:pt>
-                <c:pt idx="686">
-                  <c:v>6860</c:v>
-                </c:pt>
-                <c:pt idx="687">
-                  <c:v>6870</c:v>
-                </c:pt>
-                <c:pt idx="688">
-                  <c:v>6880</c:v>
-                </c:pt>
-                <c:pt idx="689">
-                  <c:v>6890</c:v>
-                </c:pt>
-                <c:pt idx="690">
-                  <c:v>6900</c:v>
-                </c:pt>
-                <c:pt idx="691">
-                  <c:v>6910</c:v>
-                </c:pt>
-                <c:pt idx="692">
-                  <c:v>6920</c:v>
-                </c:pt>
-                <c:pt idx="693">
-                  <c:v>6930</c:v>
-                </c:pt>
-                <c:pt idx="694">
-                  <c:v>6940</c:v>
-                </c:pt>
-                <c:pt idx="695">
-                  <c:v>6950</c:v>
-                </c:pt>
-                <c:pt idx="696">
-                  <c:v>6960</c:v>
-                </c:pt>
-                <c:pt idx="697">
-                  <c:v>6970</c:v>
-                </c:pt>
-                <c:pt idx="698">
-                  <c:v>6980</c:v>
-                </c:pt>
-                <c:pt idx="699">
-                  <c:v>6990</c:v>
-                </c:pt>
-                <c:pt idx="700">
-                  <c:v>7000</c:v>
-                </c:pt>
-                <c:pt idx="701">
-                  <c:v>7010</c:v>
-                </c:pt>
-                <c:pt idx="702">
-                  <c:v>7020</c:v>
-                </c:pt>
-                <c:pt idx="703">
-                  <c:v>7030</c:v>
-                </c:pt>
-                <c:pt idx="704">
-                  <c:v>7040</c:v>
-                </c:pt>
-                <c:pt idx="705">
-                  <c:v>7050</c:v>
-                </c:pt>
-                <c:pt idx="706">
-                  <c:v>7060</c:v>
-                </c:pt>
-                <c:pt idx="707">
-                  <c:v>7070</c:v>
-                </c:pt>
-                <c:pt idx="708">
-                  <c:v>7080</c:v>
-                </c:pt>
-                <c:pt idx="709">
-                  <c:v>7090</c:v>
-                </c:pt>
-                <c:pt idx="710">
-                  <c:v>7100</c:v>
-                </c:pt>
-                <c:pt idx="711">
-                  <c:v>7110</c:v>
-                </c:pt>
-                <c:pt idx="712">
-                  <c:v>7120</c:v>
-                </c:pt>
-                <c:pt idx="713">
-                  <c:v>7130</c:v>
-                </c:pt>
-                <c:pt idx="714">
-                  <c:v>7140</c:v>
-                </c:pt>
-                <c:pt idx="715">
-                  <c:v>7150</c:v>
-                </c:pt>
-                <c:pt idx="716">
-                  <c:v>7160</c:v>
-                </c:pt>
-                <c:pt idx="717">
-                  <c:v>7170</c:v>
-                </c:pt>
-                <c:pt idx="718">
-                  <c:v>7180</c:v>
-                </c:pt>
-                <c:pt idx="719">
-                  <c:v>7190</c:v>
-                </c:pt>
-                <c:pt idx="720">
-                  <c:v>7200</c:v>
-                </c:pt>
-                <c:pt idx="721">
-                  <c:v>7210</c:v>
-                </c:pt>
-                <c:pt idx="722">
-                  <c:v>7220</c:v>
-                </c:pt>
-                <c:pt idx="723">
-                  <c:v>7230</c:v>
-                </c:pt>
-                <c:pt idx="724">
-                  <c:v>7240</c:v>
-                </c:pt>
-                <c:pt idx="725">
-                  <c:v>7250</c:v>
-                </c:pt>
-                <c:pt idx="726">
-                  <c:v>7260</c:v>
-                </c:pt>
-                <c:pt idx="727">
-                  <c:v>7270</c:v>
-                </c:pt>
-                <c:pt idx="728">
-                  <c:v>7280</c:v>
-                </c:pt>
-                <c:pt idx="729">
-                  <c:v>7290</c:v>
-                </c:pt>
-                <c:pt idx="730">
-                  <c:v>7300</c:v>
-                </c:pt>
-                <c:pt idx="731">
-                  <c:v>7310</c:v>
-                </c:pt>
-                <c:pt idx="732">
-                  <c:v>7320</c:v>
-                </c:pt>
-                <c:pt idx="733">
-                  <c:v>7330</c:v>
-                </c:pt>
-                <c:pt idx="734">
-                  <c:v>7340</c:v>
-                </c:pt>
-                <c:pt idx="735">
-                  <c:v>7350</c:v>
-                </c:pt>
-                <c:pt idx="736">
-                  <c:v>7360</c:v>
-                </c:pt>
-                <c:pt idx="737">
-                  <c:v>7370</c:v>
-                </c:pt>
-                <c:pt idx="738">
-                  <c:v>7380</c:v>
-                </c:pt>
-                <c:pt idx="739">
-                  <c:v>7390</c:v>
-                </c:pt>
-                <c:pt idx="740">
-                  <c:v>7400</c:v>
-                </c:pt>
-                <c:pt idx="741">
-                  <c:v>7410</c:v>
-                </c:pt>
-                <c:pt idx="742">
-                  <c:v>7420</c:v>
-                </c:pt>
-                <c:pt idx="743">
-                  <c:v>7430</c:v>
-                </c:pt>
-                <c:pt idx="744">
-                  <c:v>7440</c:v>
-                </c:pt>
-                <c:pt idx="745">
-                  <c:v>7450</c:v>
-                </c:pt>
-                <c:pt idx="746">
-                  <c:v>7460</c:v>
-                </c:pt>
-                <c:pt idx="747">
-                  <c:v>7470</c:v>
-                </c:pt>
-                <c:pt idx="748">
-                  <c:v>7480</c:v>
-                </c:pt>
-                <c:pt idx="749">
-                  <c:v>7490</c:v>
-                </c:pt>
-                <c:pt idx="750">
-                  <c:v>7500</c:v>
-                </c:pt>
-                <c:pt idx="751">
-                  <c:v>7510</c:v>
-                </c:pt>
-                <c:pt idx="752">
-                  <c:v>7520</c:v>
-                </c:pt>
-                <c:pt idx="753">
-                  <c:v>7530</c:v>
-                </c:pt>
-                <c:pt idx="754">
-                  <c:v>7540</c:v>
-                </c:pt>
-                <c:pt idx="755">
-                  <c:v>7550</c:v>
-                </c:pt>
-                <c:pt idx="756">
-                  <c:v>7560</c:v>
-                </c:pt>
-                <c:pt idx="757">
-                  <c:v>7570</c:v>
-                </c:pt>
-                <c:pt idx="758">
-                  <c:v>7580</c:v>
-                </c:pt>
-                <c:pt idx="759">
-                  <c:v>7590</c:v>
-                </c:pt>
-                <c:pt idx="760">
-                  <c:v>7600</c:v>
-                </c:pt>
-                <c:pt idx="761">
-                  <c:v>7610</c:v>
-                </c:pt>
-                <c:pt idx="762">
-                  <c:v>7620</c:v>
-                </c:pt>
-                <c:pt idx="763">
-                  <c:v>7630</c:v>
-                </c:pt>
-                <c:pt idx="764">
-                  <c:v>7640</c:v>
-                </c:pt>
-                <c:pt idx="765">
-                  <c:v>7650</c:v>
-                </c:pt>
-                <c:pt idx="766">
-                  <c:v>7660</c:v>
-                </c:pt>
-                <c:pt idx="767">
-                  <c:v>7670</c:v>
-                </c:pt>
-                <c:pt idx="768">
-                  <c:v>7680</c:v>
-                </c:pt>
-                <c:pt idx="769">
-                  <c:v>7690</c:v>
-                </c:pt>
-                <c:pt idx="770">
-                  <c:v>7700</c:v>
-                </c:pt>
-                <c:pt idx="771">
-                  <c:v>7710</c:v>
-                </c:pt>
-                <c:pt idx="772">
-                  <c:v>7720</c:v>
-                </c:pt>
-                <c:pt idx="773">
-                  <c:v>7730</c:v>
-                </c:pt>
-                <c:pt idx="774">
-                  <c:v>7740</c:v>
-                </c:pt>
-                <c:pt idx="775">
-                  <c:v>7750</c:v>
-                </c:pt>
-                <c:pt idx="776">
-                  <c:v>7760</c:v>
-                </c:pt>
-                <c:pt idx="777">
-                  <c:v>7770</c:v>
-                </c:pt>
-                <c:pt idx="778">
-                  <c:v>7780</c:v>
-                </c:pt>
-                <c:pt idx="779">
-                  <c:v>7790</c:v>
-                </c:pt>
-                <c:pt idx="780">
-                  <c:v>7800</c:v>
-                </c:pt>
-                <c:pt idx="781">
-                  <c:v>7810</c:v>
-                </c:pt>
-                <c:pt idx="782">
-                  <c:v>7820</c:v>
-                </c:pt>
-                <c:pt idx="783">
-                  <c:v>7830</c:v>
-                </c:pt>
-                <c:pt idx="784">
-                  <c:v>7840</c:v>
-                </c:pt>
-                <c:pt idx="785">
-                  <c:v>7850</c:v>
-                </c:pt>
-                <c:pt idx="786">
-                  <c:v>7860</c:v>
-                </c:pt>
-                <c:pt idx="787">
-                  <c:v>7870</c:v>
-                </c:pt>
-                <c:pt idx="788">
-                  <c:v>7880</c:v>
-                </c:pt>
-                <c:pt idx="789">
-                  <c:v>7890</c:v>
-                </c:pt>
-                <c:pt idx="790">
-                  <c:v>7900</c:v>
-                </c:pt>
-                <c:pt idx="791">
-                  <c:v>7910</c:v>
-                </c:pt>
-                <c:pt idx="792">
-                  <c:v>7920</c:v>
-                </c:pt>
-                <c:pt idx="793">
-                  <c:v>7930</c:v>
-                </c:pt>
-                <c:pt idx="794">
-                  <c:v>7940</c:v>
-                </c:pt>
-                <c:pt idx="795">
-                  <c:v>7950</c:v>
-                </c:pt>
-                <c:pt idx="796">
-                  <c:v>7960</c:v>
-                </c:pt>
-                <c:pt idx="797">
-                  <c:v>7970</c:v>
-                </c:pt>
-                <c:pt idx="798">
-                  <c:v>7980</c:v>
-                </c:pt>
-                <c:pt idx="799">
-                  <c:v>7990</c:v>
-                </c:pt>
-                <c:pt idx="800">
-                  <c:v>8000</c:v>
-                </c:pt>
-                <c:pt idx="801">
-                  <c:v>8010</c:v>
-                </c:pt>
-                <c:pt idx="802">
-                  <c:v>8020</c:v>
-                </c:pt>
-                <c:pt idx="803">
-                  <c:v>8030</c:v>
-                </c:pt>
-                <c:pt idx="804">
-                  <c:v>8040</c:v>
-                </c:pt>
-                <c:pt idx="805">
-                  <c:v>8050</c:v>
-                </c:pt>
-                <c:pt idx="806">
-                  <c:v>8060</c:v>
-                </c:pt>
-                <c:pt idx="807">
-                  <c:v>8070</c:v>
-                </c:pt>
-                <c:pt idx="808">
-                  <c:v>8080</c:v>
-                </c:pt>
-                <c:pt idx="809">
-                  <c:v>8090</c:v>
-                </c:pt>
-                <c:pt idx="810">
-                  <c:v>8100</c:v>
-                </c:pt>
-                <c:pt idx="811">
-                  <c:v>8110</c:v>
-                </c:pt>
-                <c:pt idx="812">
-                  <c:v>8120</c:v>
-                </c:pt>
-                <c:pt idx="813">
-                  <c:v>8130</c:v>
-                </c:pt>
-                <c:pt idx="814">
-                  <c:v>8140</c:v>
-                </c:pt>
-                <c:pt idx="815">
-                  <c:v>8150</c:v>
-                </c:pt>
-                <c:pt idx="816">
-                  <c:v>8160</c:v>
-                </c:pt>
-                <c:pt idx="817">
-                  <c:v>8170</c:v>
-                </c:pt>
-                <c:pt idx="818">
-                  <c:v>8180</c:v>
-                </c:pt>
-                <c:pt idx="819">
-                  <c:v>8190</c:v>
-                </c:pt>
-                <c:pt idx="820">
-                  <c:v>8200</c:v>
-                </c:pt>
-                <c:pt idx="821">
-                  <c:v>8210</c:v>
-                </c:pt>
-                <c:pt idx="822">
-                  <c:v>8220</c:v>
-                </c:pt>
-                <c:pt idx="823">
-                  <c:v>8230</c:v>
-                </c:pt>
-                <c:pt idx="824">
-                  <c:v>8240</c:v>
-                </c:pt>
-                <c:pt idx="825">
-                  <c:v>8250</c:v>
-                </c:pt>
-                <c:pt idx="826">
-                  <c:v>8260</c:v>
-                </c:pt>
-                <c:pt idx="827">
-                  <c:v>8270</c:v>
-                </c:pt>
-                <c:pt idx="828">
-                  <c:v>8280</c:v>
-                </c:pt>
-                <c:pt idx="829">
-                  <c:v>8290</c:v>
-                </c:pt>
-                <c:pt idx="830">
-                  <c:v>8300</c:v>
-                </c:pt>
-                <c:pt idx="831">
-                  <c:v>8310</c:v>
-                </c:pt>
-                <c:pt idx="832">
-                  <c:v>8320</c:v>
-                </c:pt>
-                <c:pt idx="833">
-                  <c:v>8330</c:v>
-                </c:pt>
-                <c:pt idx="834">
-                  <c:v>8340</c:v>
-                </c:pt>
-                <c:pt idx="835">
-                  <c:v>8350</c:v>
-                </c:pt>
-                <c:pt idx="836">
-                  <c:v>8360</c:v>
-                </c:pt>
-                <c:pt idx="837">
-                  <c:v>8370</c:v>
-                </c:pt>
-                <c:pt idx="838">
-                  <c:v>8380</c:v>
-                </c:pt>
-                <c:pt idx="839">
-                  <c:v>8390</c:v>
-                </c:pt>
-                <c:pt idx="840">
-                  <c:v>8400</c:v>
-                </c:pt>
-                <c:pt idx="841">
-                  <c:v>8410</c:v>
-                </c:pt>
-                <c:pt idx="842">
-                  <c:v>8420</c:v>
-                </c:pt>
-                <c:pt idx="843">
-                  <c:v>8430</c:v>
-                </c:pt>
-                <c:pt idx="844">
-                  <c:v>8440</c:v>
-                </c:pt>
-                <c:pt idx="845">
-                  <c:v>8450</c:v>
-                </c:pt>
-                <c:pt idx="846">
-                  <c:v>8460</c:v>
-                </c:pt>
-                <c:pt idx="847">
-                  <c:v>8470</c:v>
-                </c:pt>
-                <c:pt idx="848">
-                  <c:v>8480</c:v>
-                </c:pt>
-                <c:pt idx="849">
-                  <c:v>8490</c:v>
-                </c:pt>
-                <c:pt idx="850">
-                  <c:v>8500</c:v>
-                </c:pt>
-                <c:pt idx="851">
-                  <c:v>8510</c:v>
-                </c:pt>
-                <c:pt idx="852">
-                  <c:v>8520</c:v>
-                </c:pt>
-                <c:pt idx="853">
-                  <c:v>8530</c:v>
-                </c:pt>
-                <c:pt idx="854">
-                  <c:v>8540</c:v>
-                </c:pt>
-                <c:pt idx="855">
-                  <c:v>8550</c:v>
-                </c:pt>
-                <c:pt idx="856">
-                  <c:v>8560</c:v>
-                </c:pt>
-                <c:pt idx="857">
-                  <c:v>8570</c:v>
-                </c:pt>
-                <c:pt idx="858">
-                  <c:v>8580</c:v>
-                </c:pt>
-                <c:pt idx="859">
-                  <c:v>8590</c:v>
-                </c:pt>
-                <c:pt idx="860">
-                  <c:v>8600</c:v>
-                </c:pt>
-                <c:pt idx="861">
-                  <c:v>8610</c:v>
-                </c:pt>
-                <c:pt idx="862">
-                  <c:v>8620</c:v>
-                </c:pt>
-                <c:pt idx="863">
-                  <c:v>8630</c:v>
-                </c:pt>
-                <c:pt idx="864">
-                  <c:v>8640</c:v>
-                </c:pt>
-                <c:pt idx="865">
-                  <c:v>8650</c:v>
-                </c:pt>
-                <c:pt idx="866">
-                  <c:v>8660</c:v>
-                </c:pt>
-                <c:pt idx="867">
-                  <c:v>8670</c:v>
-                </c:pt>
-                <c:pt idx="868">
-                  <c:v>8680</c:v>
-                </c:pt>
-                <c:pt idx="869">
-                  <c:v>8690</c:v>
-                </c:pt>
-                <c:pt idx="870">
-                  <c:v>8700</c:v>
-                </c:pt>
-                <c:pt idx="871">
-                  <c:v>8710</c:v>
-                </c:pt>
-                <c:pt idx="872">
-                  <c:v>8720</c:v>
-                </c:pt>
-                <c:pt idx="873">
-                  <c:v>8730</c:v>
-                </c:pt>
-                <c:pt idx="874">
-                  <c:v>8740</c:v>
-                </c:pt>
-                <c:pt idx="875">
-                  <c:v>8750</c:v>
-                </c:pt>
-                <c:pt idx="876">
-                  <c:v>8760</c:v>
-                </c:pt>
-                <c:pt idx="877">
-                  <c:v>8770</c:v>
-                </c:pt>
-                <c:pt idx="878">
-                  <c:v>8780</c:v>
-                </c:pt>
-                <c:pt idx="879">
-                  <c:v>8790</c:v>
-                </c:pt>
-                <c:pt idx="880">
-                  <c:v>8800</c:v>
-                </c:pt>
-                <c:pt idx="881">
-                  <c:v>8810</c:v>
-                </c:pt>
-                <c:pt idx="882">
-                  <c:v>8820</c:v>
-                </c:pt>
-                <c:pt idx="883">
-                  <c:v>8830</c:v>
-                </c:pt>
-                <c:pt idx="884">
-                  <c:v>8840</c:v>
-                </c:pt>
-                <c:pt idx="885">
-                  <c:v>8850</c:v>
-                </c:pt>
-                <c:pt idx="886">
-                  <c:v>8860</c:v>
-                </c:pt>
-                <c:pt idx="887">
-                  <c:v>8870</c:v>
-                </c:pt>
-                <c:pt idx="888">
-                  <c:v>8880</c:v>
-                </c:pt>
-                <c:pt idx="889">
-                  <c:v>8890</c:v>
-                </c:pt>
-                <c:pt idx="890">
-                  <c:v>8900</c:v>
-                </c:pt>
-                <c:pt idx="891">
-                  <c:v>8910</c:v>
-                </c:pt>
-                <c:pt idx="892">
-                  <c:v>8920</c:v>
-                </c:pt>
-                <c:pt idx="893">
-                  <c:v>8930</c:v>
-                </c:pt>
-                <c:pt idx="894">
-                  <c:v>8940</c:v>
-                </c:pt>
-                <c:pt idx="895">
-                  <c:v>8950</c:v>
-                </c:pt>
-                <c:pt idx="896">
-                  <c:v>8960</c:v>
-                </c:pt>
-                <c:pt idx="897">
-                  <c:v>8970</c:v>
-                </c:pt>
-                <c:pt idx="898">
-                  <c:v>8980</c:v>
-                </c:pt>
-                <c:pt idx="899">
-                  <c:v>8990</c:v>
-                </c:pt>
-                <c:pt idx="900">
-                  <c:v>9000</c:v>
-                </c:pt>
-                <c:pt idx="901">
-                  <c:v>9010</c:v>
-                </c:pt>
-                <c:pt idx="902">
-                  <c:v>9020</c:v>
-                </c:pt>
-                <c:pt idx="903">
-                  <c:v>9030</c:v>
-                </c:pt>
-                <c:pt idx="904">
-                  <c:v>9040</c:v>
-                </c:pt>
-                <c:pt idx="905">
-                  <c:v>9050</c:v>
-                </c:pt>
-                <c:pt idx="906">
-                  <c:v>9060</c:v>
-                </c:pt>
-                <c:pt idx="907">
-                  <c:v>9070</c:v>
-                </c:pt>
-                <c:pt idx="908">
-                  <c:v>9080</c:v>
-                </c:pt>
-                <c:pt idx="909">
-                  <c:v>9090</c:v>
-                </c:pt>
-                <c:pt idx="910">
-                  <c:v>9100</c:v>
-                </c:pt>
-                <c:pt idx="911">
-                  <c:v>9110</c:v>
-                </c:pt>
-                <c:pt idx="912">
-                  <c:v>9120</c:v>
-                </c:pt>
-                <c:pt idx="913">
-                  <c:v>9130</c:v>
-                </c:pt>
-                <c:pt idx="914">
-                  <c:v>9140</c:v>
-                </c:pt>
-                <c:pt idx="915">
-                  <c:v>9150</c:v>
-                </c:pt>
-                <c:pt idx="916">
-                  <c:v>9160</c:v>
-                </c:pt>
-                <c:pt idx="917">
-                  <c:v>9170</c:v>
-                </c:pt>
-                <c:pt idx="918">
-                  <c:v>9180</c:v>
-                </c:pt>
-                <c:pt idx="919">
-                  <c:v>9190</c:v>
-                </c:pt>
-                <c:pt idx="920">
-                  <c:v>9200</c:v>
-                </c:pt>
-                <c:pt idx="921">
-                  <c:v>9210</c:v>
-                </c:pt>
-                <c:pt idx="922">
-                  <c:v>9220</c:v>
-                </c:pt>
-                <c:pt idx="923">
-                  <c:v>9230</c:v>
-                </c:pt>
-                <c:pt idx="924">
-                  <c:v>9240</c:v>
-                </c:pt>
-                <c:pt idx="925">
-                  <c:v>9250</c:v>
-                </c:pt>
-                <c:pt idx="926">
-                  <c:v>9260</c:v>
-                </c:pt>
-                <c:pt idx="927">
-                  <c:v>9270</c:v>
-                </c:pt>
-                <c:pt idx="928">
-                  <c:v>9280</c:v>
-                </c:pt>
-                <c:pt idx="929">
-                  <c:v>9290</c:v>
-                </c:pt>
-                <c:pt idx="930">
-                  <c:v>9300</c:v>
-                </c:pt>
-                <c:pt idx="931">
-                  <c:v>9310</c:v>
-                </c:pt>
-                <c:pt idx="932">
-                  <c:v>9320</c:v>
-                </c:pt>
-                <c:pt idx="933">
-                  <c:v>9330</c:v>
-                </c:pt>
-                <c:pt idx="934">
-                  <c:v>9340</c:v>
-                </c:pt>
-                <c:pt idx="935">
-                  <c:v>9350</c:v>
-                </c:pt>
-                <c:pt idx="936">
-                  <c:v>9360</c:v>
-                </c:pt>
-                <c:pt idx="937">
-                  <c:v>9370</c:v>
-                </c:pt>
-                <c:pt idx="938">
-                  <c:v>9380</c:v>
-                </c:pt>
-                <c:pt idx="939">
-                  <c:v>9390</c:v>
-                </c:pt>
-                <c:pt idx="940">
-                  <c:v>9400</c:v>
-                </c:pt>
-                <c:pt idx="941">
-                  <c:v>9410</c:v>
-                </c:pt>
-                <c:pt idx="942">
-                  <c:v>9420</c:v>
-                </c:pt>
-                <c:pt idx="943">
-                  <c:v>9430</c:v>
-                </c:pt>
-                <c:pt idx="944">
-                  <c:v>9440</c:v>
-                </c:pt>
-                <c:pt idx="945">
-                  <c:v>9450</c:v>
-                </c:pt>
-                <c:pt idx="946">
-                  <c:v>9460</c:v>
-                </c:pt>
-                <c:pt idx="947">
-                  <c:v>9470</c:v>
-                </c:pt>
-                <c:pt idx="948">
-                  <c:v>9480</c:v>
-                </c:pt>
-                <c:pt idx="949">
-                  <c:v>9490</c:v>
-                </c:pt>
-                <c:pt idx="950">
-                  <c:v>9500</c:v>
-                </c:pt>
-                <c:pt idx="951">
-                  <c:v>9510</c:v>
-                </c:pt>
-                <c:pt idx="952">
-                  <c:v>9520</c:v>
-                </c:pt>
-                <c:pt idx="953">
-                  <c:v>9530</c:v>
-                </c:pt>
-                <c:pt idx="954">
-                  <c:v>9540</c:v>
-                </c:pt>
-                <c:pt idx="955">
-                  <c:v>9550</c:v>
-                </c:pt>
-                <c:pt idx="956">
-                  <c:v>9560</c:v>
-                </c:pt>
-                <c:pt idx="957">
-                  <c:v>9570</c:v>
-                </c:pt>
-                <c:pt idx="958">
-                  <c:v>9580</c:v>
-                </c:pt>
-                <c:pt idx="959">
-                  <c:v>9590</c:v>
-                </c:pt>
-                <c:pt idx="960">
-                  <c:v>9600</c:v>
-                </c:pt>
-                <c:pt idx="961">
-                  <c:v>9610</c:v>
-                </c:pt>
-                <c:pt idx="962">
-                  <c:v>9620</c:v>
-                </c:pt>
-                <c:pt idx="963">
-                  <c:v>9630</c:v>
-                </c:pt>
-                <c:pt idx="964">
-                  <c:v>9640</c:v>
-                </c:pt>
-                <c:pt idx="965">
-                  <c:v>9650</c:v>
-                </c:pt>
-                <c:pt idx="966">
-                  <c:v>9660</c:v>
-                </c:pt>
-                <c:pt idx="967">
-                  <c:v>9670</c:v>
-                </c:pt>
-                <c:pt idx="968">
-                  <c:v>9680</c:v>
-                </c:pt>
-                <c:pt idx="969">
-                  <c:v>9690</c:v>
-                </c:pt>
-                <c:pt idx="970">
-                  <c:v>9700</c:v>
-                </c:pt>
-                <c:pt idx="971">
-                  <c:v>9710</c:v>
-                </c:pt>
-                <c:pt idx="972">
-                  <c:v>9720</c:v>
-                </c:pt>
-                <c:pt idx="973">
-                  <c:v>9730</c:v>
-                </c:pt>
-                <c:pt idx="974">
-                  <c:v>9740</c:v>
-                </c:pt>
-                <c:pt idx="975">
-                  <c:v>9750</c:v>
-                </c:pt>
-                <c:pt idx="976">
-                  <c:v>9760</c:v>
-                </c:pt>
-                <c:pt idx="977">
-                  <c:v>9770</c:v>
-                </c:pt>
-                <c:pt idx="978">
-                  <c:v>9780</c:v>
-                </c:pt>
-                <c:pt idx="979">
-                  <c:v>9790</c:v>
-                </c:pt>
-                <c:pt idx="980">
-                  <c:v>9800</c:v>
-                </c:pt>
-                <c:pt idx="981">
-                  <c:v>9810</c:v>
-                </c:pt>
-                <c:pt idx="982">
-                  <c:v>9820</c:v>
-                </c:pt>
-                <c:pt idx="983">
-                  <c:v>9830</c:v>
-                </c:pt>
-                <c:pt idx="984">
-                  <c:v>9840</c:v>
-                </c:pt>
-                <c:pt idx="985">
-                  <c:v>9850</c:v>
-                </c:pt>
-                <c:pt idx="986">
-                  <c:v>9860</c:v>
-                </c:pt>
-                <c:pt idx="987">
-                  <c:v>9870</c:v>
-                </c:pt>
-                <c:pt idx="988">
-                  <c:v>9880</c:v>
-                </c:pt>
-                <c:pt idx="989">
-                  <c:v>9890</c:v>
-                </c:pt>
-                <c:pt idx="990">
-                  <c:v>9900</c:v>
-                </c:pt>
-                <c:pt idx="991">
-                  <c:v>9910</c:v>
-                </c:pt>
-                <c:pt idx="992">
-                  <c:v>9920</c:v>
-                </c:pt>
-                <c:pt idx="993">
-                  <c:v>9930</c:v>
-                </c:pt>
-                <c:pt idx="994">
-                  <c:v>9940</c:v>
-                </c:pt>
-                <c:pt idx="995">
-                  <c:v>9950</c:v>
-                </c:pt>
-                <c:pt idx="996">
-                  <c:v>9960</c:v>
-                </c:pt>
-                <c:pt idx="997">
-                  <c:v>9970</c:v>
-                </c:pt>
-                <c:pt idx="998">
-                  <c:v>9980</c:v>
-                </c:pt>
-                <c:pt idx="999">
-                  <c:v>9990</c:v>
-                </c:pt>
-                <c:pt idx="1000">
-                  <c:v>10000</c:v>
-                </c:pt>
-                <c:pt idx="1001">
-                  <c:v>10010</c:v>
-                </c:pt>
-                <c:pt idx="1002">
-                  <c:v>10020</c:v>
-                </c:pt>
-                <c:pt idx="1003">
-                  <c:v>10030</c:v>
-                </c:pt>
-                <c:pt idx="1004">
-                  <c:v>10040</c:v>
-                </c:pt>
-                <c:pt idx="1005">
-                  <c:v>10050</c:v>
-                </c:pt>
-                <c:pt idx="1006">
-                  <c:v>10060</c:v>
-                </c:pt>
-                <c:pt idx="1007">
-                  <c:v>10070</c:v>
-                </c:pt>
-                <c:pt idx="1008">
-                  <c:v>10080</c:v>
-                </c:pt>
-                <c:pt idx="1009">
-                  <c:v>10090</c:v>
-                </c:pt>
-                <c:pt idx="1010">
-                  <c:v>10100</c:v>
-                </c:pt>
-                <c:pt idx="1011">
-                  <c:v>10110</c:v>
-                </c:pt>
-                <c:pt idx="1012">
-                  <c:v>10120</c:v>
-                </c:pt>
-                <c:pt idx="1013">
-                  <c:v>10130</c:v>
-                </c:pt>
-                <c:pt idx="1014">
-                  <c:v>10140</c:v>
-                </c:pt>
-                <c:pt idx="1015">
-                  <c:v>10150</c:v>
-                </c:pt>
-                <c:pt idx="1016">
-                  <c:v>10160</c:v>
-                </c:pt>
-                <c:pt idx="1017">
-                  <c:v>10170</c:v>
-                </c:pt>
-                <c:pt idx="1018">
-                  <c:v>10180</c:v>
-                </c:pt>
-                <c:pt idx="1019">
-                  <c:v>10190</c:v>
-                </c:pt>
-                <c:pt idx="1020">
-                  <c:v>10200</c:v>
-                </c:pt>
-                <c:pt idx="1021">
-                  <c:v>10210</c:v>
-                </c:pt>
-                <c:pt idx="1022">
-                  <c:v>10220</c:v>
-                </c:pt>
-                <c:pt idx="1023">
-                  <c:v>10230</c:v>
-                </c:pt>
-                <c:pt idx="1024">
-                  <c:v>10240</c:v>
-                </c:pt>
-                <c:pt idx="1025">
-                  <c:v>10250</c:v>
-                </c:pt>
-                <c:pt idx="1026">
-                  <c:v>10260</c:v>
-                </c:pt>
-                <c:pt idx="1027">
-                  <c:v>10270</c:v>
-                </c:pt>
-                <c:pt idx="1028">
-                  <c:v>10280</c:v>
-                </c:pt>
-                <c:pt idx="1029">
-                  <c:v>10290</c:v>
-                </c:pt>
-                <c:pt idx="1030">
-                  <c:v>10300</c:v>
-                </c:pt>
-                <c:pt idx="1031">
-                  <c:v>10310</c:v>
-                </c:pt>
-                <c:pt idx="1032">
-                  <c:v>10320</c:v>
-                </c:pt>
-                <c:pt idx="1033">
-                  <c:v>10330</c:v>
-                </c:pt>
-                <c:pt idx="1034">
-                  <c:v>10340</c:v>
-                </c:pt>
-                <c:pt idx="1035">
-                  <c:v>10350</c:v>
-                </c:pt>
-                <c:pt idx="1036">
-                  <c:v>10360</c:v>
-                </c:pt>
-                <c:pt idx="1037">
-                  <c:v>10370</c:v>
-                </c:pt>
-                <c:pt idx="1038">
-                  <c:v>10380</c:v>
-                </c:pt>
-                <c:pt idx="1039">
-                  <c:v>10390</c:v>
-                </c:pt>
-                <c:pt idx="1040">
-                  <c:v>10400</c:v>
-                </c:pt>
-                <c:pt idx="1041">
-                  <c:v>10410</c:v>
-                </c:pt>
-                <c:pt idx="1042">
-                  <c:v>10420</c:v>
-                </c:pt>
-                <c:pt idx="1043">
-                  <c:v>10430</c:v>
-                </c:pt>
-                <c:pt idx="1044">
-                  <c:v>10440</c:v>
-                </c:pt>
-                <c:pt idx="1045">
-                  <c:v>10450</c:v>
-                </c:pt>
-                <c:pt idx="1046">
-                  <c:v>10460</c:v>
-                </c:pt>
-                <c:pt idx="1047">
-                  <c:v>10470</c:v>
-                </c:pt>
-                <c:pt idx="1048">
-                  <c:v>10480</c:v>
-                </c:pt>
-                <c:pt idx="1049">
-                  <c:v>10490</c:v>
-                </c:pt>
-                <c:pt idx="1050">
-                  <c:v>10500</c:v>
-                </c:pt>
-                <c:pt idx="1051">
-                  <c:v>10510</c:v>
-                </c:pt>
-                <c:pt idx="1052">
-                  <c:v>10520</c:v>
-                </c:pt>
-                <c:pt idx="1053">
-                  <c:v>10530</c:v>
-                </c:pt>
-                <c:pt idx="1054">
-                  <c:v>10540</c:v>
-                </c:pt>
-                <c:pt idx="1055">
-                  <c:v>10550</c:v>
-                </c:pt>
-                <c:pt idx="1056">
-                  <c:v>10560</c:v>
-                </c:pt>
-                <c:pt idx="1057">
-                  <c:v>10570</c:v>
-                </c:pt>
-                <c:pt idx="1058">
-                  <c:v>10580</c:v>
-                </c:pt>
-                <c:pt idx="1059">
-                  <c:v>10590</c:v>
-                </c:pt>
-                <c:pt idx="1060">
-                  <c:v>10600</c:v>
-                </c:pt>
-                <c:pt idx="1061">
-                  <c:v>10610</c:v>
-                </c:pt>
-                <c:pt idx="1062">
-                  <c:v>10620</c:v>
-                </c:pt>
-                <c:pt idx="1063">
-                  <c:v>10630</c:v>
-                </c:pt>
-                <c:pt idx="1064">
-                  <c:v>10640</c:v>
-                </c:pt>
-                <c:pt idx="1065">
-                  <c:v>10650</c:v>
-                </c:pt>
-                <c:pt idx="1066">
-                  <c:v>10660</c:v>
-                </c:pt>
-                <c:pt idx="1067">
-                  <c:v>10670</c:v>
-                </c:pt>
-                <c:pt idx="1068">
-                  <c:v>10680</c:v>
-                </c:pt>
-                <c:pt idx="1069">
-                  <c:v>10690</c:v>
-                </c:pt>
-                <c:pt idx="1070">
-                  <c:v>10700</c:v>
-                </c:pt>
-                <c:pt idx="1071">
-                  <c:v>10710</c:v>
-                </c:pt>
-                <c:pt idx="1072">
-                  <c:v>10720</c:v>
-                </c:pt>
-                <c:pt idx="1073">
-                  <c:v>10730</c:v>
-                </c:pt>
-                <c:pt idx="1074">
-                  <c:v>10740</c:v>
-                </c:pt>
-                <c:pt idx="1075">
-                  <c:v>10750</c:v>
-                </c:pt>
-                <c:pt idx="1076">
-                  <c:v>10760</c:v>
-                </c:pt>
-                <c:pt idx="1077">
-                  <c:v>10770</c:v>
-                </c:pt>
-                <c:pt idx="1078">
-                  <c:v>10780</c:v>
-                </c:pt>
-                <c:pt idx="1079">
-                  <c:v>10790</c:v>
-                </c:pt>
-                <c:pt idx="1080">
-                  <c:v>10800</c:v>
-                </c:pt>
-                <c:pt idx="1081">
-                  <c:v>10810</c:v>
-                </c:pt>
-                <c:pt idx="1082">
-                  <c:v>10820</c:v>
-                </c:pt>
-                <c:pt idx="1083">
-                  <c:v>10830</c:v>
-                </c:pt>
-                <c:pt idx="1084">
-                  <c:v>10840</c:v>
-                </c:pt>
-                <c:pt idx="1085">
-                  <c:v>10850</c:v>
-                </c:pt>
-                <c:pt idx="1086">
-                  <c:v>10860</c:v>
-                </c:pt>
-                <c:pt idx="1087">
-                  <c:v>10870</c:v>
-                </c:pt>
-                <c:pt idx="1088">
-                  <c:v>10880</c:v>
-                </c:pt>
-                <c:pt idx="1089">
-                  <c:v>10890</c:v>
-                </c:pt>
-                <c:pt idx="1090">
-                  <c:v>10900</c:v>
-                </c:pt>
-                <c:pt idx="1091">
-                  <c:v>10910</c:v>
-                </c:pt>
-                <c:pt idx="1092">
-                  <c:v>10920</c:v>
-                </c:pt>
-                <c:pt idx="1093">
-                  <c:v>10930</c:v>
-                </c:pt>
-                <c:pt idx="1094">
-                  <c:v>10940</c:v>
-                </c:pt>
-                <c:pt idx="1095">
-                  <c:v>10950</c:v>
-                </c:pt>
-                <c:pt idx="1096">
-                  <c:v>10960</c:v>
-                </c:pt>
-                <c:pt idx="1097">
-                  <c:v>10970</c:v>
-                </c:pt>
-                <c:pt idx="1098">
-                  <c:v>10980</c:v>
-                </c:pt>
-                <c:pt idx="1099">
-                  <c:v>10990</c:v>
-                </c:pt>
-                <c:pt idx="1100">
-                  <c:v>11000</c:v>
-                </c:pt>
-                <c:pt idx="1101">
-                  <c:v>11010</c:v>
-                </c:pt>
-                <c:pt idx="1102">
-                  <c:v>11020</c:v>
-                </c:pt>
-                <c:pt idx="1103">
-                  <c:v>11030</c:v>
-                </c:pt>
-                <c:pt idx="1104">
-                  <c:v>11040</c:v>
-                </c:pt>
-                <c:pt idx="1105">
-                  <c:v>11050</c:v>
-                </c:pt>
-                <c:pt idx="1106">
-                  <c:v>11060</c:v>
-                </c:pt>
-                <c:pt idx="1107">
-                  <c:v>11070</c:v>
-                </c:pt>
-                <c:pt idx="1108">
-                  <c:v>11080</c:v>
                 </c:pt>
               </c:numCache>
             </c:numRef>
           </c:cat>
           <c:val>
             <c:numRef>
-              <c:f>Tabelle1!$B$2:$B$1110</c:f>
+              <c:f>Tabelle1!$B$2:$B$587</c:f>
               <c:numCache>
                 <c:formatCode>0%</c:formatCode>
-                <c:ptCount val="1109"/>
+                <c:ptCount val="586"/>
                 <c:pt idx="0">
                   <c:v>0</c:v>
                 </c:pt>
@@ -15162,1575 +9660,6 @@
                   <c:v>0.98913043478260865</c:v>
                 </c:pt>
                 <c:pt idx="585">
-                  <c:v>1</c:v>
-                </c:pt>
-                <c:pt idx="586">
-                  <c:v>1</c:v>
-                </c:pt>
-                <c:pt idx="587">
-                  <c:v>1</c:v>
-                </c:pt>
-                <c:pt idx="588">
-                  <c:v>1</c:v>
-                </c:pt>
-                <c:pt idx="589">
-                  <c:v>1</c:v>
-                </c:pt>
-                <c:pt idx="590">
-                  <c:v>1</c:v>
-                </c:pt>
-                <c:pt idx="591">
-                  <c:v>1</c:v>
-                </c:pt>
-                <c:pt idx="592">
-                  <c:v>1</c:v>
-                </c:pt>
-                <c:pt idx="593">
-                  <c:v>1</c:v>
-                </c:pt>
-                <c:pt idx="594">
-                  <c:v>1</c:v>
-                </c:pt>
-                <c:pt idx="595">
-                  <c:v>1</c:v>
-                </c:pt>
-                <c:pt idx="596">
-                  <c:v>1</c:v>
-                </c:pt>
-                <c:pt idx="597">
-                  <c:v>1</c:v>
-                </c:pt>
-                <c:pt idx="598">
-                  <c:v>1</c:v>
-                </c:pt>
-                <c:pt idx="599">
-                  <c:v>1</c:v>
-                </c:pt>
-                <c:pt idx="600">
-                  <c:v>1</c:v>
-                </c:pt>
-                <c:pt idx="601">
-                  <c:v>1</c:v>
-                </c:pt>
-                <c:pt idx="602">
-                  <c:v>1</c:v>
-                </c:pt>
-                <c:pt idx="603">
-                  <c:v>1</c:v>
-                </c:pt>
-                <c:pt idx="604">
-                  <c:v>1</c:v>
-                </c:pt>
-                <c:pt idx="605">
-                  <c:v>1</c:v>
-                </c:pt>
-                <c:pt idx="606">
-                  <c:v>1</c:v>
-                </c:pt>
-                <c:pt idx="607">
-                  <c:v>1</c:v>
-                </c:pt>
-                <c:pt idx="608">
-                  <c:v>1</c:v>
-                </c:pt>
-                <c:pt idx="609">
-                  <c:v>1</c:v>
-                </c:pt>
-                <c:pt idx="610">
-                  <c:v>1</c:v>
-                </c:pt>
-                <c:pt idx="611">
-                  <c:v>1</c:v>
-                </c:pt>
-                <c:pt idx="612">
-                  <c:v>1</c:v>
-                </c:pt>
-                <c:pt idx="613">
-                  <c:v>1</c:v>
-                </c:pt>
-                <c:pt idx="614">
-                  <c:v>1</c:v>
-                </c:pt>
-                <c:pt idx="615">
-                  <c:v>1</c:v>
-                </c:pt>
-                <c:pt idx="616">
-                  <c:v>1</c:v>
-                </c:pt>
-                <c:pt idx="617">
-                  <c:v>1</c:v>
-                </c:pt>
-                <c:pt idx="618">
-                  <c:v>1</c:v>
-                </c:pt>
-                <c:pt idx="619">
-                  <c:v>1</c:v>
-                </c:pt>
-                <c:pt idx="620">
-                  <c:v>1</c:v>
-                </c:pt>
-                <c:pt idx="621">
-                  <c:v>1</c:v>
-                </c:pt>
-                <c:pt idx="622">
-                  <c:v>1</c:v>
-                </c:pt>
-                <c:pt idx="623">
-                  <c:v>1</c:v>
-                </c:pt>
-                <c:pt idx="624">
-                  <c:v>1</c:v>
-                </c:pt>
-                <c:pt idx="625">
-                  <c:v>1</c:v>
-                </c:pt>
-                <c:pt idx="626">
-                  <c:v>1</c:v>
-                </c:pt>
-                <c:pt idx="627">
-                  <c:v>1</c:v>
-                </c:pt>
-                <c:pt idx="628">
-                  <c:v>1</c:v>
-                </c:pt>
-                <c:pt idx="629">
-                  <c:v>1</c:v>
-                </c:pt>
-                <c:pt idx="630">
-                  <c:v>1</c:v>
-                </c:pt>
-                <c:pt idx="631">
-                  <c:v>1</c:v>
-                </c:pt>
-                <c:pt idx="632">
-                  <c:v>1</c:v>
-                </c:pt>
-                <c:pt idx="633">
-                  <c:v>1</c:v>
-                </c:pt>
-                <c:pt idx="634">
-                  <c:v>1</c:v>
-                </c:pt>
-                <c:pt idx="635">
-                  <c:v>1</c:v>
-                </c:pt>
-                <c:pt idx="636">
-                  <c:v>1</c:v>
-                </c:pt>
-                <c:pt idx="637">
-                  <c:v>1</c:v>
-                </c:pt>
-                <c:pt idx="638">
-                  <c:v>1</c:v>
-                </c:pt>
-                <c:pt idx="639">
-                  <c:v>1</c:v>
-                </c:pt>
-                <c:pt idx="640">
-                  <c:v>1</c:v>
-                </c:pt>
-                <c:pt idx="641">
-                  <c:v>1</c:v>
-                </c:pt>
-                <c:pt idx="642">
-                  <c:v>1</c:v>
-                </c:pt>
-                <c:pt idx="643">
-                  <c:v>1</c:v>
-                </c:pt>
-                <c:pt idx="644">
-                  <c:v>1</c:v>
-                </c:pt>
-                <c:pt idx="645">
-                  <c:v>1</c:v>
-                </c:pt>
-                <c:pt idx="646">
-                  <c:v>1</c:v>
-                </c:pt>
-                <c:pt idx="647">
-                  <c:v>1</c:v>
-                </c:pt>
-                <c:pt idx="648">
-                  <c:v>1</c:v>
-                </c:pt>
-                <c:pt idx="649">
-                  <c:v>1</c:v>
-                </c:pt>
-                <c:pt idx="650">
-                  <c:v>1</c:v>
-                </c:pt>
-                <c:pt idx="651">
-                  <c:v>1</c:v>
-                </c:pt>
-                <c:pt idx="652">
-                  <c:v>1</c:v>
-                </c:pt>
-                <c:pt idx="653">
-                  <c:v>1</c:v>
-                </c:pt>
-                <c:pt idx="654">
-                  <c:v>1</c:v>
-                </c:pt>
-                <c:pt idx="655">
-                  <c:v>1</c:v>
-                </c:pt>
-                <c:pt idx="656">
-                  <c:v>1</c:v>
-                </c:pt>
-                <c:pt idx="657">
-                  <c:v>1</c:v>
-                </c:pt>
-                <c:pt idx="658">
-                  <c:v>1</c:v>
-                </c:pt>
-                <c:pt idx="659">
-                  <c:v>1</c:v>
-                </c:pt>
-                <c:pt idx="660">
-                  <c:v>1</c:v>
-                </c:pt>
-                <c:pt idx="661">
-                  <c:v>1</c:v>
-                </c:pt>
-                <c:pt idx="662">
-                  <c:v>1</c:v>
-                </c:pt>
-                <c:pt idx="663">
-                  <c:v>1</c:v>
-                </c:pt>
-                <c:pt idx="664">
-                  <c:v>1</c:v>
-                </c:pt>
-                <c:pt idx="665">
-                  <c:v>1</c:v>
-                </c:pt>
-                <c:pt idx="666">
-                  <c:v>1</c:v>
-                </c:pt>
-                <c:pt idx="667">
-                  <c:v>1</c:v>
-                </c:pt>
-                <c:pt idx="668">
-                  <c:v>1</c:v>
-                </c:pt>
-                <c:pt idx="669">
-                  <c:v>1</c:v>
-                </c:pt>
-                <c:pt idx="670">
-                  <c:v>1</c:v>
-                </c:pt>
-                <c:pt idx="671">
-                  <c:v>1</c:v>
-                </c:pt>
-                <c:pt idx="672">
-                  <c:v>1</c:v>
-                </c:pt>
-                <c:pt idx="673">
-                  <c:v>1</c:v>
-                </c:pt>
-                <c:pt idx="674">
-                  <c:v>1</c:v>
-                </c:pt>
-                <c:pt idx="675">
-                  <c:v>1</c:v>
-                </c:pt>
-                <c:pt idx="676">
-                  <c:v>1</c:v>
-                </c:pt>
-                <c:pt idx="677">
-                  <c:v>1</c:v>
-                </c:pt>
-                <c:pt idx="678">
-                  <c:v>1</c:v>
-                </c:pt>
-                <c:pt idx="679">
-                  <c:v>1</c:v>
-                </c:pt>
-                <c:pt idx="680">
-                  <c:v>1</c:v>
-                </c:pt>
-                <c:pt idx="681">
-                  <c:v>1</c:v>
-                </c:pt>
-                <c:pt idx="682">
-                  <c:v>1</c:v>
-                </c:pt>
-                <c:pt idx="683">
-                  <c:v>1</c:v>
-                </c:pt>
-                <c:pt idx="684">
-                  <c:v>1</c:v>
-                </c:pt>
-                <c:pt idx="685">
-                  <c:v>1</c:v>
-                </c:pt>
-                <c:pt idx="686">
-                  <c:v>1</c:v>
-                </c:pt>
-                <c:pt idx="687">
-                  <c:v>1</c:v>
-                </c:pt>
-                <c:pt idx="688">
-                  <c:v>1</c:v>
-                </c:pt>
-                <c:pt idx="689">
-                  <c:v>1</c:v>
-                </c:pt>
-                <c:pt idx="690">
-                  <c:v>1</c:v>
-                </c:pt>
-                <c:pt idx="691">
-                  <c:v>1</c:v>
-                </c:pt>
-                <c:pt idx="692">
-                  <c:v>1</c:v>
-                </c:pt>
-                <c:pt idx="693">
-                  <c:v>1</c:v>
-                </c:pt>
-                <c:pt idx="694">
-                  <c:v>1</c:v>
-                </c:pt>
-                <c:pt idx="695">
-                  <c:v>1</c:v>
-                </c:pt>
-                <c:pt idx="696">
-                  <c:v>1</c:v>
-                </c:pt>
-                <c:pt idx="697">
-                  <c:v>1</c:v>
-                </c:pt>
-                <c:pt idx="698">
-                  <c:v>1</c:v>
-                </c:pt>
-                <c:pt idx="699">
-                  <c:v>1</c:v>
-                </c:pt>
-                <c:pt idx="700">
-                  <c:v>1</c:v>
-                </c:pt>
-                <c:pt idx="701">
-                  <c:v>1</c:v>
-                </c:pt>
-                <c:pt idx="702">
-                  <c:v>1</c:v>
-                </c:pt>
-                <c:pt idx="703">
-                  <c:v>1</c:v>
-                </c:pt>
-                <c:pt idx="704">
-                  <c:v>1</c:v>
-                </c:pt>
-                <c:pt idx="705">
-                  <c:v>1</c:v>
-                </c:pt>
-                <c:pt idx="706">
-                  <c:v>1</c:v>
-                </c:pt>
-                <c:pt idx="707">
-                  <c:v>1</c:v>
-                </c:pt>
-                <c:pt idx="708">
-                  <c:v>1</c:v>
-                </c:pt>
-                <c:pt idx="709">
-                  <c:v>1</c:v>
-                </c:pt>
-                <c:pt idx="710">
-                  <c:v>1</c:v>
-                </c:pt>
-                <c:pt idx="711">
-                  <c:v>1</c:v>
-                </c:pt>
-                <c:pt idx="712">
-                  <c:v>1</c:v>
-                </c:pt>
-                <c:pt idx="713">
-                  <c:v>1</c:v>
-                </c:pt>
-                <c:pt idx="714">
-                  <c:v>1</c:v>
-                </c:pt>
-                <c:pt idx="715">
-                  <c:v>1</c:v>
-                </c:pt>
-                <c:pt idx="716">
-                  <c:v>1</c:v>
-                </c:pt>
-                <c:pt idx="717">
-                  <c:v>1</c:v>
-                </c:pt>
-                <c:pt idx="718">
-                  <c:v>1</c:v>
-                </c:pt>
-                <c:pt idx="719">
-                  <c:v>1</c:v>
-                </c:pt>
-                <c:pt idx="720">
-                  <c:v>1</c:v>
-                </c:pt>
-                <c:pt idx="721">
-                  <c:v>1</c:v>
-                </c:pt>
-                <c:pt idx="722">
-                  <c:v>1</c:v>
-                </c:pt>
-                <c:pt idx="723">
-                  <c:v>1</c:v>
-                </c:pt>
-                <c:pt idx="724">
-                  <c:v>1</c:v>
-                </c:pt>
-                <c:pt idx="725">
-                  <c:v>1</c:v>
-                </c:pt>
-                <c:pt idx="726">
-                  <c:v>1</c:v>
-                </c:pt>
-                <c:pt idx="727">
-                  <c:v>1</c:v>
-                </c:pt>
-                <c:pt idx="728">
-                  <c:v>1</c:v>
-                </c:pt>
-                <c:pt idx="729">
-                  <c:v>1</c:v>
-                </c:pt>
-                <c:pt idx="730">
-                  <c:v>1</c:v>
-                </c:pt>
-                <c:pt idx="731">
-                  <c:v>1</c:v>
-                </c:pt>
-                <c:pt idx="732">
-                  <c:v>1</c:v>
-                </c:pt>
-                <c:pt idx="733">
-                  <c:v>1</c:v>
-                </c:pt>
-                <c:pt idx="734">
-                  <c:v>1</c:v>
-                </c:pt>
-                <c:pt idx="735">
-                  <c:v>1</c:v>
-                </c:pt>
-                <c:pt idx="736">
-                  <c:v>1</c:v>
-                </c:pt>
-                <c:pt idx="737">
-                  <c:v>1</c:v>
-                </c:pt>
-                <c:pt idx="738">
-                  <c:v>1</c:v>
-                </c:pt>
-                <c:pt idx="739">
-                  <c:v>1</c:v>
-                </c:pt>
-                <c:pt idx="740">
-                  <c:v>1</c:v>
-                </c:pt>
-                <c:pt idx="741">
-                  <c:v>1</c:v>
-                </c:pt>
-                <c:pt idx="742">
-                  <c:v>1</c:v>
-                </c:pt>
-                <c:pt idx="743">
-                  <c:v>1</c:v>
-                </c:pt>
-                <c:pt idx="744">
-                  <c:v>1</c:v>
-                </c:pt>
-                <c:pt idx="745">
-                  <c:v>1</c:v>
-                </c:pt>
-                <c:pt idx="746">
-                  <c:v>1</c:v>
-                </c:pt>
-                <c:pt idx="747">
-                  <c:v>1</c:v>
-                </c:pt>
-                <c:pt idx="748">
-                  <c:v>1</c:v>
-                </c:pt>
-                <c:pt idx="749">
-                  <c:v>1</c:v>
-                </c:pt>
-                <c:pt idx="750">
-                  <c:v>1</c:v>
-                </c:pt>
-                <c:pt idx="751">
-                  <c:v>1</c:v>
-                </c:pt>
-                <c:pt idx="752">
-                  <c:v>1</c:v>
-                </c:pt>
-                <c:pt idx="753">
-                  <c:v>1</c:v>
-                </c:pt>
-                <c:pt idx="754">
-                  <c:v>1</c:v>
-                </c:pt>
-                <c:pt idx="755">
-                  <c:v>1</c:v>
-                </c:pt>
-                <c:pt idx="756">
-                  <c:v>1</c:v>
-                </c:pt>
-                <c:pt idx="757">
-                  <c:v>1</c:v>
-                </c:pt>
-                <c:pt idx="758">
-                  <c:v>1</c:v>
-                </c:pt>
-                <c:pt idx="759">
-                  <c:v>1</c:v>
-                </c:pt>
-                <c:pt idx="760">
-                  <c:v>1</c:v>
-                </c:pt>
-                <c:pt idx="761">
-                  <c:v>1</c:v>
-                </c:pt>
-                <c:pt idx="762">
-                  <c:v>1</c:v>
-                </c:pt>
-                <c:pt idx="763">
-                  <c:v>1</c:v>
-                </c:pt>
-                <c:pt idx="764">
-                  <c:v>1</c:v>
-                </c:pt>
-                <c:pt idx="765">
-                  <c:v>1</c:v>
-                </c:pt>
-                <c:pt idx="766">
-                  <c:v>1</c:v>
-                </c:pt>
-                <c:pt idx="767">
-                  <c:v>1</c:v>
-                </c:pt>
-                <c:pt idx="768">
-                  <c:v>1</c:v>
-                </c:pt>
-                <c:pt idx="769">
-                  <c:v>1</c:v>
-                </c:pt>
-                <c:pt idx="770">
-                  <c:v>1</c:v>
-                </c:pt>
-                <c:pt idx="771">
-                  <c:v>1</c:v>
-                </c:pt>
-                <c:pt idx="772">
-                  <c:v>1</c:v>
-                </c:pt>
-                <c:pt idx="773">
-                  <c:v>1</c:v>
-                </c:pt>
-                <c:pt idx="774">
-                  <c:v>1</c:v>
-                </c:pt>
-                <c:pt idx="775">
-                  <c:v>1</c:v>
-                </c:pt>
-                <c:pt idx="776">
-                  <c:v>1</c:v>
-                </c:pt>
-                <c:pt idx="777">
-                  <c:v>1</c:v>
-                </c:pt>
-                <c:pt idx="778">
-                  <c:v>1</c:v>
-                </c:pt>
-                <c:pt idx="779">
-                  <c:v>1</c:v>
-                </c:pt>
-                <c:pt idx="780">
-                  <c:v>1</c:v>
-                </c:pt>
-                <c:pt idx="781">
-                  <c:v>1</c:v>
-                </c:pt>
-                <c:pt idx="782">
-                  <c:v>1</c:v>
-                </c:pt>
-                <c:pt idx="783">
-                  <c:v>1</c:v>
-                </c:pt>
-                <c:pt idx="784">
-                  <c:v>1</c:v>
-                </c:pt>
-                <c:pt idx="785">
-                  <c:v>1</c:v>
-                </c:pt>
-                <c:pt idx="786">
-                  <c:v>1</c:v>
-                </c:pt>
-                <c:pt idx="787">
-                  <c:v>1</c:v>
-                </c:pt>
-                <c:pt idx="788">
-                  <c:v>1</c:v>
-                </c:pt>
-                <c:pt idx="789">
-                  <c:v>1</c:v>
-                </c:pt>
-                <c:pt idx="790">
-                  <c:v>1</c:v>
-                </c:pt>
-                <c:pt idx="791">
-                  <c:v>1</c:v>
-                </c:pt>
-                <c:pt idx="792">
-                  <c:v>1</c:v>
-                </c:pt>
-                <c:pt idx="793">
-                  <c:v>1</c:v>
-                </c:pt>
-                <c:pt idx="794">
-                  <c:v>1</c:v>
-                </c:pt>
-                <c:pt idx="795">
-                  <c:v>1</c:v>
-                </c:pt>
-                <c:pt idx="796">
-                  <c:v>1</c:v>
-                </c:pt>
-                <c:pt idx="797">
-                  <c:v>1</c:v>
-                </c:pt>
-                <c:pt idx="798">
-                  <c:v>1</c:v>
-                </c:pt>
-                <c:pt idx="799">
-                  <c:v>1</c:v>
-                </c:pt>
-                <c:pt idx="800">
-                  <c:v>1</c:v>
-                </c:pt>
-                <c:pt idx="801">
-                  <c:v>1</c:v>
-                </c:pt>
-                <c:pt idx="802">
-                  <c:v>1</c:v>
-                </c:pt>
-                <c:pt idx="803">
-                  <c:v>1</c:v>
-                </c:pt>
-                <c:pt idx="804">
-                  <c:v>1</c:v>
-                </c:pt>
-                <c:pt idx="805">
-                  <c:v>1</c:v>
-                </c:pt>
-                <c:pt idx="806">
-                  <c:v>1</c:v>
-                </c:pt>
-                <c:pt idx="807">
-                  <c:v>1</c:v>
-                </c:pt>
-                <c:pt idx="808">
-                  <c:v>1</c:v>
-                </c:pt>
-                <c:pt idx="809">
-                  <c:v>1</c:v>
-                </c:pt>
-                <c:pt idx="810">
-                  <c:v>1</c:v>
-                </c:pt>
-                <c:pt idx="811">
-                  <c:v>1</c:v>
-                </c:pt>
-                <c:pt idx="812">
-                  <c:v>1</c:v>
-                </c:pt>
-                <c:pt idx="813">
-                  <c:v>1</c:v>
-                </c:pt>
-                <c:pt idx="814">
-                  <c:v>1</c:v>
-                </c:pt>
-                <c:pt idx="815">
-                  <c:v>1</c:v>
-                </c:pt>
-                <c:pt idx="816">
-                  <c:v>1</c:v>
-                </c:pt>
-                <c:pt idx="817">
-                  <c:v>1</c:v>
-                </c:pt>
-                <c:pt idx="818">
-                  <c:v>1</c:v>
-                </c:pt>
-                <c:pt idx="819">
-                  <c:v>1</c:v>
-                </c:pt>
-                <c:pt idx="820">
-                  <c:v>1</c:v>
-                </c:pt>
-                <c:pt idx="821">
-                  <c:v>1</c:v>
-                </c:pt>
-                <c:pt idx="822">
-                  <c:v>1</c:v>
-                </c:pt>
-                <c:pt idx="823">
-                  <c:v>1</c:v>
-                </c:pt>
-                <c:pt idx="824">
-                  <c:v>1</c:v>
-                </c:pt>
-                <c:pt idx="825">
-                  <c:v>1</c:v>
-                </c:pt>
-                <c:pt idx="826">
-                  <c:v>1</c:v>
-                </c:pt>
-                <c:pt idx="827">
-                  <c:v>1</c:v>
-                </c:pt>
-                <c:pt idx="828">
-                  <c:v>1</c:v>
-                </c:pt>
-                <c:pt idx="829">
-                  <c:v>1</c:v>
-                </c:pt>
-                <c:pt idx="830">
-                  <c:v>1</c:v>
-                </c:pt>
-                <c:pt idx="831">
-                  <c:v>1</c:v>
-                </c:pt>
-                <c:pt idx="832">
-                  <c:v>1</c:v>
-                </c:pt>
-                <c:pt idx="833">
-                  <c:v>1</c:v>
-                </c:pt>
-                <c:pt idx="834">
-                  <c:v>1</c:v>
-                </c:pt>
-                <c:pt idx="835">
-                  <c:v>1</c:v>
-                </c:pt>
-                <c:pt idx="836">
-                  <c:v>1</c:v>
-                </c:pt>
-                <c:pt idx="837">
-                  <c:v>1</c:v>
-                </c:pt>
-                <c:pt idx="838">
-                  <c:v>1</c:v>
-                </c:pt>
-                <c:pt idx="839">
-                  <c:v>1</c:v>
-                </c:pt>
-                <c:pt idx="840">
-                  <c:v>1</c:v>
-                </c:pt>
-                <c:pt idx="841">
-                  <c:v>1</c:v>
-                </c:pt>
-                <c:pt idx="842">
-                  <c:v>1</c:v>
-                </c:pt>
-                <c:pt idx="843">
-                  <c:v>1</c:v>
-                </c:pt>
-                <c:pt idx="844">
-                  <c:v>1</c:v>
-                </c:pt>
-                <c:pt idx="845">
-                  <c:v>1</c:v>
-                </c:pt>
-                <c:pt idx="846">
-                  <c:v>1</c:v>
-                </c:pt>
-                <c:pt idx="847">
-                  <c:v>1</c:v>
-                </c:pt>
-                <c:pt idx="848">
-                  <c:v>1</c:v>
-                </c:pt>
-                <c:pt idx="849">
-                  <c:v>1</c:v>
-                </c:pt>
-                <c:pt idx="850">
-                  <c:v>1</c:v>
-                </c:pt>
-                <c:pt idx="851">
-                  <c:v>1</c:v>
-                </c:pt>
-                <c:pt idx="852">
-                  <c:v>1</c:v>
-                </c:pt>
-                <c:pt idx="853">
-                  <c:v>1</c:v>
-                </c:pt>
-                <c:pt idx="854">
-                  <c:v>1</c:v>
-                </c:pt>
-                <c:pt idx="855">
-                  <c:v>1</c:v>
-                </c:pt>
-                <c:pt idx="856">
-                  <c:v>1</c:v>
-                </c:pt>
-                <c:pt idx="857">
-                  <c:v>1</c:v>
-                </c:pt>
-                <c:pt idx="858">
-                  <c:v>1</c:v>
-                </c:pt>
-                <c:pt idx="859">
-                  <c:v>1</c:v>
-                </c:pt>
-                <c:pt idx="860">
-                  <c:v>1</c:v>
-                </c:pt>
-                <c:pt idx="861">
-                  <c:v>1</c:v>
-                </c:pt>
-                <c:pt idx="862">
-                  <c:v>1</c:v>
-                </c:pt>
-                <c:pt idx="863">
-                  <c:v>1</c:v>
-                </c:pt>
-                <c:pt idx="864">
-                  <c:v>1</c:v>
-                </c:pt>
-                <c:pt idx="865">
-                  <c:v>1</c:v>
-                </c:pt>
-                <c:pt idx="866">
-                  <c:v>1</c:v>
-                </c:pt>
-                <c:pt idx="867">
-                  <c:v>1</c:v>
-                </c:pt>
-                <c:pt idx="868">
-                  <c:v>1</c:v>
-                </c:pt>
-                <c:pt idx="869">
-                  <c:v>1</c:v>
-                </c:pt>
-                <c:pt idx="870">
-                  <c:v>1</c:v>
-                </c:pt>
-                <c:pt idx="871">
-                  <c:v>1</c:v>
-                </c:pt>
-                <c:pt idx="872">
-                  <c:v>1</c:v>
-                </c:pt>
-                <c:pt idx="873">
-                  <c:v>1</c:v>
-                </c:pt>
-                <c:pt idx="874">
-                  <c:v>1</c:v>
-                </c:pt>
-                <c:pt idx="875">
-                  <c:v>1</c:v>
-                </c:pt>
-                <c:pt idx="876">
-                  <c:v>1</c:v>
-                </c:pt>
-                <c:pt idx="877">
-                  <c:v>1</c:v>
-                </c:pt>
-                <c:pt idx="878">
-                  <c:v>1</c:v>
-                </c:pt>
-                <c:pt idx="879">
-                  <c:v>1</c:v>
-                </c:pt>
-                <c:pt idx="880">
-                  <c:v>1</c:v>
-                </c:pt>
-                <c:pt idx="881">
-                  <c:v>1</c:v>
-                </c:pt>
-                <c:pt idx="882">
-                  <c:v>1</c:v>
-                </c:pt>
-                <c:pt idx="883">
-                  <c:v>1</c:v>
-                </c:pt>
-                <c:pt idx="884">
-                  <c:v>1</c:v>
-                </c:pt>
-                <c:pt idx="885">
-                  <c:v>1</c:v>
-                </c:pt>
-                <c:pt idx="886">
-                  <c:v>1</c:v>
-                </c:pt>
-                <c:pt idx="887">
-                  <c:v>1</c:v>
-                </c:pt>
-                <c:pt idx="888">
-                  <c:v>1</c:v>
-                </c:pt>
-                <c:pt idx="889">
-                  <c:v>1</c:v>
-                </c:pt>
-                <c:pt idx="890">
-                  <c:v>1</c:v>
-                </c:pt>
-                <c:pt idx="891">
-                  <c:v>1</c:v>
-                </c:pt>
-                <c:pt idx="892">
-                  <c:v>1</c:v>
-                </c:pt>
-                <c:pt idx="893">
-                  <c:v>1</c:v>
-                </c:pt>
-                <c:pt idx="894">
-                  <c:v>1</c:v>
-                </c:pt>
-                <c:pt idx="895">
-                  <c:v>1</c:v>
-                </c:pt>
-                <c:pt idx="896">
-                  <c:v>1</c:v>
-                </c:pt>
-                <c:pt idx="897">
-                  <c:v>1</c:v>
-                </c:pt>
-                <c:pt idx="898">
-                  <c:v>1</c:v>
-                </c:pt>
-                <c:pt idx="899">
-                  <c:v>1</c:v>
-                </c:pt>
-                <c:pt idx="900">
-                  <c:v>1</c:v>
-                </c:pt>
-                <c:pt idx="901">
-                  <c:v>1</c:v>
-                </c:pt>
-                <c:pt idx="902">
-                  <c:v>1</c:v>
-                </c:pt>
-                <c:pt idx="903">
-                  <c:v>1</c:v>
-                </c:pt>
-                <c:pt idx="904">
-                  <c:v>1</c:v>
-                </c:pt>
-                <c:pt idx="905">
-                  <c:v>1</c:v>
-                </c:pt>
-                <c:pt idx="906">
-                  <c:v>1</c:v>
-                </c:pt>
-                <c:pt idx="907">
-                  <c:v>1</c:v>
-                </c:pt>
-                <c:pt idx="908">
-                  <c:v>1</c:v>
-                </c:pt>
-                <c:pt idx="909">
-                  <c:v>1</c:v>
-                </c:pt>
-                <c:pt idx="910">
-                  <c:v>1</c:v>
-                </c:pt>
-                <c:pt idx="911">
-                  <c:v>1</c:v>
-                </c:pt>
-                <c:pt idx="912">
-                  <c:v>1</c:v>
-                </c:pt>
-                <c:pt idx="913">
-                  <c:v>1</c:v>
-                </c:pt>
-                <c:pt idx="914">
-                  <c:v>1</c:v>
-                </c:pt>
-                <c:pt idx="915">
-                  <c:v>1</c:v>
-                </c:pt>
-                <c:pt idx="916">
-                  <c:v>1</c:v>
-                </c:pt>
-                <c:pt idx="917">
-                  <c:v>1</c:v>
-                </c:pt>
-                <c:pt idx="918">
-                  <c:v>1</c:v>
-                </c:pt>
-                <c:pt idx="919">
-                  <c:v>1</c:v>
-                </c:pt>
-                <c:pt idx="920">
-                  <c:v>1</c:v>
-                </c:pt>
-                <c:pt idx="921">
-                  <c:v>1</c:v>
-                </c:pt>
-                <c:pt idx="922">
-                  <c:v>1</c:v>
-                </c:pt>
-                <c:pt idx="923">
-                  <c:v>1</c:v>
-                </c:pt>
-                <c:pt idx="924">
-                  <c:v>1</c:v>
-                </c:pt>
-                <c:pt idx="925">
-                  <c:v>1</c:v>
-                </c:pt>
-                <c:pt idx="926">
-                  <c:v>1</c:v>
-                </c:pt>
-                <c:pt idx="927">
-                  <c:v>1</c:v>
-                </c:pt>
-                <c:pt idx="928">
-                  <c:v>1</c:v>
-                </c:pt>
-                <c:pt idx="929">
-                  <c:v>1</c:v>
-                </c:pt>
-                <c:pt idx="930">
-                  <c:v>1</c:v>
-                </c:pt>
-                <c:pt idx="931">
-                  <c:v>1</c:v>
-                </c:pt>
-                <c:pt idx="932">
-                  <c:v>1</c:v>
-                </c:pt>
-                <c:pt idx="933">
-                  <c:v>1</c:v>
-                </c:pt>
-                <c:pt idx="934">
-                  <c:v>1</c:v>
-                </c:pt>
-                <c:pt idx="935">
-                  <c:v>1</c:v>
-                </c:pt>
-                <c:pt idx="936">
-                  <c:v>1</c:v>
-                </c:pt>
-                <c:pt idx="937">
-                  <c:v>1</c:v>
-                </c:pt>
-                <c:pt idx="938">
-                  <c:v>1</c:v>
-                </c:pt>
-                <c:pt idx="939">
-                  <c:v>1</c:v>
-                </c:pt>
-                <c:pt idx="940">
-                  <c:v>1</c:v>
-                </c:pt>
-                <c:pt idx="941">
-                  <c:v>1</c:v>
-                </c:pt>
-                <c:pt idx="942">
-                  <c:v>1</c:v>
-                </c:pt>
-                <c:pt idx="943">
-                  <c:v>1</c:v>
-                </c:pt>
-                <c:pt idx="944">
-                  <c:v>1</c:v>
-                </c:pt>
-                <c:pt idx="945">
-                  <c:v>1</c:v>
-                </c:pt>
-                <c:pt idx="946">
-                  <c:v>1</c:v>
-                </c:pt>
-                <c:pt idx="947">
-                  <c:v>1</c:v>
-                </c:pt>
-                <c:pt idx="948">
-                  <c:v>1</c:v>
-                </c:pt>
-                <c:pt idx="949">
-                  <c:v>1</c:v>
-                </c:pt>
-                <c:pt idx="950">
-                  <c:v>1</c:v>
-                </c:pt>
-                <c:pt idx="951">
-                  <c:v>1</c:v>
-                </c:pt>
-                <c:pt idx="952">
-                  <c:v>1</c:v>
-                </c:pt>
-                <c:pt idx="953">
-                  <c:v>1</c:v>
-                </c:pt>
-                <c:pt idx="954">
-                  <c:v>1</c:v>
-                </c:pt>
-                <c:pt idx="955">
-                  <c:v>1</c:v>
-                </c:pt>
-                <c:pt idx="956">
-                  <c:v>1</c:v>
-                </c:pt>
-                <c:pt idx="957">
-                  <c:v>1</c:v>
-                </c:pt>
-                <c:pt idx="958">
-                  <c:v>1</c:v>
-                </c:pt>
-                <c:pt idx="959">
-                  <c:v>1</c:v>
-                </c:pt>
-                <c:pt idx="960">
-                  <c:v>1</c:v>
-                </c:pt>
-                <c:pt idx="961">
-                  <c:v>1</c:v>
-                </c:pt>
-                <c:pt idx="962">
-                  <c:v>1</c:v>
-                </c:pt>
-                <c:pt idx="963">
-                  <c:v>1</c:v>
-                </c:pt>
-                <c:pt idx="964">
-                  <c:v>1</c:v>
-                </c:pt>
-                <c:pt idx="965">
-                  <c:v>1</c:v>
-                </c:pt>
-                <c:pt idx="966">
-                  <c:v>1</c:v>
-                </c:pt>
-                <c:pt idx="967">
-                  <c:v>1</c:v>
-                </c:pt>
-                <c:pt idx="968">
-                  <c:v>1</c:v>
-                </c:pt>
-                <c:pt idx="969">
-                  <c:v>1</c:v>
-                </c:pt>
-                <c:pt idx="970">
-                  <c:v>1</c:v>
-                </c:pt>
-                <c:pt idx="971">
-                  <c:v>1</c:v>
-                </c:pt>
-                <c:pt idx="972">
-                  <c:v>1</c:v>
-                </c:pt>
-                <c:pt idx="973">
-                  <c:v>1</c:v>
-                </c:pt>
-                <c:pt idx="974">
-                  <c:v>1</c:v>
-                </c:pt>
-                <c:pt idx="975">
-                  <c:v>1</c:v>
-                </c:pt>
-                <c:pt idx="976">
-                  <c:v>1</c:v>
-                </c:pt>
-                <c:pt idx="977">
-                  <c:v>1</c:v>
-                </c:pt>
-                <c:pt idx="978">
-                  <c:v>1</c:v>
-                </c:pt>
-                <c:pt idx="979">
-                  <c:v>1</c:v>
-                </c:pt>
-                <c:pt idx="980">
-                  <c:v>1</c:v>
-                </c:pt>
-                <c:pt idx="981">
-                  <c:v>1</c:v>
-                </c:pt>
-                <c:pt idx="982">
-                  <c:v>1</c:v>
-                </c:pt>
-                <c:pt idx="983">
-                  <c:v>1</c:v>
-                </c:pt>
-                <c:pt idx="984">
-                  <c:v>1</c:v>
-                </c:pt>
-                <c:pt idx="985">
-                  <c:v>1</c:v>
-                </c:pt>
-                <c:pt idx="986">
-                  <c:v>1</c:v>
-                </c:pt>
-                <c:pt idx="987">
-                  <c:v>1</c:v>
-                </c:pt>
-                <c:pt idx="988">
-                  <c:v>1</c:v>
-                </c:pt>
-                <c:pt idx="989">
-                  <c:v>1</c:v>
-                </c:pt>
-                <c:pt idx="990">
-                  <c:v>1</c:v>
-                </c:pt>
-                <c:pt idx="991">
-                  <c:v>1</c:v>
-                </c:pt>
-                <c:pt idx="992">
-                  <c:v>1</c:v>
-                </c:pt>
-                <c:pt idx="993">
-                  <c:v>1</c:v>
-                </c:pt>
-                <c:pt idx="994">
-                  <c:v>1</c:v>
-                </c:pt>
-                <c:pt idx="995">
-                  <c:v>1</c:v>
-                </c:pt>
-                <c:pt idx="996">
-                  <c:v>1</c:v>
-                </c:pt>
-                <c:pt idx="997">
-                  <c:v>1</c:v>
-                </c:pt>
-                <c:pt idx="998">
-                  <c:v>1</c:v>
-                </c:pt>
-                <c:pt idx="999">
-                  <c:v>1</c:v>
-                </c:pt>
-                <c:pt idx="1000">
-                  <c:v>1</c:v>
-                </c:pt>
-                <c:pt idx="1001">
-                  <c:v>1</c:v>
-                </c:pt>
-                <c:pt idx="1002">
-                  <c:v>1</c:v>
-                </c:pt>
-                <c:pt idx="1003">
-                  <c:v>1</c:v>
-                </c:pt>
-                <c:pt idx="1004">
-                  <c:v>1</c:v>
-                </c:pt>
-                <c:pt idx="1005">
-                  <c:v>1</c:v>
-                </c:pt>
-                <c:pt idx="1006">
-                  <c:v>1</c:v>
-                </c:pt>
-                <c:pt idx="1007">
-                  <c:v>1</c:v>
-                </c:pt>
-                <c:pt idx="1008">
-                  <c:v>1</c:v>
-                </c:pt>
-                <c:pt idx="1009">
-                  <c:v>1</c:v>
-                </c:pt>
-                <c:pt idx="1010">
-                  <c:v>1</c:v>
-                </c:pt>
-                <c:pt idx="1011">
-                  <c:v>1</c:v>
-                </c:pt>
-                <c:pt idx="1012">
-                  <c:v>1</c:v>
-                </c:pt>
-                <c:pt idx="1013">
-                  <c:v>1</c:v>
-                </c:pt>
-                <c:pt idx="1014">
-                  <c:v>1</c:v>
-                </c:pt>
-                <c:pt idx="1015">
-                  <c:v>1</c:v>
-                </c:pt>
-                <c:pt idx="1016">
-                  <c:v>1</c:v>
-                </c:pt>
-                <c:pt idx="1017">
-                  <c:v>1</c:v>
-                </c:pt>
-                <c:pt idx="1018">
-                  <c:v>1</c:v>
-                </c:pt>
-                <c:pt idx="1019">
-                  <c:v>1</c:v>
-                </c:pt>
-                <c:pt idx="1020">
-                  <c:v>1</c:v>
-                </c:pt>
-                <c:pt idx="1021">
-                  <c:v>1</c:v>
-                </c:pt>
-                <c:pt idx="1022">
-                  <c:v>1</c:v>
-                </c:pt>
-                <c:pt idx="1023">
-                  <c:v>1</c:v>
-                </c:pt>
-                <c:pt idx="1024">
-                  <c:v>1</c:v>
-                </c:pt>
-                <c:pt idx="1025">
-                  <c:v>1</c:v>
-                </c:pt>
-                <c:pt idx="1026">
-                  <c:v>1</c:v>
-                </c:pt>
-                <c:pt idx="1027">
-                  <c:v>1</c:v>
-                </c:pt>
-                <c:pt idx="1028">
-                  <c:v>1</c:v>
-                </c:pt>
-                <c:pt idx="1029">
-                  <c:v>1</c:v>
-                </c:pt>
-                <c:pt idx="1030">
-                  <c:v>1</c:v>
-                </c:pt>
-                <c:pt idx="1031">
-                  <c:v>1</c:v>
-                </c:pt>
-                <c:pt idx="1032">
-                  <c:v>1</c:v>
-                </c:pt>
-                <c:pt idx="1033">
-                  <c:v>1</c:v>
-                </c:pt>
-                <c:pt idx="1034">
-                  <c:v>1</c:v>
-                </c:pt>
-                <c:pt idx="1035">
-                  <c:v>1</c:v>
-                </c:pt>
-                <c:pt idx="1036">
-                  <c:v>1</c:v>
-                </c:pt>
-                <c:pt idx="1037">
-                  <c:v>1</c:v>
-                </c:pt>
-                <c:pt idx="1038">
-                  <c:v>1</c:v>
-                </c:pt>
-                <c:pt idx="1039">
-                  <c:v>1</c:v>
-                </c:pt>
-                <c:pt idx="1040">
-                  <c:v>1</c:v>
-                </c:pt>
-                <c:pt idx="1041">
-                  <c:v>1</c:v>
-                </c:pt>
-                <c:pt idx="1042">
-                  <c:v>1</c:v>
-                </c:pt>
-                <c:pt idx="1043">
-                  <c:v>1</c:v>
-                </c:pt>
-                <c:pt idx="1044">
-                  <c:v>1</c:v>
-                </c:pt>
-                <c:pt idx="1045">
-                  <c:v>1</c:v>
-                </c:pt>
-                <c:pt idx="1046">
-                  <c:v>1</c:v>
-                </c:pt>
-                <c:pt idx="1047">
-                  <c:v>1</c:v>
-                </c:pt>
-                <c:pt idx="1048">
-                  <c:v>1</c:v>
-                </c:pt>
-                <c:pt idx="1049">
-                  <c:v>1</c:v>
-                </c:pt>
-                <c:pt idx="1050">
-                  <c:v>1</c:v>
-                </c:pt>
-                <c:pt idx="1051">
-                  <c:v>1</c:v>
-                </c:pt>
-                <c:pt idx="1052">
-                  <c:v>1</c:v>
-                </c:pt>
-                <c:pt idx="1053">
-                  <c:v>1</c:v>
-                </c:pt>
-                <c:pt idx="1054">
-                  <c:v>1</c:v>
-                </c:pt>
-                <c:pt idx="1055">
-                  <c:v>1</c:v>
-                </c:pt>
-                <c:pt idx="1056">
-                  <c:v>1</c:v>
-                </c:pt>
-                <c:pt idx="1057">
-                  <c:v>1</c:v>
-                </c:pt>
-                <c:pt idx="1058">
-                  <c:v>1</c:v>
-                </c:pt>
-                <c:pt idx="1059">
-                  <c:v>1</c:v>
-                </c:pt>
-                <c:pt idx="1060">
-                  <c:v>1</c:v>
-                </c:pt>
-                <c:pt idx="1061">
-                  <c:v>1</c:v>
-                </c:pt>
-                <c:pt idx="1062">
-                  <c:v>1</c:v>
-                </c:pt>
-                <c:pt idx="1063">
-                  <c:v>1</c:v>
-                </c:pt>
-                <c:pt idx="1064">
-                  <c:v>1</c:v>
-                </c:pt>
-                <c:pt idx="1065">
-                  <c:v>1</c:v>
-                </c:pt>
-                <c:pt idx="1066">
-                  <c:v>1</c:v>
-                </c:pt>
-                <c:pt idx="1067">
-                  <c:v>1</c:v>
-                </c:pt>
-                <c:pt idx="1068">
-                  <c:v>1</c:v>
-                </c:pt>
-                <c:pt idx="1069">
-                  <c:v>1</c:v>
-                </c:pt>
-                <c:pt idx="1070">
-                  <c:v>1</c:v>
-                </c:pt>
-                <c:pt idx="1071">
-                  <c:v>1</c:v>
-                </c:pt>
-                <c:pt idx="1072">
-                  <c:v>1</c:v>
-                </c:pt>
-                <c:pt idx="1073">
-                  <c:v>1</c:v>
-                </c:pt>
-                <c:pt idx="1074">
-                  <c:v>1</c:v>
-                </c:pt>
-                <c:pt idx="1075">
-                  <c:v>1</c:v>
-                </c:pt>
-                <c:pt idx="1076">
-                  <c:v>1</c:v>
-                </c:pt>
-                <c:pt idx="1077">
-                  <c:v>1</c:v>
-                </c:pt>
-                <c:pt idx="1078">
-                  <c:v>1</c:v>
-                </c:pt>
-                <c:pt idx="1079">
-                  <c:v>1</c:v>
-                </c:pt>
-                <c:pt idx="1080">
-                  <c:v>1</c:v>
-                </c:pt>
-                <c:pt idx="1081">
-                  <c:v>1</c:v>
-                </c:pt>
-                <c:pt idx="1082">
-                  <c:v>1</c:v>
-                </c:pt>
-                <c:pt idx="1083">
-                  <c:v>1</c:v>
-                </c:pt>
-                <c:pt idx="1084">
-                  <c:v>1</c:v>
-                </c:pt>
-                <c:pt idx="1085">
-                  <c:v>1</c:v>
-                </c:pt>
-                <c:pt idx="1086">
-                  <c:v>1</c:v>
-                </c:pt>
-                <c:pt idx="1087">
-                  <c:v>1</c:v>
-                </c:pt>
-                <c:pt idx="1088">
-                  <c:v>1</c:v>
-                </c:pt>
-                <c:pt idx="1089">
-                  <c:v>1</c:v>
-                </c:pt>
-                <c:pt idx="1090">
-                  <c:v>1</c:v>
-                </c:pt>
-                <c:pt idx="1091">
-                  <c:v>1</c:v>
-                </c:pt>
-                <c:pt idx="1092">
-                  <c:v>1</c:v>
-                </c:pt>
-                <c:pt idx="1093">
-                  <c:v>1</c:v>
-                </c:pt>
-                <c:pt idx="1094">
-                  <c:v>1</c:v>
-                </c:pt>
-                <c:pt idx="1095">
-                  <c:v>1</c:v>
-                </c:pt>
-                <c:pt idx="1096">
-                  <c:v>1</c:v>
-                </c:pt>
-                <c:pt idx="1097">
-                  <c:v>1</c:v>
-                </c:pt>
-                <c:pt idx="1098">
-                  <c:v>1</c:v>
-                </c:pt>
-                <c:pt idx="1099">
-                  <c:v>1</c:v>
-                </c:pt>
-                <c:pt idx="1100">
-                  <c:v>1</c:v>
-                </c:pt>
-                <c:pt idx="1101">
-                  <c:v>1</c:v>
-                </c:pt>
-                <c:pt idx="1102">
-                  <c:v>1</c:v>
-                </c:pt>
-                <c:pt idx="1103">
-                  <c:v>1</c:v>
-                </c:pt>
-                <c:pt idx="1104">
-                  <c:v>1</c:v>
-                </c:pt>
-                <c:pt idx="1105">
-                  <c:v>1</c:v>
-                </c:pt>
-                <c:pt idx="1106">
-                  <c:v>1</c:v>
-                </c:pt>
-                <c:pt idx="1107">
-                  <c:v>1</c:v>
-                </c:pt>
-                <c:pt idx="1108">
                   <c:v>1</c:v>
                 </c:pt>
               </c:numCache>
@@ -16747,11 +9676,11 @@
           <c:showBubbleSize val="0"/>
         </c:dLbls>
         <c:smooth val="0"/>
-        <c:axId val="277988152"/>
-        <c:axId val="277988544"/>
+        <c:axId val="234185864"/>
+        <c:axId val="234185080"/>
       </c:lineChart>
       <c:catAx>
-        <c:axId val="277988152"/>
+        <c:axId val="234185864"/>
         <c:scaling>
           <c:orientation val="minMax"/>
         </c:scaling>
@@ -16794,7 +9723,7 @@
             <a:endParaRPr lang="de-DE"/>
           </a:p>
         </c:txPr>
-        <c:crossAx val="277988544"/>
+        <c:crossAx val="234185080"/>
         <c:crosses val="autoZero"/>
         <c:auto val="1"/>
         <c:lblAlgn val="ctr"/>
@@ -16802,10 +9731,11 @@
         <c:noMultiLvlLbl val="0"/>
       </c:catAx>
       <c:valAx>
-        <c:axId val="277988544"/>
+        <c:axId val="234185080"/>
         <c:scaling>
           <c:orientation val="minMax"/>
-          <c:max val="1"/>
+          <c:max val="1.05"/>
+          <c:min val="0"/>
         </c:scaling>
         <c:delete val="0"/>
         <c:axPos val="l"/>
@@ -16854,7 +9784,7 @@
             <a:endParaRPr lang="de-DE"/>
           </a:p>
         </c:txPr>
-        <c:crossAx val="277988152"/>
+        <c:crossAx val="234185864"/>
         <c:crosses val="autoZero"/>
         <c:crossBetween val="between"/>
       </c:valAx>
@@ -21614,7 +14544,11 @@
             </a:pPr>
             <a:r>
               <a:rPr lang="de-DE" sz="2000" dirty="0" smtClean="0"/>
-              <a:t>Dozentin: Claudia </a:t>
+              <a:t>Dozentin</a:t>
+            </a:r>
+            <a:r>
+              <a:rPr lang="de-DE" sz="2000" dirty="0" smtClean="0"/>
+              <a:t>: Claudia </a:t>
             </a:r>
             <a:r>
               <a:rPr lang="de-DE" sz="2000" dirty="0" err="1" smtClean="0"/>
@@ -21745,11 +14679,7 @@
             </a:pPr>
             <a:r>
               <a:rPr lang="de-DE" dirty="0" smtClean="0"/>
-              <a:t>Feldgröße: </a:t>
-            </a:r>
-            <a:r>
-              <a:rPr lang="de-DE" dirty="0" smtClean="0"/>
-              <a:t>450</a:t>
+              <a:t>Feldgröße: 450</a:t>
             </a:r>
           </a:p>
           <a:p>
@@ -21758,11 +14688,7 @@
             </a:pPr>
             <a:r>
               <a:rPr lang="de-DE" dirty="0" smtClean="0"/>
-              <a:t>Akku</a:t>
-            </a:r>
-            <a:r>
-              <a:rPr lang="de-DE" dirty="0" smtClean="0"/>
-              <a:t>: 1800 Einheiten</a:t>
+              <a:t>Akku: 1800 Einheiten</a:t>
             </a:r>
           </a:p>
           <a:p>
@@ -21826,23 +14752,7 @@
                   <a:schemeClr val="accent6"/>
                 </a:solidFill>
               </a:rPr>
-              <a:t> = </a:t>
-            </a:r>
-            <a:r>
-              <a:rPr lang="de-DE" dirty="0" smtClean="0">
-                <a:solidFill>
-                  <a:schemeClr val="accent6"/>
-                </a:solidFill>
-              </a:rPr>
-              <a:t>3180 </a:t>
-            </a:r>
-            <a:r>
-              <a:rPr lang="de-DE" dirty="0" smtClean="0">
-                <a:solidFill>
-                  <a:schemeClr val="accent6"/>
-                </a:solidFill>
-              </a:rPr>
-              <a:t>E.</a:t>
+              <a:t> = 3180 E.</a:t>
             </a:r>
           </a:p>
           <a:p>
@@ -21907,7 +14817,7 @@
             <p:ph sz="half" idx="2"/>
             <p:extLst>
               <p:ext uri="{D42A27DB-BD31-4B8C-83A1-F6EECF244321}">
-                <p14:modId xmlns:p14="http://schemas.microsoft.com/office/powerpoint/2010/main" val="1542538354"/>
+                <p14:modId xmlns:p14="http://schemas.microsoft.com/office/powerpoint/2010/main" val="3208366444"/>
               </p:ext>
             </p:extLst>
           </p:nvPr>
@@ -21973,7 +14883,7 @@
         </p:nvCxnSpPr>
         <p:spPr>
           <a:xfrm>
-            <a:off x="5651157" y="1985319"/>
+            <a:off x="6013629" y="2051223"/>
             <a:ext cx="8235" cy="3303373"/>
           </a:xfrm>
           <a:prstGeom prst="line">
@@ -22008,7 +14918,7 @@
         </p:nvCxnSpPr>
         <p:spPr>
           <a:xfrm flipH="1">
-            <a:off x="5968314" y="1985319"/>
+            <a:off x="6594394" y="2051223"/>
             <a:ext cx="4118" cy="3307489"/>
           </a:xfrm>
           <a:prstGeom prst="line">
@@ -22043,7 +14953,7 @@
         </p:nvCxnSpPr>
         <p:spPr>
           <a:xfrm flipH="1">
-            <a:off x="6973327" y="1985319"/>
+            <a:off x="8381993" y="2051223"/>
             <a:ext cx="4121" cy="3303373"/>
           </a:xfrm>
           <a:prstGeom prst="line">
@@ -22124,11 +15034,7 @@
           <a:p>
             <a:r>
               <a:rPr lang="de-DE" dirty="0" smtClean="0"/>
-              <a:t>„Territorium </a:t>
-            </a:r>
-            <a:r>
-              <a:rPr lang="de-DE" dirty="0" smtClean="0"/>
-              <a:t>klein, wenig Körner“</a:t>
+              <a:t>„Territorium klein, wenig Körner“</a:t>
             </a:r>
             <a:endParaRPr lang="de-DE" dirty="0"/>
           </a:p>
@@ -22156,13 +15062,8 @@
             </a:pPr>
             <a:r>
               <a:rPr lang="de-DE" dirty="0" smtClean="0"/>
-              <a:t>Körner: </a:t>
-            </a:r>
-            <a:r>
-              <a:rPr lang="de-DE" dirty="0" smtClean="0"/>
-              <a:t>61</a:t>
-            </a:r>
-            <a:endParaRPr lang="de-DE" dirty="0" smtClean="0"/>
+              <a:t>Körner: 61</a:t>
+            </a:r>
           </a:p>
           <a:p>
             <a:pPr marL="0" indent="0">
@@ -22170,13 +15071,8 @@
             </a:pPr>
             <a:r>
               <a:rPr lang="de-DE" dirty="0" smtClean="0"/>
-              <a:t>Feldgröße: </a:t>
-            </a:r>
-            <a:r>
-              <a:rPr lang="de-DE" dirty="0" smtClean="0"/>
-              <a:t>140</a:t>
-            </a:r>
-            <a:endParaRPr lang="de-DE" dirty="0" smtClean="0"/>
+              <a:t>Feldgröße: 140</a:t>
+            </a:r>
           </a:p>
           <a:p>
             <a:pPr marL="0" indent="0">
@@ -22184,15 +15080,7 @@
             </a:pPr>
             <a:r>
               <a:rPr lang="de-DE" dirty="0" smtClean="0"/>
-              <a:t>Akku</a:t>
-            </a:r>
-            <a:r>
-              <a:rPr lang="de-DE" dirty="0" smtClean="0"/>
-              <a:t>: </a:t>
-            </a:r>
-            <a:r>
-              <a:rPr lang="de-DE" dirty="0" smtClean="0"/>
-              <a:t>560 Einheiten</a:t>
+              <a:t>Akku: 560 Einheiten</a:t>
             </a:r>
           </a:p>
           <a:p>
@@ -22357,7 +15245,6 @@
               <a:rPr lang="de-DE" dirty="0"/>
               <a:t>klein, wenig Körner“</a:t>
             </a:r>
-            <a:endParaRPr lang="de-DE" dirty="0"/>
           </a:p>
         </p:txBody>
       </p:sp>
@@ -22383,13 +15270,8 @@
             </a:pPr>
             <a:r>
               <a:rPr lang="de-DE" dirty="0" smtClean="0"/>
-              <a:t>Körner: </a:t>
-            </a:r>
-            <a:r>
-              <a:rPr lang="de-DE" dirty="0" smtClean="0"/>
-              <a:t>61</a:t>
-            </a:r>
-            <a:endParaRPr lang="de-DE" dirty="0" smtClean="0"/>
+              <a:t>Körner: 61</a:t>
+            </a:r>
           </a:p>
           <a:p>
             <a:pPr marL="0" indent="0">
@@ -22397,11 +15279,7 @@
             </a:pPr>
             <a:r>
               <a:rPr lang="de-DE" dirty="0" smtClean="0"/>
-              <a:t>Feldgröße: </a:t>
-            </a:r>
-            <a:r>
-              <a:rPr lang="de-DE" dirty="0" smtClean="0"/>
-              <a:t>140</a:t>
+              <a:t>Feldgröße: 140</a:t>
             </a:r>
           </a:p>
           <a:p>
@@ -22410,19 +15288,7 @@
             </a:pPr>
             <a:r>
               <a:rPr lang="de-DE" dirty="0" smtClean="0"/>
-              <a:t>Akku</a:t>
-            </a:r>
-            <a:r>
-              <a:rPr lang="de-DE" dirty="0" smtClean="0"/>
-              <a:t>: </a:t>
-            </a:r>
-            <a:r>
-              <a:rPr lang="de-DE" dirty="0" smtClean="0"/>
-              <a:t>560 </a:t>
-            </a:r>
-            <a:r>
-              <a:rPr lang="de-DE" dirty="0" smtClean="0"/>
-              <a:t>Einheiten</a:t>
+              <a:t>Akku: 560 Einheiten</a:t>
             </a:r>
           </a:p>
           <a:p>
@@ -22457,23 +15323,7 @@
                   <a:schemeClr val="accent2"/>
                 </a:solidFill>
               </a:rPr>
-              <a:t> = </a:t>
-            </a:r>
-            <a:r>
-              <a:rPr lang="de-DE" dirty="0" smtClean="0">
-                <a:solidFill>
-                  <a:schemeClr val="accent2"/>
-                </a:solidFill>
-              </a:rPr>
-              <a:t>90 </a:t>
-            </a:r>
-            <a:r>
-              <a:rPr lang="de-DE" dirty="0" smtClean="0">
-                <a:solidFill>
-                  <a:schemeClr val="accent2"/>
-                </a:solidFill>
-              </a:rPr>
-              <a:t>%</a:t>
+              <a:t> = 90 %</a:t>
             </a:r>
           </a:p>
           <a:p>
@@ -22502,23 +15352,7 @@
                   <a:schemeClr val="accent6"/>
                 </a:solidFill>
               </a:rPr>
-              <a:t> = </a:t>
-            </a:r>
-            <a:r>
-              <a:rPr lang="de-DE" dirty="0" smtClean="0">
-                <a:solidFill>
-                  <a:schemeClr val="accent6"/>
-                </a:solidFill>
-              </a:rPr>
-              <a:t>550 </a:t>
-            </a:r>
-            <a:r>
-              <a:rPr lang="de-DE" dirty="0" smtClean="0">
-                <a:solidFill>
-                  <a:schemeClr val="accent6"/>
-                </a:solidFill>
-              </a:rPr>
-              <a:t>E.</a:t>
+              <a:t> = 550 E.</a:t>
             </a:r>
           </a:p>
           <a:p>
@@ -22563,15 +15397,7 @@
                   <a:schemeClr val="tx2"/>
                 </a:solidFill>
               </a:rPr>
-              <a:t>1290 </a:t>
-            </a:r>
-            <a:r>
-              <a:rPr lang="de-DE" dirty="0" smtClean="0">
-                <a:solidFill>
-                  <a:schemeClr val="tx2"/>
-                </a:solidFill>
-              </a:rPr>
-              <a:t>E.</a:t>
+              <a:t>1290 E.</a:t>
             </a:r>
             <a:endParaRPr lang="de-DE" dirty="0">
               <a:solidFill>
@@ -22591,7 +15417,7 @@
             <p:ph sz="half" idx="2"/>
             <p:extLst>
               <p:ext uri="{D42A27DB-BD31-4B8C-83A1-F6EECF244321}">
-                <p14:modId xmlns:p14="http://schemas.microsoft.com/office/powerpoint/2010/main" val="3342855127"/>
+                <p14:modId xmlns:p14="http://schemas.microsoft.com/office/powerpoint/2010/main" val="1401690882"/>
               </p:ext>
             </p:extLst>
           </p:nvPr>
@@ -22657,7 +15483,7 @@
         </p:nvCxnSpPr>
         <p:spPr>
           <a:xfrm>
-            <a:off x="6021858" y="1985319"/>
+            <a:off x="6573796" y="1985319"/>
             <a:ext cx="0" cy="3369276"/>
           </a:xfrm>
           <a:prstGeom prst="line">
@@ -22692,7 +15518,7 @@
         </p:nvCxnSpPr>
         <p:spPr>
           <a:xfrm>
-            <a:off x="6005384" y="1985319"/>
+            <a:off x="6549085" y="1985319"/>
             <a:ext cx="0" cy="3369276"/>
           </a:xfrm>
           <a:prstGeom prst="line">
@@ -22727,7 +15553,7 @@
         </p:nvCxnSpPr>
         <p:spPr>
           <a:xfrm flipH="1">
-            <a:off x="7125732" y="1985319"/>
+            <a:off x="8377884" y="1985319"/>
             <a:ext cx="1" cy="3369276"/>
           </a:xfrm>
           <a:prstGeom prst="line">
@@ -22808,11 +15634,7 @@
           <a:p>
             <a:r>
               <a:rPr lang="de-DE" dirty="0" smtClean="0"/>
-              <a:t>„Territorium </a:t>
-            </a:r>
-            <a:r>
-              <a:rPr lang="de-DE" dirty="0" smtClean="0"/>
-              <a:t>Wohnung“</a:t>
+              <a:t>„Territorium Wohnung“</a:t>
             </a:r>
             <a:endParaRPr lang="de-DE" dirty="0"/>
           </a:p>
@@ -22840,13 +15662,8 @@
             </a:pPr>
             <a:r>
               <a:rPr lang="de-DE" dirty="0" smtClean="0"/>
-              <a:t>Körner: </a:t>
-            </a:r>
-            <a:r>
-              <a:rPr lang="de-DE" dirty="0" smtClean="0"/>
-              <a:t>46</a:t>
-            </a:r>
-            <a:endParaRPr lang="de-DE" dirty="0" smtClean="0"/>
+              <a:t>Körner: 46</a:t>
+            </a:r>
           </a:p>
           <a:p>
             <a:pPr marL="0" indent="0">
@@ -22854,13 +15671,8 @@
             </a:pPr>
             <a:r>
               <a:rPr lang="de-DE" dirty="0" smtClean="0"/>
-              <a:t>Feldgröße: </a:t>
-            </a:r>
-            <a:r>
-              <a:rPr lang="de-DE" dirty="0" smtClean="0"/>
-              <a:t>500</a:t>
-            </a:r>
-            <a:endParaRPr lang="de-DE" dirty="0" smtClean="0"/>
+              <a:t>Feldgröße: 500</a:t>
+            </a:r>
           </a:p>
           <a:p>
             <a:pPr marL="0" indent="0">
@@ -22868,15 +15680,7 @@
             </a:pPr>
             <a:r>
               <a:rPr lang="de-DE" dirty="0" smtClean="0"/>
-              <a:t>Akku</a:t>
-            </a:r>
-            <a:r>
-              <a:rPr lang="de-DE" dirty="0" smtClean="0"/>
-              <a:t>: </a:t>
-            </a:r>
-            <a:r>
-              <a:rPr lang="de-DE" dirty="0" smtClean="0"/>
-              <a:t>2000 Einheiten</a:t>
+              <a:t>Akku: 2000 Einheiten</a:t>
             </a:r>
           </a:p>
           <a:p>
@@ -23063,13 +15867,8 @@
             </a:pPr>
             <a:r>
               <a:rPr lang="de-DE" dirty="0" smtClean="0"/>
-              <a:t>Körner: </a:t>
-            </a:r>
-            <a:r>
-              <a:rPr lang="de-DE" dirty="0" smtClean="0"/>
-              <a:t>46</a:t>
-            </a:r>
-            <a:endParaRPr lang="de-DE" dirty="0" smtClean="0"/>
+              <a:t>Körner: 46</a:t>
+            </a:r>
           </a:p>
           <a:p>
             <a:pPr marL="0" indent="0">
@@ -23077,11 +15876,7 @@
             </a:pPr>
             <a:r>
               <a:rPr lang="de-DE" dirty="0" smtClean="0"/>
-              <a:t>Feldgröße: </a:t>
-            </a:r>
-            <a:r>
-              <a:rPr lang="de-DE" dirty="0" smtClean="0"/>
-              <a:t>500</a:t>
+              <a:t>Feldgröße: 500</a:t>
             </a:r>
           </a:p>
           <a:p>
@@ -23090,19 +15885,7 @@
             </a:pPr>
             <a:r>
               <a:rPr lang="de-DE" dirty="0" smtClean="0"/>
-              <a:t>Akku</a:t>
-            </a:r>
-            <a:r>
-              <a:rPr lang="de-DE" dirty="0" smtClean="0"/>
-              <a:t>: </a:t>
-            </a:r>
-            <a:r>
-              <a:rPr lang="de-DE" dirty="0" smtClean="0"/>
-              <a:t>2000 </a:t>
-            </a:r>
-            <a:r>
-              <a:rPr lang="de-DE" dirty="0" smtClean="0"/>
-              <a:t>Einheiten</a:t>
+              <a:t>Akku: 2000 Einheiten</a:t>
             </a:r>
           </a:p>
           <a:p>
@@ -23137,23 +15920,7 @@
                   <a:schemeClr val="accent2"/>
                 </a:solidFill>
               </a:rPr>
-              <a:t> = </a:t>
-            </a:r>
-            <a:r>
-              <a:rPr lang="de-DE" dirty="0" smtClean="0">
-                <a:solidFill>
-                  <a:schemeClr val="accent2"/>
-                </a:solidFill>
-              </a:rPr>
-              <a:t>92 </a:t>
-            </a:r>
-            <a:r>
-              <a:rPr lang="de-DE" dirty="0" smtClean="0">
-                <a:solidFill>
-                  <a:schemeClr val="accent2"/>
-                </a:solidFill>
-              </a:rPr>
-              <a:t>%</a:t>
+              <a:t> = 92 %</a:t>
             </a:r>
           </a:p>
           <a:p>
@@ -23182,23 +15949,7 @@
                   <a:schemeClr val="accent6"/>
                 </a:solidFill>
               </a:rPr>
-              <a:t> = </a:t>
-            </a:r>
-            <a:r>
-              <a:rPr lang="de-DE" dirty="0" smtClean="0">
-                <a:solidFill>
-                  <a:schemeClr val="accent6"/>
-                </a:solidFill>
-              </a:rPr>
-              <a:t>1560 </a:t>
-            </a:r>
-            <a:r>
-              <a:rPr lang="de-DE" dirty="0" smtClean="0">
-                <a:solidFill>
-                  <a:schemeClr val="accent6"/>
-                </a:solidFill>
-              </a:rPr>
-              <a:t>E.</a:t>
+              <a:t> = 1560 E.</a:t>
             </a:r>
           </a:p>
           <a:p>
@@ -23243,15 +15994,7 @@
                   <a:schemeClr val="tx2"/>
                 </a:solidFill>
               </a:rPr>
-              <a:t>5850 </a:t>
-            </a:r>
-            <a:r>
-              <a:rPr lang="de-DE" dirty="0" smtClean="0">
-                <a:solidFill>
-                  <a:schemeClr val="tx2"/>
-                </a:solidFill>
-              </a:rPr>
-              <a:t>E.</a:t>
+              <a:t>5850 E.</a:t>
             </a:r>
             <a:endParaRPr lang="de-DE" dirty="0">
               <a:solidFill>
@@ -23271,7 +16014,7 @@
             <p:ph sz="half" idx="2"/>
             <p:extLst>
               <p:ext uri="{D42A27DB-BD31-4B8C-83A1-F6EECF244321}">
-                <p14:modId xmlns:p14="http://schemas.microsoft.com/office/powerpoint/2010/main" val="2970539824"/>
+                <p14:modId xmlns:p14="http://schemas.microsoft.com/office/powerpoint/2010/main" val="1901040274"/>
               </p:ext>
             </p:extLst>
           </p:nvPr>
@@ -23337,7 +16080,7 @@
         </p:nvCxnSpPr>
         <p:spPr>
           <a:xfrm>
-            <a:off x="5774718" y="1985319"/>
+            <a:off x="6293701" y="2067699"/>
             <a:ext cx="0" cy="3286897"/>
           </a:xfrm>
           <a:prstGeom prst="line">
@@ -23372,7 +16115,7 @@
         </p:nvCxnSpPr>
         <p:spPr>
           <a:xfrm>
-            <a:off x="5642916" y="1985319"/>
+            <a:off x="6054805" y="2059461"/>
             <a:ext cx="0" cy="3286897"/>
           </a:xfrm>
           <a:prstGeom prst="line">
@@ -23407,7 +16150,7 @@
         </p:nvCxnSpPr>
         <p:spPr>
           <a:xfrm flipH="1">
-            <a:off x="6870356" y="1985319"/>
+            <a:off x="8377887" y="2059461"/>
             <a:ext cx="1" cy="3286897"/>
           </a:xfrm>
           <a:prstGeom prst="line">
@@ -23517,7 +16260,15 @@
             </a:r>
             <a:r>
               <a:rPr lang="de-DE" dirty="0" smtClean="0"/>
-              <a:t>das Feld zu Beginn bereits ist, desto effizienter ist er.</a:t>
+              <a:t>das Feld zu Beginn bereits ist, desto effizienter ist </a:t>
+            </a:r>
+            <a:r>
+              <a:rPr lang="de-DE" dirty="0" smtClean="0"/>
+              <a:t>der Hamster</a:t>
+            </a:r>
+            <a:r>
+              <a:rPr lang="de-DE" dirty="0" smtClean="0"/>
+              <a:t>.</a:t>
             </a:r>
             <a:endParaRPr lang="de-DE" dirty="0"/>
           </a:p>
@@ -23526,12 +16277,23 @@
               <a:rPr lang="de-DE" dirty="0" smtClean="0"/>
               <a:t>Terminierung: Hamster findet jedes Korn, braucht aber im Zweifelsfall unendlich lange dazu.</a:t>
             </a:r>
-            <a:endParaRPr lang="de-DE" dirty="0" smtClean="0"/>
           </a:p>
           <a:p>
             <a:r>
               <a:rPr lang="de-DE" dirty="0" smtClean="0"/>
-              <a:t>Für die Suche der ersten 90% der Körner braucht der Hamster i.d.R. gleich lange oder kürzer wie für die Suche der letzten 10%.</a:t>
+              <a:t>Für die Suche der ersten 90% der Körner braucht der Hamster i.d.R. gleich lange oder </a:t>
+            </a:r>
+            <a:r>
+              <a:rPr lang="de-DE" smtClean="0"/>
+              <a:t>kürzer </a:t>
+            </a:r>
+            <a:r>
+              <a:rPr lang="de-DE" smtClean="0"/>
+              <a:t>als </a:t>
+            </a:r>
+            <a:r>
+              <a:rPr lang="de-DE" dirty="0" smtClean="0"/>
+              <a:t>für die Suche der letzten 10%.</a:t>
             </a:r>
           </a:p>
           <a:p>
@@ -23934,42 +16696,23 @@
               <a:rPr lang="de-DE" dirty="0" smtClean="0"/>
               <a:t>Der Hamster liefert i.d.R. kein zuverlässiges, reproduzierbares Ergebnis.</a:t>
             </a:r>
-            <a:endParaRPr lang="de-DE" dirty="0" smtClean="0"/>
           </a:p>
           <a:p>
             <a:r>
               <a:rPr lang="de-DE" dirty="0" smtClean="0"/>
-              <a:t>Er passt </a:t>
-            </a:r>
-            <a:r>
-              <a:rPr lang="de-DE" dirty="0" smtClean="0"/>
-              <a:t>sich auf unterschiedlichen Größen gut </a:t>
-            </a:r>
-            <a:r>
-              <a:rPr lang="de-DE" dirty="0" smtClean="0"/>
-              <a:t>an.</a:t>
-            </a:r>
-            <a:endParaRPr lang="de-DE" dirty="0" smtClean="0"/>
+              <a:t>Er passt sich auf unterschiedlichen Größen gut an.</a:t>
+            </a:r>
           </a:p>
           <a:p>
             <a:r>
               <a:rPr lang="de-DE" dirty="0" smtClean="0"/>
-              <a:t>Endlosschleifen in bestimmten Territorien nicht möglich (wird durch zufällige Züge verhindert</a:t>
-            </a:r>
-            <a:r>
-              <a:rPr lang="de-DE" dirty="0" smtClean="0"/>
-              <a:t>).</a:t>
-            </a:r>
-            <a:endParaRPr lang="de-DE" dirty="0" smtClean="0"/>
+              <a:t>Endlosschleifen in bestimmten Territorien nicht möglich (wird durch zufällige Züge verhindert).</a:t>
+            </a:r>
           </a:p>
           <a:p>
             <a:r>
               <a:rPr lang="de-DE" dirty="0" smtClean="0"/>
-              <a:t>Besitzt keine „Intelligenz</a:t>
-            </a:r>
-            <a:r>
-              <a:rPr lang="de-DE" dirty="0" smtClean="0"/>
-              <a:t>“ (kann aus seinen Fehlern nicht lernen).</a:t>
+              <a:t>Besitzt keine „Intelligenz“ (kann aus seinen Fehlern nicht lernen).</a:t>
             </a:r>
           </a:p>
           <a:p>
@@ -23977,7 +16720,6 @@
               <a:rPr lang="de-DE" dirty="0" smtClean="0"/>
               <a:t>Kann eine Wohnung besser sauber halten als sauber machen.</a:t>
             </a:r>
-            <a:endParaRPr lang="de-DE" dirty="0" smtClean="0"/>
           </a:p>
           <a:p>
             <a:endParaRPr lang="de-DE" dirty="0"/>
@@ -24443,33 +17185,13 @@
           <a:p>
             <a:r>
               <a:rPr lang="de-DE" dirty="0" smtClean="0"/>
-              <a:t>Speichern, wie viele Körner noch auf </a:t>
-            </a:r>
-            <a:r>
-              <a:rPr lang="de-DE" dirty="0" smtClean="0"/>
-              <a:t>bereits besuchen </a:t>
-            </a:r>
-            <a:r>
-              <a:rPr lang="de-DE" dirty="0" smtClean="0"/>
-              <a:t>Kacheln liegen.</a:t>
+              <a:t>Speichern, wie viele Körner noch auf bereits besuchen Kacheln liegen.</a:t>
             </a:r>
           </a:p>
           <a:p>
             <a:r>
               <a:rPr lang="de-DE" dirty="0" smtClean="0"/>
-              <a:t>Auch im Sichtfeld </a:t>
-            </a:r>
-            <a:r>
-              <a:rPr lang="de-DE" dirty="0" smtClean="0"/>
-              <a:t>Körner </a:t>
-            </a:r>
-            <a:r>
-              <a:rPr lang="de-DE" dirty="0" smtClean="0"/>
-              <a:t>sehen können</a:t>
-            </a:r>
-            <a:r>
-              <a:rPr lang="de-DE" dirty="0" smtClean="0"/>
-              <a:t>.</a:t>
+              <a:t>Auch im Sichtfeld Körner sehen können.</a:t>
             </a:r>
           </a:p>
           <a:p>
@@ -24871,11 +17593,7 @@
           <a:p>
             <a:r>
               <a:rPr lang="de-DE" dirty="0" smtClean="0"/>
-              <a:t>Was sind </a:t>
-            </a:r>
-            <a:r>
-              <a:rPr lang="de-DE" dirty="0" smtClean="0"/>
-              <a:t>allgemeine </a:t>
+              <a:t>Was sind allgemeine </a:t>
             </a:r>
             <a:r>
               <a:rPr lang="de-DE" dirty="0" smtClean="0">
@@ -24889,7 +17607,6 @@
               <a:rPr lang="de-DE" dirty="0" smtClean="0"/>
               <a:t> für das Problem?</a:t>
             </a:r>
-            <a:endParaRPr lang="de-DE" dirty="0" smtClean="0"/>
           </a:p>
           <a:p>
             <a:r>
@@ -24902,29 +17619,12 @@
                   <a:schemeClr val="accent1"/>
                 </a:solidFill>
               </a:rPr>
-              <a:t>Weg </a:t>
-            </a:r>
-            <a:r>
-              <a:rPr lang="de-DE" dirty="0" smtClean="0">
-                <a:solidFill>
-                  <a:schemeClr val="accent1"/>
-                </a:solidFill>
-              </a:rPr>
-              <a:t>zur </a:t>
-            </a:r>
-            <a:r>
-              <a:rPr lang="de-DE" dirty="0" smtClean="0">
-                <a:solidFill>
-                  <a:schemeClr val="accent1"/>
-                </a:solidFill>
-              </a:rPr>
-              <a:t>Lösung</a:t>
+              <a:t>Weg zur Lösung</a:t>
             </a:r>
             <a:r>
               <a:rPr lang="de-DE" dirty="0" smtClean="0"/>
               <a:t>?</a:t>
             </a:r>
-            <a:endParaRPr lang="de-DE" dirty="0" smtClean="0"/>
           </a:p>
           <a:p>
             <a:r>
@@ -24943,7 +17643,6 @@
               <a:rPr lang="de-DE" dirty="0" smtClean="0"/>
               <a:t>treffen?</a:t>
             </a:r>
-            <a:endParaRPr lang="de-DE" dirty="0" smtClean="0"/>
           </a:p>
           <a:p>
             <a:r>
@@ -24962,7 +17661,6 @@
               <a:rPr lang="de-DE" dirty="0" smtClean="0"/>
               <a:t>ziehen wir aus den Ergebnissen?</a:t>
             </a:r>
-            <a:endParaRPr lang="de-DE" dirty="0" smtClean="0"/>
           </a:p>
           <a:p>
             <a:r>
@@ -25436,13 +18134,8 @@
           <a:p>
             <a:r>
               <a:rPr lang="de-DE" dirty="0" smtClean="0"/>
-              <a:t>Zufälliger Weg des </a:t>
-            </a:r>
-            <a:r>
-              <a:rPr lang="de-DE" dirty="0" smtClean="0"/>
-              <a:t>Hamsters.</a:t>
-            </a:r>
-            <a:endParaRPr lang="de-DE" dirty="0" smtClean="0"/>
+              <a:t>Zufälliger Weg des Hamsters.</a:t>
+            </a:r>
           </a:p>
           <a:p>
             <a:r>
@@ -25475,16 +18168,54 @@
           <a:p>
             <a:r>
               <a:rPr lang="de-DE" dirty="0" smtClean="0"/>
-              <a:t>Hamster bewegt sich vorwärts bis zu einer Mauer und entscheidet sich dann </a:t>
-            </a:r>
-            <a:r>
-              <a:rPr lang="de-DE" dirty="0" smtClean="0"/>
-              <a:t>zufällig (sog. Amöben-Strategie).</a:t>
-            </a:r>
-            <a:endParaRPr lang="de-DE" dirty="0" smtClean="0"/>
+              <a:t>Hamster bewegt sich vorwärts bis zu einer Mauer und entscheidet sich dann zufällig (sog. Amöben-Strategie).</a:t>
+            </a:r>
           </a:p>
           <a:p>
             <a:endParaRPr lang="de-DE" dirty="0" smtClean="0"/>
+          </a:p>
+        </p:txBody>
+      </p:sp>
+      <p:sp>
+        <p:nvSpPr>
+          <p:cNvPr id="4" name="Textfeld 3"/>
+          <p:cNvSpPr txBox="1"/>
+          <p:nvPr/>
+        </p:nvSpPr>
+        <p:spPr>
+          <a:xfrm>
+            <a:off x="8113784" y="189832"/>
+            <a:ext cx="1075936" cy="261610"/>
+          </a:xfrm>
+          <a:prstGeom prst="rect">
+            <a:avLst/>
+          </a:prstGeom>
+          <a:noFill/>
+        </p:spPr>
+        <p:txBody>
+          <a:bodyPr wrap="none" rtlCol="0">
+            <a:spAutoFit/>
+          </a:bodyPr>
+          <a:lstStyle/>
+          <a:p>
+            <a:pPr algn="r"/>
+            <a:r>
+              <a:rPr lang="de-DE" sz="1100" dirty="0" smtClean="0">
+                <a:solidFill>
+                  <a:schemeClr val="bg1">
+                    <a:lumMod val="50000"/>
+                  </a:schemeClr>
+                </a:solidFill>
+              </a:rPr>
+              <a:t>Lösungsansätze</a:t>
+            </a:r>
+            <a:endParaRPr lang="de-DE" sz="1100" dirty="0">
+              <a:solidFill>
+                <a:schemeClr val="bg1">
+                  <a:lumMod val="50000"/>
+                </a:schemeClr>
+              </a:solidFill>
+            </a:endParaRPr>
           </a:p>
         </p:txBody>
       </p:sp>
@@ -25843,6 +18574,49 @@
           </a:p>
         </p:txBody>
       </p:sp>
+      <p:sp>
+        <p:nvSpPr>
+          <p:cNvPr id="4" name="Textfeld 3"/>
+          <p:cNvSpPr txBox="1"/>
+          <p:nvPr/>
+        </p:nvSpPr>
+        <p:spPr>
+          <a:xfrm>
+            <a:off x="8099357" y="189832"/>
+            <a:ext cx="1090363" cy="261610"/>
+          </a:xfrm>
+          <a:prstGeom prst="rect">
+            <a:avLst/>
+          </a:prstGeom>
+          <a:noFill/>
+        </p:spPr>
+        <p:txBody>
+          <a:bodyPr wrap="none" rtlCol="0">
+            <a:spAutoFit/>
+          </a:bodyPr>
+          <a:lstStyle/>
+          <a:p>
+            <a:pPr algn="r"/>
+            <a:r>
+              <a:rPr lang="de-DE" sz="1100" dirty="0" smtClean="0">
+                <a:solidFill>
+                  <a:schemeClr val="bg1">
+                    <a:lumMod val="50000"/>
+                  </a:schemeClr>
+                </a:solidFill>
+              </a:rPr>
+              <a:t>Weg zur Lösung</a:t>
+            </a:r>
+            <a:endParaRPr lang="de-DE" sz="1100" dirty="0">
+              <a:solidFill>
+                <a:schemeClr val="bg1">
+                  <a:lumMod val="50000"/>
+                </a:schemeClr>
+              </a:solidFill>
+            </a:endParaRPr>
+          </a:p>
+        </p:txBody>
+      </p:sp>
     </p:spTree>
     <p:extLst>
       <p:ext uri="{BB962C8B-B14F-4D97-AF65-F5344CB8AC3E}">
@@ -26070,7 +18844,23 @@
             </a:r>
             <a:r>
               <a:rPr lang="de-DE" dirty="0" smtClean="0"/>
-              <a:t>Feld ohne Mauer in der Realität ungewöhnlich.</a:t>
+              <a:t>Feld ohne </a:t>
+            </a:r>
+            <a:r>
+              <a:rPr lang="de-DE" dirty="0" smtClean="0"/>
+              <a:t>Mauern </a:t>
+            </a:r>
+            <a:r>
+              <a:rPr lang="de-DE" dirty="0" smtClean="0"/>
+              <a:t>in der Realität </a:t>
+            </a:r>
+            <a:r>
+              <a:rPr lang="de-DE" dirty="0" smtClean="0"/>
+              <a:t>so oder so ungewöhnlich</a:t>
+            </a:r>
+            <a:r>
+              <a:rPr lang="de-DE" dirty="0" smtClean="0"/>
+              <a:t>.</a:t>
             </a:r>
             <a:endParaRPr lang="de-DE" dirty="0"/>
           </a:p>
@@ -26466,11 +19256,7 @@
           <a:p>
             <a:r>
               <a:rPr lang="de-DE" dirty="0" smtClean="0"/>
-              <a:t>Untersuchung auf verschiedenen </a:t>
-            </a:r>
-            <a:r>
-              <a:rPr lang="de-DE" dirty="0" smtClean="0"/>
-              <a:t>Territorien.</a:t>
+              <a:t>Untersuchung auf verschiedenen Territorien.</a:t>
             </a:r>
             <a:br>
               <a:rPr lang="de-DE" dirty="0" smtClean="0"/>
@@ -26479,31 +19265,17 @@
               <a:rPr lang="de-DE" dirty="0" smtClean="0"/>
               <a:t>Vorbedingung für die Territorien: Eine 100%-Lösung ist mit der Akkukapazität theoretisch möglich.</a:t>
             </a:r>
-            <a:endParaRPr lang="de-DE" dirty="0" smtClean="0"/>
           </a:p>
           <a:p>
             <a:r>
               <a:rPr lang="de-DE" dirty="0" smtClean="0"/>
-              <a:t>Jeweils 10 </a:t>
-            </a:r>
-            <a:r>
-              <a:rPr lang="de-DE" dirty="0" smtClean="0"/>
-              <a:t>Durchläufe.</a:t>
-            </a:r>
-            <a:endParaRPr lang="de-DE" dirty="0" smtClean="0"/>
+              <a:t>Jeweils 10 Durchläufe.</a:t>
+            </a:r>
           </a:p>
           <a:p>
             <a:r>
               <a:rPr lang="de-DE" dirty="0" smtClean="0"/>
-              <a:t>Vergleich </a:t>
-            </a:r>
-            <a:r>
-              <a:rPr lang="de-DE" dirty="0" smtClean="0"/>
-              <a:t>mittels </a:t>
-            </a:r>
-            <a:r>
-              <a:rPr lang="de-DE" dirty="0" smtClean="0"/>
-              <a:t>Median bei Akku leer.</a:t>
+              <a:t>Vergleich mittels Median bei Akku leer.</a:t>
             </a:r>
             <a:endParaRPr lang="de-DE" dirty="0"/>
           </a:p>
@@ -26815,11 +19587,7 @@
           <a:p>
             <a:r>
               <a:rPr lang="de-DE" dirty="0" smtClean="0"/>
-              <a:t>„Territorium </a:t>
-            </a:r>
-            <a:r>
-              <a:rPr lang="de-DE" dirty="0" smtClean="0"/>
-              <a:t>minimal“</a:t>
+              <a:t>„Territorium minimal“</a:t>
             </a:r>
             <a:endParaRPr lang="de-DE" dirty="0"/>
           </a:p>
@@ -26847,13 +19615,8 @@
             </a:pPr>
             <a:r>
               <a:rPr lang="de-DE" dirty="0" smtClean="0"/>
-              <a:t>Körner: </a:t>
-            </a:r>
-            <a:r>
-              <a:rPr lang="de-DE" dirty="0" smtClean="0"/>
-              <a:t>19</a:t>
-            </a:r>
-            <a:endParaRPr lang="de-DE" dirty="0" smtClean="0"/>
+              <a:t>Körner: 19</a:t>
+            </a:r>
           </a:p>
           <a:p>
             <a:pPr marL="0" indent="0">
@@ -26861,11 +19624,7 @@
             </a:pPr>
             <a:r>
               <a:rPr lang="de-DE" dirty="0" smtClean="0"/>
-              <a:t>Feldgröße: </a:t>
-            </a:r>
-            <a:r>
-              <a:rPr lang="de-DE" dirty="0" smtClean="0"/>
-              <a:t>9</a:t>
+              <a:t>Feldgröße: 9</a:t>
             </a:r>
           </a:p>
           <a:p>
@@ -26874,15 +19633,7 @@
             </a:pPr>
             <a:r>
               <a:rPr lang="de-DE" dirty="0" smtClean="0"/>
-              <a:t>Akku</a:t>
-            </a:r>
-            <a:r>
-              <a:rPr lang="de-DE" dirty="0" smtClean="0"/>
-              <a:t>: </a:t>
-            </a:r>
-            <a:r>
-              <a:rPr lang="de-DE" dirty="0" smtClean="0"/>
-              <a:t>36 Einheiten</a:t>
+              <a:t>Akku: 36 Einheiten</a:t>
             </a:r>
           </a:p>
           <a:p>
@@ -27038,11 +19789,7 @@
           <a:p>
             <a:r>
               <a:rPr lang="de-DE" dirty="0" smtClean="0"/>
-              <a:t>„Territorium </a:t>
-            </a:r>
-            <a:r>
-              <a:rPr lang="de-DE" dirty="0" smtClean="0"/>
-              <a:t>minimal“</a:t>
+              <a:t>„Territorium minimal“</a:t>
             </a:r>
             <a:endParaRPr lang="de-DE" dirty="0"/>
           </a:p>
@@ -27070,13 +19817,8 @@
             </a:pPr>
             <a:r>
               <a:rPr lang="de-DE" dirty="0" smtClean="0"/>
-              <a:t>Körner: </a:t>
-            </a:r>
-            <a:r>
-              <a:rPr lang="de-DE" dirty="0" smtClean="0"/>
-              <a:t>19</a:t>
-            </a:r>
-            <a:endParaRPr lang="de-DE" dirty="0" smtClean="0"/>
+              <a:t>Körner: 19</a:t>
+            </a:r>
           </a:p>
           <a:p>
             <a:pPr marL="0" indent="0">
@@ -27084,11 +19826,7 @@
             </a:pPr>
             <a:r>
               <a:rPr lang="de-DE" dirty="0" smtClean="0"/>
-              <a:t>Feldgröße: </a:t>
-            </a:r>
-            <a:r>
-              <a:rPr lang="de-DE" dirty="0" smtClean="0"/>
-              <a:t>9</a:t>
+              <a:t>Feldgröße: 9</a:t>
             </a:r>
           </a:p>
           <a:p>
@@ -27097,19 +19835,7 @@
             </a:pPr>
             <a:r>
               <a:rPr lang="de-DE" dirty="0" smtClean="0"/>
-              <a:t>Akku</a:t>
-            </a:r>
-            <a:r>
-              <a:rPr lang="de-DE" dirty="0" smtClean="0"/>
-              <a:t>: </a:t>
-            </a:r>
-            <a:r>
-              <a:rPr lang="de-DE" dirty="0" smtClean="0"/>
-              <a:t>36 </a:t>
-            </a:r>
-            <a:r>
-              <a:rPr lang="de-DE" dirty="0" smtClean="0"/>
-              <a:t>Einheiten</a:t>
+              <a:t>Akku: 36 Einheiten</a:t>
             </a:r>
           </a:p>
           <a:p>
@@ -27144,23 +19870,7 @@
                   <a:schemeClr val="accent2"/>
                 </a:solidFill>
               </a:rPr>
-              <a:t> = </a:t>
-            </a:r>
-            <a:r>
-              <a:rPr lang="de-DE" dirty="0" smtClean="0">
-                <a:solidFill>
-                  <a:schemeClr val="accent2"/>
-                </a:solidFill>
-              </a:rPr>
-              <a:t>58 </a:t>
-            </a:r>
-            <a:r>
-              <a:rPr lang="de-DE" dirty="0" smtClean="0">
-                <a:solidFill>
-                  <a:schemeClr val="accent2"/>
-                </a:solidFill>
-              </a:rPr>
-              <a:t>%</a:t>
+              <a:t> = 58 %</a:t>
             </a:r>
           </a:p>
           <a:p>
@@ -27197,7 +19907,7 @@
                   <a:schemeClr val="accent6"/>
                 </a:solidFill>
               </a:rPr>
-              <a:t>90 </a:t>
+              <a:t>80 </a:t>
             </a:r>
             <a:r>
               <a:rPr lang="de-DE" dirty="0" smtClean="0">
@@ -27250,15 +19960,7 @@
                   <a:schemeClr val="tx2"/>
                 </a:solidFill>
               </a:rPr>
-              <a:t>100 </a:t>
-            </a:r>
-            <a:r>
-              <a:rPr lang="de-DE" dirty="0" smtClean="0">
-                <a:solidFill>
-                  <a:schemeClr val="tx2"/>
-                </a:solidFill>
-              </a:rPr>
-              <a:t>E.</a:t>
+              <a:t>100 E.</a:t>
             </a:r>
             <a:endParaRPr lang="de-DE" dirty="0">
               <a:solidFill>
@@ -27278,7 +19980,7 @@
             <p:ph sz="half" idx="2"/>
             <p:extLst>
               <p:ext uri="{D42A27DB-BD31-4B8C-83A1-F6EECF244321}">
-                <p14:modId xmlns:p14="http://schemas.microsoft.com/office/powerpoint/2010/main" val="226370598"/>
+                <p14:modId xmlns:p14="http://schemas.microsoft.com/office/powerpoint/2010/main" val="2573400608"/>
               </p:ext>
             </p:extLst>
           </p:nvPr>
@@ -27344,7 +20046,7 @@
         </p:nvCxnSpPr>
         <p:spPr>
           <a:xfrm>
-            <a:off x="6244287" y="1985319"/>
+            <a:off x="6351381" y="1985319"/>
             <a:ext cx="0" cy="3492843"/>
           </a:xfrm>
           <a:prstGeom prst="line">
@@ -27379,7 +20081,7 @@
         </p:nvCxnSpPr>
         <p:spPr>
           <a:xfrm>
-            <a:off x="7694138" y="1985319"/>
+            <a:off x="7661188" y="1985319"/>
             <a:ext cx="0" cy="3492843"/>
           </a:xfrm>
           <a:prstGeom prst="line">
@@ -27414,7 +20116,7 @@
         </p:nvCxnSpPr>
         <p:spPr>
           <a:xfrm flipH="1">
-            <a:off x="7965993" y="1985319"/>
+            <a:off x="8237847" y="1985319"/>
             <a:ext cx="1" cy="3492843"/>
           </a:xfrm>
           <a:prstGeom prst="line">
@@ -27532,11 +20234,7 @@
             </a:pPr>
             <a:r>
               <a:rPr lang="de-DE" dirty="0" smtClean="0"/>
-              <a:t>Feldgröße: </a:t>
-            </a:r>
-            <a:r>
-              <a:rPr lang="de-DE" dirty="0" smtClean="0"/>
-              <a:t>450</a:t>
+              <a:t>Feldgröße: 450</a:t>
             </a:r>
           </a:p>
           <a:p>
@@ -27545,15 +20243,7 @@
             </a:pPr>
             <a:r>
               <a:rPr lang="de-DE" dirty="0" smtClean="0"/>
-              <a:t>Akku</a:t>
-            </a:r>
-            <a:r>
-              <a:rPr lang="de-DE" dirty="0" smtClean="0"/>
-              <a:t>: 1800 </a:t>
-            </a:r>
-            <a:r>
-              <a:rPr lang="de-DE" dirty="0" smtClean="0"/>
-              <a:t>Einheiten</a:t>
+              <a:t>Akku: 1800 Einheiten</a:t>
             </a:r>
           </a:p>
           <a:p>
@@ -27586,7 +20276,6 @@
               <a:rPr lang="de-DE" dirty="0" smtClean="0"/>
               <a:t>Lange Mauern</a:t>
             </a:r>
-            <a:endParaRPr lang="de-DE" dirty="0" smtClean="0"/>
           </a:p>
         </p:txBody>
       </p:sp>
